--- a/Slides/Building low-cost apps with SQL Server and .Net Core.pptx
+++ b/Slides/Building low-cost apps with SQL Server and .Net Core.pptx
@@ -19,7 +19,7 @@
     <p:sldId id="265" r:id="rId14"/>
   </p:sldIdLst>
   <p:sldSz cx="9144000" cy="5143500"/>
-  <p:notesSz cx="6858000" cy="9144000"/>
+  <p:notesSz cx="7559675" cy="10691812"/>
 </p:presentation>
 </file>
 
@@ -64,7 +64,7 @@
       </p:grpSpPr>
       <p:sp>
         <p:nvSpPr>
-          <p:cNvPr id="24" name="PlaceHolder 1"/>
+          <p:cNvPr id="23" name="PlaceHolder 1"/>
           <p:cNvSpPr>
             <a:spLocks noGrp="1"/>
           </p:cNvSpPr>
@@ -75,7 +75,7 @@
         <p:spPr>
           <a:xfrm>
             <a:off x="311760" y="744480"/>
-            <a:ext cx="8520120" cy="2052360"/>
+            <a:ext cx="8519760" cy="2052000"/>
           </a:xfrm>
           <a:prstGeom prst="rect">
             <a:avLst/>
@@ -84,18 +84,16 @@
         <p:txBody>
           <a:bodyPr lIns="0" rIns="0" tIns="0" bIns="0" anchor="ctr"/>
           <a:p>
-            <a:endParaRPr b="0" lang="en-GB" sz="1400" spc="-1" strike="noStrike">
-              <a:solidFill>
-                <a:srgbClr val="000000"/>
-              </a:solidFill>
-              <a:latin typeface="Arial"/>
-            </a:endParaRPr>
-          </a:p>
-        </p:txBody>
-      </p:sp>
-      <p:sp>
-        <p:nvSpPr>
-          <p:cNvPr id="25" name="PlaceHolder 2"/>
+            <a:pPr algn="ctr"/>
+            <a:endParaRPr b="0" lang="en-GB" sz="4400" spc="-1" strike="noStrike">
+              <a:latin typeface="Arial"/>
+            </a:endParaRPr>
+          </a:p>
+        </p:txBody>
+      </p:sp>
+      <p:sp>
+        <p:nvSpPr>
+          <p:cNvPr id="24" name="PlaceHolder 2"/>
           <p:cNvSpPr>
             <a:spLocks noGrp="1"/>
           </p:cNvSpPr>
@@ -117,18 +115,15 @@
             <a:normAutofit/>
           </a:bodyPr>
           <a:p>
-            <a:endParaRPr b="0" lang="en-GB" sz="1400" spc="-1" strike="noStrike">
-              <a:solidFill>
-                <a:srgbClr val="000000"/>
-              </a:solidFill>
-              <a:latin typeface="Arial"/>
-            </a:endParaRPr>
-          </a:p>
-        </p:txBody>
-      </p:sp>
-      <p:sp>
-        <p:nvSpPr>
-          <p:cNvPr id="26" name="PlaceHolder 3"/>
+            <a:endParaRPr b="0" lang="en-GB" sz="3200" spc="-1" strike="noStrike">
+              <a:latin typeface="Arial"/>
+            </a:endParaRPr>
+          </a:p>
+        </p:txBody>
+      </p:sp>
+      <p:sp>
+        <p:nvSpPr>
+          <p:cNvPr id="25" name="PlaceHolder 3"/>
           <p:cNvSpPr>
             <a:spLocks noGrp="1"/>
           </p:cNvSpPr>
@@ -150,10 +145,7 @@
             <a:normAutofit/>
           </a:bodyPr>
           <a:p>
-            <a:endParaRPr b="0" lang="en-GB" sz="1400" spc="-1" strike="noStrike">
-              <a:solidFill>
-                <a:srgbClr val="000000"/>
-              </a:solidFill>
+            <a:endParaRPr b="0" lang="en-GB" sz="3200" spc="-1" strike="noStrike">
               <a:latin typeface="Arial"/>
             </a:endParaRPr>
           </a:p>
@@ -183,7 +175,7 @@
       </p:grpSpPr>
       <p:sp>
         <p:nvSpPr>
-          <p:cNvPr id="27" name="PlaceHolder 1"/>
+          <p:cNvPr id="26" name="PlaceHolder 1"/>
           <p:cNvSpPr>
             <a:spLocks noGrp="1"/>
           </p:cNvSpPr>
@@ -194,7 +186,7 @@
         <p:spPr>
           <a:xfrm>
             <a:off x="311760" y="744480"/>
-            <a:ext cx="8520120" cy="2052360"/>
+            <a:ext cx="8519760" cy="2052000"/>
           </a:xfrm>
           <a:prstGeom prst="rect">
             <a:avLst/>
@@ -203,18 +195,16 @@
         <p:txBody>
           <a:bodyPr lIns="0" rIns="0" tIns="0" bIns="0" anchor="ctr"/>
           <a:p>
-            <a:endParaRPr b="0" lang="en-GB" sz="1400" spc="-1" strike="noStrike">
-              <a:solidFill>
-                <a:srgbClr val="000000"/>
-              </a:solidFill>
-              <a:latin typeface="Arial"/>
-            </a:endParaRPr>
-          </a:p>
-        </p:txBody>
-      </p:sp>
-      <p:sp>
-        <p:nvSpPr>
-          <p:cNvPr id="28" name="PlaceHolder 2"/>
+            <a:pPr algn="ctr"/>
+            <a:endParaRPr b="0" lang="en-GB" sz="4400" spc="-1" strike="noStrike">
+              <a:latin typeface="Arial"/>
+            </a:endParaRPr>
+          </a:p>
+        </p:txBody>
+      </p:sp>
+      <p:sp>
+        <p:nvSpPr>
+          <p:cNvPr id="27" name="PlaceHolder 2"/>
           <p:cNvSpPr>
             <a:spLocks noGrp="1"/>
           </p:cNvSpPr>
@@ -236,18 +226,15 @@
             <a:normAutofit/>
           </a:bodyPr>
           <a:p>
-            <a:endParaRPr b="0" lang="en-GB" sz="1400" spc="-1" strike="noStrike">
-              <a:solidFill>
-                <a:srgbClr val="000000"/>
-              </a:solidFill>
-              <a:latin typeface="Arial"/>
-            </a:endParaRPr>
-          </a:p>
-        </p:txBody>
-      </p:sp>
-      <p:sp>
-        <p:nvSpPr>
-          <p:cNvPr id="29" name="PlaceHolder 3"/>
+            <a:endParaRPr b="0" lang="en-GB" sz="3200" spc="-1" strike="noStrike">
+              <a:latin typeface="Arial"/>
+            </a:endParaRPr>
+          </a:p>
+        </p:txBody>
+      </p:sp>
+      <p:sp>
+        <p:nvSpPr>
+          <p:cNvPr id="28" name="PlaceHolder 3"/>
           <p:cNvSpPr>
             <a:spLocks noGrp="1"/>
           </p:cNvSpPr>
@@ -269,18 +256,15 @@
             <a:normAutofit/>
           </a:bodyPr>
           <a:p>
-            <a:endParaRPr b="0" lang="en-GB" sz="1400" spc="-1" strike="noStrike">
-              <a:solidFill>
-                <a:srgbClr val="000000"/>
-              </a:solidFill>
-              <a:latin typeface="Arial"/>
-            </a:endParaRPr>
-          </a:p>
-        </p:txBody>
-      </p:sp>
-      <p:sp>
-        <p:nvSpPr>
-          <p:cNvPr id="30" name="PlaceHolder 4"/>
+            <a:endParaRPr b="0" lang="en-GB" sz="3200" spc="-1" strike="noStrike">
+              <a:latin typeface="Arial"/>
+            </a:endParaRPr>
+          </a:p>
+        </p:txBody>
+      </p:sp>
+      <p:sp>
+        <p:nvSpPr>
+          <p:cNvPr id="29" name="PlaceHolder 4"/>
           <p:cNvSpPr>
             <a:spLocks noGrp="1"/>
           </p:cNvSpPr>
@@ -302,18 +286,15 @@
             <a:normAutofit/>
           </a:bodyPr>
           <a:p>
-            <a:endParaRPr b="0" lang="en-GB" sz="1400" spc="-1" strike="noStrike">
-              <a:solidFill>
-                <a:srgbClr val="000000"/>
-              </a:solidFill>
-              <a:latin typeface="Arial"/>
-            </a:endParaRPr>
-          </a:p>
-        </p:txBody>
-      </p:sp>
-      <p:sp>
-        <p:nvSpPr>
-          <p:cNvPr id="31" name="PlaceHolder 5"/>
+            <a:endParaRPr b="0" lang="en-GB" sz="3200" spc="-1" strike="noStrike">
+              <a:latin typeface="Arial"/>
+            </a:endParaRPr>
+          </a:p>
+        </p:txBody>
+      </p:sp>
+      <p:sp>
+        <p:nvSpPr>
+          <p:cNvPr id="30" name="PlaceHolder 5"/>
           <p:cNvSpPr>
             <a:spLocks noGrp="1"/>
           </p:cNvSpPr>
@@ -335,10 +316,7 @@
             <a:normAutofit/>
           </a:bodyPr>
           <a:p>
-            <a:endParaRPr b="0" lang="en-GB" sz="1400" spc="-1" strike="noStrike">
-              <a:solidFill>
-                <a:srgbClr val="000000"/>
-              </a:solidFill>
+            <a:endParaRPr b="0" lang="en-GB" sz="3200" spc="-1" strike="noStrike">
               <a:latin typeface="Arial"/>
             </a:endParaRPr>
           </a:p>
@@ -368,7 +346,7 @@
       </p:grpSpPr>
       <p:sp>
         <p:nvSpPr>
-          <p:cNvPr id="32" name="PlaceHolder 1"/>
+          <p:cNvPr id="31" name="PlaceHolder 1"/>
           <p:cNvSpPr>
             <a:spLocks noGrp="1"/>
           </p:cNvSpPr>
@@ -379,7 +357,7 @@
         <p:spPr>
           <a:xfrm>
             <a:off x="311760" y="744480"/>
-            <a:ext cx="8520120" cy="2052360"/>
+            <a:ext cx="8519760" cy="2052000"/>
           </a:xfrm>
           <a:prstGeom prst="rect">
             <a:avLst/>
@@ -388,18 +366,16 @@
         <p:txBody>
           <a:bodyPr lIns="0" rIns="0" tIns="0" bIns="0" anchor="ctr"/>
           <a:p>
-            <a:endParaRPr b="0" lang="en-GB" sz="1400" spc="-1" strike="noStrike">
-              <a:solidFill>
-                <a:srgbClr val="000000"/>
-              </a:solidFill>
-              <a:latin typeface="Arial"/>
-            </a:endParaRPr>
-          </a:p>
-        </p:txBody>
-      </p:sp>
-      <p:sp>
-        <p:nvSpPr>
-          <p:cNvPr id="33" name="PlaceHolder 2"/>
+            <a:pPr algn="ctr"/>
+            <a:endParaRPr b="0" lang="en-GB" sz="4400" spc="-1" strike="noStrike">
+              <a:latin typeface="Arial"/>
+            </a:endParaRPr>
+          </a:p>
+        </p:txBody>
+      </p:sp>
+      <p:sp>
+        <p:nvSpPr>
+          <p:cNvPr id="32" name="PlaceHolder 2"/>
           <p:cNvSpPr>
             <a:spLocks noGrp="1"/>
           </p:cNvSpPr>
@@ -421,18 +397,15 @@
             <a:normAutofit/>
           </a:bodyPr>
           <a:p>
-            <a:endParaRPr b="0" lang="en-GB" sz="1400" spc="-1" strike="noStrike">
-              <a:solidFill>
-                <a:srgbClr val="000000"/>
-              </a:solidFill>
-              <a:latin typeface="Arial"/>
-            </a:endParaRPr>
-          </a:p>
-        </p:txBody>
-      </p:sp>
-      <p:sp>
-        <p:nvSpPr>
-          <p:cNvPr id="34" name="PlaceHolder 3"/>
+            <a:endParaRPr b="0" lang="en-GB" sz="3200" spc="-1" strike="noStrike">
+              <a:latin typeface="Arial"/>
+            </a:endParaRPr>
+          </a:p>
+        </p:txBody>
+      </p:sp>
+      <p:sp>
+        <p:nvSpPr>
+          <p:cNvPr id="33" name="PlaceHolder 3"/>
           <p:cNvSpPr>
             <a:spLocks noGrp="1"/>
           </p:cNvSpPr>
@@ -454,18 +427,15 @@
             <a:normAutofit/>
           </a:bodyPr>
           <a:p>
-            <a:endParaRPr b="0" lang="en-GB" sz="1400" spc="-1" strike="noStrike">
-              <a:solidFill>
-                <a:srgbClr val="000000"/>
-              </a:solidFill>
-              <a:latin typeface="Arial"/>
-            </a:endParaRPr>
-          </a:p>
-        </p:txBody>
-      </p:sp>
-      <p:sp>
-        <p:nvSpPr>
-          <p:cNvPr id="35" name="PlaceHolder 4"/>
+            <a:endParaRPr b="0" lang="en-GB" sz="3200" spc="-1" strike="noStrike">
+              <a:latin typeface="Arial"/>
+            </a:endParaRPr>
+          </a:p>
+        </p:txBody>
+      </p:sp>
+      <p:sp>
+        <p:nvSpPr>
+          <p:cNvPr id="34" name="PlaceHolder 4"/>
           <p:cNvSpPr>
             <a:spLocks noGrp="1"/>
           </p:cNvSpPr>
@@ -487,18 +457,15 @@
             <a:normAutofit/>
           </a:bodyPr>
           <a:p>
-            <a:endParaRPr b="0" lang="en-GB" sz="1400" spc="-1" strike="noStrike">
-              <a:solidFill>
-                <a:srgbClr val="000000"/>
-              </a:solidFill>
-              <a:latin typeface="Arial"/>
-            </a:endParaRPr>
-          </a:p>
-        </p:txBody>
-      </p:sp>
-      <p:sp>
-        <p:nvSpPr>
-          <p:cNvPr id="36" name="PlaceHolder 5"/>
+            <a:endParaRPr b="0" lang="en-GB" sz="3200" spc="-1" strike="noStrike">
+              <a:latin typeface="Arial"/>
+            </a:endParaRPr>
+          </a:p>
+        </p:txBody>
+      </p:sp>
+      <p:sp>
+        <p:nvSpPr>
+          <p:cNvPr id="35" name="PlaceHolder 5"/>
           <p:cNvSpPr>
             <a:spLocks noGrp="1"/>
           </p:cNvSpPr>
@@ -520,18 +487,15 @@
             <a:normAutofit/>
           </a:bodyPr>
           <a:p>
-            <a:endParaRPr b="0" lang="en-GB" sz="1400" spc="-1" strike="noStrike">
-              <a:solidFill>
-                <a:srgbClr val="000000"/>
-              </a:solidFill>
-              <a:latin typeface="Arial"/>
-            </a:endParaRPr>
-          </a:p>
-        </p:txBody>
-      </p:sp>
-      <p:sp>
-        <p:nvSpPr>
-          <p:cNvPr id="37" name="PlaceHolder 6"/>
+            <a:endParaRPr b="0" lang="en-GB" sz="3200" spc="-1" strike="noStrike">
+              <a:latin typeface="Arial"/>
+            </a:endParaRPr>
+          </a:p>
+        </p:txBody>
+      </p:sp>
+      <p:sp>
+        <p:nvSpPr>
+          <p:cNvPr id="36" name="PlaceHolder 6"/>
           <p:cNvSpPr>
             <a:spLocks noGrp="1"/>
           </p:cNvSpPr>
@@ -553,18 +517,15 @@
             <a:normAutofit/>
           </a:bodyPr>
           <a:p>
-            <a:endParaRPr b="0" lang="en-GB" sz="1400" spc="-1" strike="noStrike">
-              <a:solidFill>
-                <a:srgbClr val="000000"/>
-              </a:solidFill>
-              <a:latin typeface="Arial"/>
-            </a:endParaRPr>
-          </a:p>
-        </p:txBody>
-      </p:sp>
-      <p:sp>
-        <p:nvSpPr>
-          <p:cNvPr id="38" name="PlaceHolder 7"/>
+            <a:endParaRPr b="0" lang="en-GB" sz="3200" spc="-1" strike="noStrike">
+              <a:latin typeface="Arial"/>
+            </a:endParaRPr>
+          </a:p>
+        </p:txBody>
+      </p:sp>
+      <p:sp>
+        <p:nvSpPr>
+          <p:cNvPr id="37" name="PlaceHolder 7"/>
           <p:cNvSpPr>
             <a:spLocks noGrp="1"/>
           </p:cNvSpPr>
@@ -586,10 +547,7 @@
             <a:normAutofit/>
           </a:bodyPr>
           <a:p>
-            <a:endParaRPr b="0" lang="en-GB" sz="1400" spc="-1" strike="noStrike">
-              <a:solidFill>
-                <a:srgbClr val="000000"/>
-              </a:solidFill>
+            <a:endParaRPr b="0" lang="en-GB" sz="3200" spc="-1" strike="noStrike">
               <a:latin typeface="Arial"/>
             </a:endParaRPr>
           </a:p>
@@ -641,7 +599,7 @@
       </p:grpSpPr>
       <p:sp>
         <p:nvSpPr>
-          <p:cNvPr id="42" name="PlaceHolder 1"/>
+          <p:cNvPr id="40" name="PlaceHolder 1"/>
           <p:cNvSpPr>
             <a:spLocks noGrp="1"/>
           </p:cNvSpPr>
@@ -652,7 +610,7 @@
         <p:spPr>
           <a:xfrm>
             <a:off x="311760" y="744480"/>
-            <a:ext cx="8520120" cy="2052360"/>
+            <a:ext cx="8519760" cy="2052000"/>
           </a:xfrm>
           <a:prstGeom prst="rect">
             <a:avLst/>
@@ -661,18 +619,16 @@
         <p:txBody>
           <a:bodyPr lIns="0" rIns="0" tIns="0" bIns="0" anchor="ctr"/>
           <a:p>
-            <a:endParaRPr b="0" lang="en-GB" sz="1400" spc="-1" strike="noStrike">
-              <a:solidFill>
-                <a:srgbClr val="000000"/>
-              </a:solidFill>
-              <a:latin typeface="Arial"/>
-            </a:endParaRPr>
-          </a:p>
-        </p:txBody>
-      </p:sp>
-      <p:sp>
-        <p:nvSpPr>
-          <p:cNvPr id="43" name="PlaceHolder 2"/>
+            <a:pPr algn="ctr"/>
+            <a:endParaRPr b="0" lang="en-GB" sz="4400" spc="-1" strike="noStrike">
+              <a:latin typeface="Arial"/>
+            </a:endParaRPr>
+          </a:p>
+        </p:txBody>
+      </p:sp>
+      <p:sp>
+        <p:nvSpPr>
+          <p:cNvPr id="41" name="PlaceHolder 2"/>
           <p:cNvSpPr>
             <a:spLocks noGrp="1"/>
           </p:cNvSpPr>
@@ -723,7 +679,7 @@
       </p:grpSpPr>
       <p:sp>
         <p:nvSpPr>
-          <p:cNvPr id="44" name="PlaceHolder 1"/>
+          <p:cNvPr id="42" name="PlaceHolder 1"/>
           <p:cNvSpPr>
             <a:spLocks noGrp="1"/>
           </p:cNvSpPr>
@@ -734,7 +690,7 @@
         <p:spPr>
           <a:xfrm>
             <a:off x="311760" y="744480"/>
-            <a:ext cx="8520120" cy="2052360"/>
+            <a:ext cx="8519760" cy="2052000"/>
           </a:xfrm>
           <a:prstGeom prst="rect">
             <a:avLst/>
@@ -743,18 +699,16 @@
         <p:txBody>
           <a:bodyPr lIns="0" rIns="0" tIns="0" bIns="0" anchor="ctr"/>
           <a:p>
-            <a:endParaRPr b="0" lang="en-GB" sz="1400" spc="-1" strike="noStrike">
-              <a:solidFill>
-                <a:srgbClr val="000000"/>
-              </a:solidFill>
-              <a:latin typeface="Arial"/>
-            </a:endParaRPr>
-          </a:p>
-        </p:txBody>
-      </p:sp>
-      <p:sp>
-        <p:nvSpPr>
-          <p:cNvPr id="45" name="PlaceHolder 2"/>
+            <a:pPr algn="ctr"/>
+            <a:endParaRPr b="0" lang="en-GB" sz="4400" spc="-1" strike="noStrike">
+              <a:latin typeface="Arial"/>
+            </a:endParaRPr>
+          </a:p>
+        </p:txBody>
+      </p:sp>
+      <p:sp>
+        <p:nvSpPr>
+          <p:cNvPr id="43" name="PlaceHolder 2"/>
           <p:cNvSpPr>
             <a:spLocks noGrp="1"/>
           </p:cNvSpPr>
@@ -776,10 +730,7 @@
             <a:normAutofit/>
           </a:bodyPr>
           <a:p>
-            <a:endParaRPr b="0" lang="en-GB" sz="1400" spc="-1" strike="noStrike">
-              <a:solidFill>
-                <a:srgbClr val="000000"/>
-              </a:solidFill>
+            <a:endParaRPr b="0" lang="en-GB" sz="3200" spc="-1" strike="noStrike">
               <a:latin typeface="Arial"/>
             </a:endParaRPr>
           </a:p>
@@ -809,7 +760,7 @@
       </p:grpSpPr>
       <p:sp>
         <p:nvSpPr>
-          <p:cNvPr id="46" name="PlaceHolder 1"/>
+          <p:cNvPr id="44" name="PlaceHolder 1"/>
           <p:cNvSpPr>
             <a:spLocks noGrp="1"/>
           </p:cNvSpPr>
@@ -820,7 +771,7 @@
         <p:spPr>
           <a:xfrm>
             <a:off x="311760" y="744480"/>
-            <a:ext cx="8520120" cy="2052360"/>
+            <a:ext cx="8519760" cy="2052000"/>
           </a:xfrm>
           <a:prstGeom prst="rect">
             <a:avLst/>
@@ -829,18 +780,16 @@
         <p:txBody>
           <a:bodyPr lIns="0" rIns="0" tIns="0" bIns="0" anchor="ctr"/>
           <a:p>
-            <a:endParaRPr b="0" lang="en-GB" sz="1400" spc="-1" strike="noStrike">
-              <a:solidFill>
-                <a:srgbClr val="000000"/>
-              </a:solidFill>
-              <a:latin typeface="Arial"/>
-            </a:endParaRPr>
-          </a:p>
-        </p:txBody>
-      </p:sp>
-      <p:sp>
-        <p:nvSpPr>
-          <p:cNvPr id="47" name="PlaceHolder 2"/>
+            <a:pPr algn="ctr"/>
+            <a:endParaRPr b="0" lang="en-GB" sz="4400" spc="-1" strike="noStrike">
+              <a:latin typeface="Arial"/>
+            </a:endParaRPr>
+          </a:p>
+        </p:txBody>
+      </p:sp>
+      <p:sp>
+        <p:nvSpPr>
+          <p:cNvPr id="45" name="PlaceHolder 2"/>
           <p:cNvSpPr>
             <a:spLocks noGrp="1"/>
           </p:cNvSpPr>
@@ -862,18 +811,15 @@
             <a:normAutofit/>
           </a:bodyPr>
           <a:p>
-            <a:endParaRPr b="0" lang="en-GB" sz="1400" spc="-1" strike="noStrike">
-              <a:solidFill>
-                <a:srgbClr val="000000"/>
-              </a:solidFill>
-              <a:latin typeface="Arial"/>
-            </a:endParaRPr>
-          </a:p>
-        </p:txBody>
-      </p:sp>
-      <p:sp>
-        <p:nvSpPr>
-          <p:cNvPr id="48" name="PlaceHolder 3"/>
+            <a:endParaRPr b="0" lang="en-GB" sz="3200" spc="-1" strike="noStrike">
+              <a:latin typeface="Arial"/>
+            </a:endParaRPr>
+          </a:p>
+        </p:txBody>
+      </p:sp>
+      <p:sp>
+        <p:nvSpPr>
+          <p:cNvPr id="46" name="PlaceHolder 3"/>
           <p:cNvSpPr>
             <a:spLocks noGrp="1"/>
           </p:cNvSpPr>
@@ -895,10 +841,7 @@
             <a:normAutofit/>
           </a:bodyPr>
           <a:p>
-            <a:endParaRPr b="0" lang="en-GB" sz="1400" spc="-1" strike="noStrike">
-              <a:solidFill>
-                <a:srgbClr val="000000"/>
-              </a:solidFill>
+            <a:endParaRPr b="0" lang="en-GB" sz="3200" spc="-1" strike="noStrike">
               <a:latin typeface="Arial"/>
             </a:endParaRPr>
           </a:p>
@@ -928,7 +871,7 @@
       </p:grpSpPr>
       <p:sp>
         <p:nvSpPr>
-          <p:cNvPr id="49" name="PlaceHolder 1"/>
+          <p:cNvPr id="47" name="PlaceHolder 1"/>
           <p:cNvSpPr>
             <a:spLocks noGrp="1"/>
           </p:cNvSpPr>
@@ -939,7 +882,7 @@
         <p:spPr>
           <a:xfrm>
             <a:off x="311760" y="744480"/>
-            <a:ext cx="8520120" cy="2052360"/>
+            <a:ext cx="8519760" cy="2052000"/>
           </a:xfrm>
           <a:prstGeom prst="rect">
             <a:avLst/>
@@ -948,10 +891,8 @@
         <p:txBody>
           <a:bodyPr lIns="0" rIns="0" tIns="0" bIns="0" anchor="ctr"/>
           <a:p>
-            <a:endParaRPr b="0" lang="en-GB" sz="1400" spc="-1" strike="noStrike">
-              <a:solidFill>
-                <a:srgbClr val="000000"/>
-              </a:solidFill>
+            <a:pPr algn="ctr"/>
+            <a:endParaRPr b="0" lang="en-GB" sz="4400" spc="-1" strike="noStrike">
               <a:latin typeface="Arial"/>
             </a:endParaRPr>
           </a:p>
@@ -981,7 +922,7 @@
       </p:grpSpPr>
       <p:sp>
         <p:nvSpPr>
-          <p:cNvPr id="50" name="PlaceHolder 1"/>
+          <p:cNvPr id="48" name="PlaceHolder 1"/>
           <p:cNvSpPr>
             <a:spLocks noGrp="1"/>
           </p:cNvSpPr>
@@ -992,7 +933,7 @@
         <p:spPr>
           <a:xfrm>
             <a:off x="311760" y="744480"/>
-            <a:ext cx="8520120" cy="9514800"/>
+            <a:ext cx="8519760" cy="9513000"/>
           </a:xfrm>
           <a:prstGeom prst="rect">
             <a:avLst/>
@@ -1032,7 +973,7 @@
       </p:grpSpPr>
       <p:sp>
         <p:nvSpPr>
-          <p:cNvPr id="51" name="PlaceHolder 1"/>
+          <p:cNvPr id="49" name="PlaceHolder 1"/>
           <p:cNvSpPr>
             <a:spLocks noGrp="1"/>
           </p:cNvSpPr>
@@ -1043,7 +984,7 @@
         <p:spPr>
           <a:xfrm>
             <a:off x="311760" y="744480"/>
-            <a:ext cx="8520120" cy="2052360"/>
+            <a:ext cx="8519760" cy="2052000"/>
           </a:xfrm>
           <a:prstGeom prst="rect">
             <a:avLst/>
@@ -1052,18 +993,16 @@
         <p:txBody>
           <a:bodyPr lIns="0" rIns="0" tIns="0" bIns="0" anchor="ctr"/>
           <a:p>
-            <a:endParaRPr b="0" lang="en-GB" sz="1400" spc="-1" strike="noStrike">
-              <a:solidFill>
-                <a:srgbClr val="000000"/>
-              </a:solidFill>
-              <a:latin typeface="Arial"/>
-            </a:endParaRPr>
-          </a:p>
-        </p:txBody>
-      </p:sp>
-      <p:sp>
-        <p:nvSpPr>
-          <p:cNvPr id="52" name="PlaceHolder 2"/>
+            <a:pPr algn="ctr"/>
+            <a:endParaRPr b="0" lang="en-GB" sz="4400" spc="-1" strike="noStrike">
+              <a:latin typeface="Arial"/>
+            </a:endParaRPr>
+          </a:p>
+        </p:txBody>
+      </p:sp>
+      <p:sp>
+        <p:nvSpPr>
+          <p:cNvPr id="50" name="PlaceHolder 2"/>
           <p:cNvSpPr>
             <a:spLocks noGrp="1"/>
           </p:cNvSpPr>
@@ -1085,18 +1024,15 @@
             <a:normAutofit/>
           </a:bodyPr>
           <a:p>
-            <a:endParaRPr b="0" lang="en-GB" sz="1400" spc="-1" strike="noStrike">
-              <a:solidFill>
-                <a:srgbClr val="000000"/>
-              </a:solidFill>
-              <a:latin typeface="Arial"/>
-            </a:endParaRPr>
-          </a:p>
-        </p:txBody>
-      </p:sp>
-      <p:sp>
-        <p:nvSpPr>
-          <p:cNvPr id="53" name="PlaceHolder 3"/>
+            <a:endParaRPr b="0" lang="en-GB" sz="3200" spc="-1" strike="noStrike">
+              <a:latin typeface="Arial"/>
+            </a:endParaRPr>
+          </a:p>
+        </p:txBody>
+      </p:sp>
+      <p:sp>
+        <p:nvSpPr>
+          <p:cNvPr id="51" name="PlaceHolder 3"/>
           <p:cNvSpPr>
             <a:spLocks noGrp="1"/>
           </p:cNvSpPr>
@@ -1118,18 +1054,15 @@
             <a:normAutofit/>
           </a:bodyPr>
           <a:p>
-            <a:endParaRPr b="0" lang="en-GB" sz="1400" spc="-1" strike="noStrike">
-              <a:solidFill>
-                <a:srgbClr val="000000"/>
-              </a:solidFill>
-              <a:latin typeface="Arial"/>
-            </a:endParaRPr>
-          </a:p>
-        </p:txBody>
-      </p:sp>
-      <p:sp>
-        <p:nvSpPr>
-          <p:cNvPr id="54" name="PlaceHolder 4"/>
+            <a:endParaRPr b="0" lang="en-GB" sz="3200" spc="-1" strike="noStrike">
+              <a:latin typeface="Arial"/>
+            </a:endParaRPr>
+          </a:p>
+        </p:txBody>
+      </p:sp>
+      <p:sp>
+        <p:nvSpPr>
+          <p:cNvPr id="52" name="PlaceHolder 4"/>
           <p:cNvSpPr>
             <a:spLocks noGrp="1"/>
           </p:cNvSpPr>
@@ -1151,10 +1084,7 @@
             <a:normAutofit/>
           </a:bodyPr>
           <a:p>
-            <a:endParaRPr b="0" lang="en-GB" sz="1400" spc="-1" strike="noStrike">
-              <a:solidFill>
-                <a:srgbClr val="000000"/>
-              </a:solidFill>
+            <a:endParaRPr b="0" lang="en-GB" sz="3200" spc="-1" strike="noStrike">
               <a:latin typeface="Arial"/>
             </a:endParaRPr>
           </a:p>
@@ -1184,7 +1114,7 @@
       </p:grpSpPr>
       <p:sp>
         <p:nvSpPr>
-          <p:cNvPr id="3" name="PlaceHolder 1"/>
+          <p:cNvPr id="2" name="PlaceHolder 1"/>
           <p:cNvSpPr>
             <a:spLocks noGrp="1"/>
           </p:cNvSpPr>
@@ -1195,7 +1125,7 @@
         <p:spPr>
           <a:xfrm>
             <a:off x="311760" y="744480"/>
-            <a:ext cx="8520120" cy="2052360"/>
+            <a:ext cx="8519760" cy="2052000"/>
           </a:xfrm>
           <a:prstGeom prst="rect">
             <a:avLst/>
@@ -1204,18 +1134,16 @@
         <p:txBody>
           <a:bodyPr lIns="0" rIns="0" tIns="0" bIns="0" anchor="ctr"/>
           <a:p>
-            <a:endParaRPr b="0" lang="en-GB" sz="1400" spc="-1" strike="noStrike">
-              <a:solidFill>
-                <a:srgbClr val="000000"/>
-              </a:solidFill>
-              <a:latin typeface="Arial"/>
-            </a:endParaRPr>
-          </a:p>
-        </p:txBody>
-      </p:sp>
-      <p:sp>
-        <p:nvSpPr>
-          <p:cNvPr id="4" name="PlaceHolder 2"/>
+            <a:pPr algn="ctr"/>
+            <a:endParaRPr b="0" lang="en-GB" sz="4400" spc="-1" strike="noStrike">
+              <a:latin typeface="Arial"/>
+            </a:endParaRPr>
+          </a:p>
+        </p:txBody>
+      </p:sp>
+      <p:sp>
+        <p:nvSpPr>
+          <p:cNvPr id="3" name="PlaceHolder 2"/>
           <p:cNvSpPr>
             <a:spLocks noGrp="1"/>
           </p:cNvSpPr>
@@ -1266,7 +1194,7 @@
       </p:grpSpPr>
       <p:sp>
         <p:nvSpPr>
-          <p:cNvPr id="55" name="PlaceHolder 1"/>
+          <p:cNvPr id="53" name="PlaceHolder 1"/>
           <p:cNvSpPr>
             <a:spLocks noGrp="1"/>
           </p:cNvSpPr>
@@ -1277,7 +1205,7 @@
         <p:spPr>
           <a:xfrm>
             <a:off x="311760" y="744480"/>
-            <a:ext cx="8520120" cy="2052360"/>
+            <a:ext cx="8519760" cy="2052000"/>
           </a:xfrm>
           <a:prstGeom prst="rect">
             <a:avLst/>
@@ -1286,18 +1214,16 @@
         <p:txBody>
           <a:bodyPr lIns="0" rIns="0" tIns="0" bIns="0" anchor="ctr"/>
           <a:p>
-            <a:endParaRPr b="0" lang="en-GB" sz="1400" spc="-1" strike="noStrike">
-              <a:solidFill>
-                <a:srgbClr val="000000"/>
-              </a:solidFill>
-              <a:latin typeface="Arial"/>
-            </a:endParaRPr>
-          </a:p>
-        </p:txBody>
-      </p:sp>
-      <p:sp>
-        <p:nvSpPr>
-          <p:cNvPr id="56" name="PlaceHolder 2"/>
+            <a:pPr algn="ctr"/>
+            <a:endParaRPr b="0" lang="en-GB" sz="4400" spc="-1" strike="noStrike">
+              <a:latin typeface="Arial"/>
+            </a:endParaRPr>
+          </a:p>
+        </p:txBody>
+      </p:sp>
+      <p:sp>
+        <p:nvSpPr>
+          <p:cNvPr id="54" name="PlaceHolder 2"/>
           <p:cNvSpPr>
             <a:spLocks noGrp="1"/>
           </p:cNvSpPr>
@@ -1319,18 +1245,15 @@
             <a:normAutofit/>
           </a:bodyPr>
           <a:p>
-            <a:endParaRPr b="0" lang="en-GB" sz="1400" spc="-1" strike="noStrike">
-              <a:solidFill>
-                <a:srgbClr val="000000"/>
-              </a:solidFill>
-              <a:latin typeface="Arial"/>
-            </a:endParaRPr>
-          </a:p>
-        </p:txBody>
-      </p:sp>
-      <p:sp>
-        <p:nvSpPr>
-          <p:cNvPr id="57" name="PlaceHolder 3"/>
+            <a:endParaRPr b="0" lang="en-GB" sz="3200" spc="-1" strike="noStrike">
+              <a:latin typeface="Arial"/>
+            </a:endParaRPr>
+          </a:p>
+        </p:txBody>
+      </p:sp>
+      <p:sp>
+        <p:nvSpPr>
+          <p:cNvPr id="55" name="PlaceHolder 3"/>
           <p:cNvSpPr>
             <a:spLocks noGrp="1"/>
           </p:cNvSpPr>
@@ -1352,18 +1275,15 @@
             <a:normAutofit/>
           </a:bodyPr>
           <a:p>
-            <a:endParaRPr b="0" lang="en-GB" sz="1400" spc="-1" strike="noStrike">
-              <a:solidFill>
-                <a:srgbClr val="000000"/>
-              </a:solidFill>
-              <a:latin typeface="Arial"/>
-            </a:endParaRPr>
-          </a:p>
-        </p:txBody>
-      </p:sp>
-      <p:sp>
-        <p:nvSpPr>
-          <p:cNvPr id="58" name="PlaceHolder 4"/>
+            <a:endParaRPr b="0" lang="en-GB" sz="3200" spc="-1" strike="noStrike">
+              <a:latin typeface="Arial"/>
+            </a:endParaRPr>
+          </a:p>
+        </p:txBody>
+      </p:sp>
+      <p:sp>
+        <p:nvSpPr>
+          <p:cNvPr id="56" name="PlaceHolder 4"/>
           <p:cNvSpPr>
             <a:spLocks noGrp="1"/>
           </p:cNvSpPr>
@@ -1385,10 +1305,7 @@
             <a:normAutofit/>
           </a:bodyPr>
           <a:p>
-            <a:endParaRPr b="0" lang="en-GB" sz="1400" spc="-1" strike="noStrike">
-              <a:solidFill>
-                <a:srgbClr val="000000"/>
-              </a:solidFill>
+            <a:endParaRPr b="0" lang="en-GB" sz="3200" spc="-1" strike="noStrike">
               <a:latin typeface="Arial"/>
             </a:endParaRPr>
           </a:p>
@@ -1418,7 +1335,7 @@
       </p:grpSpPr>
       <p:sp>
         <p:nvSpPr>
-          <p:cNvPr id="59" name="PlaceHolder 1"/>
+          <p:cNvPr id="57" name="PlaceHolder 1"/>
           <p:cNvSpPr>
             <a:spLocks noGrp="1"/>
           </p:cNvSpPr>
@@ -1429,7 +1346,7 @@
         <p:spPr>
           <a:xfrm>
             <a:off x="311760" y="744480"/>
-            <a:ext cx="8520120" cy="2052360"/>
+            <a:ext cx="8519760" cy="2052000"/>
           </a:xfrm>
           <a:prstGeom prst="rect">
             <a:avLst/>
@@ -1438,18 +1355,16 @@
         <p:txBody>
           <a:bodyPr lIns="0" rIns="0" tIns="0" bIns="0" anchor="ctr"/>
           <a:p>
-            <a:endParaRPr b="0" lang="en-GB" sz="1400" spc="-1" strike="noStrike">
-              <a:solidFill>
-                <a:srgbClr val="000000"/>
-              </a:solidFill>
-              <a:latin typeface="Arial"/>
-            </a:endParaRPr>
-          </a:p>
-        </p:txBody>
-      </p:sp>
-      <p:sp>
-        <p:nvSpPr>
-          <p:cNvPr id="60" name="PlaceHolder 2"/>
+            <a:pPr algn="ctr"/>
+            <a:endParaRPr b="0" lang="en-GB" sz="4400" spc="-1" strike="noStrike">
+              <a:latin typeface="Arial"/>
+            </a:endParaRPr>
+          </a:p>
+        </p:txBody>
+      </p:sp>
+      <p:sp>
+        <p:nvSpPr>
+          <p:cNvPr id="58" name="PlaceHolder 2"/>
           <p:cNvSpPr>
             <a:spLocks noGrp="1"/>
           </p:cNvSpPr>
@@ -1471,18 +1386,15 @@
             <a:normAutofit/>
           </a:bodyPr>
           <a:p>
-            <a:endParaRPr b="0" lang="en-GB" sz="1400" spc="-1" strike="noStrike">
-              <a:solidFill>
-                <a:srgbClr val="000000"/>
-              </a:solidFill>
-              <a:latin typeface="Arial"/>
-            </a:endParaRPr>
-          </a:p>
-        </p:txBody>
-      </p:sp>
-      <p:sp>
-        <p:nvSpPr>
-          <p:cNvPr id="61" name="PlaceHolder 3"/>
+            <a:endParaRPr b="0" lang="en-GB" sz="3200" spc="-1" strike="noStrike">
+              <a:latin typeface="Arial"/>
+            </a:endParaRPr>
+          </a:p>
+        </p:txBody>
+      </p:sp>
+      <p:sp>
+        <p:nvSpPr>
+          <p:cNvPr id="59" name="PlaceHolder 3"/>
           <p:cNvSpPr>
             <a:spLocks noGrp="1"/>
           </p:cNvSpPr>
@@ -1504,18 +1416,15 @@
             <a:normAutofit/>
           </a:bodyPr>
           <a:p>
-            <a:endParaRPr b="0" lang="en-GB" sz="1400" spc="-1" strike="noStrike">
-              <a:solidFill>
-                <a:srgbClr val="000000"/>
-              </a:solidFill>
-              <a:latin typeface="Arial"/>
-            </a:endParaRPr>
-          </a:p>
-        </p:txBody>
-      </p:sp>
-      <p:sp>
-        <p:nvSpPr>
-          <p:cNvPr id="62" name="PlaceHolder 4"/>
+            <a:endParaRPr b="0" lang="en-GB" sz="3200" spc="-1" strike="noStrike">
+              <a:latin typeface="Arial"/>
+            </a:endParaRPr>
+          </a:p>
+        </p:txBody>
+      </p:sp>
+      <p:sp>
+        <p:nvSpPr>
+          <p:cNvPr id="60" name="PlaceHolder 4"/>
           <p:cNvSpPr>
             <a:spLocks noGrp="1"/>
           </p:cNvSpPr>
@@ -1537,10 +1446,7 @@
             <a:normAutofit/>
           </a:bodyPr>
           <a:p>
-            <a:endParaRPr b="0" lang="en-GB" sz="1400" spc="-1" strike="noStrike">
-              <a:solidFill>
-                <a:srgbClr val="000000"/>
-              </a:solidFill>
+            <a:endParaRPr b="0" lang="en-GB" sz="3200" spc="-1" strike="noStrike">
               <a:latin typeface="Arial"/>
             </a:endParaRPr>
           </a:p>
@@ -1570,7 +1476,7 @@
       </p:grpSpPr>
       <p:sp>
         <p:nvSpPr>
-          <p:cNvPr id="63" name="PlaceHolder 1"/>
+          <p:cNvPr id="61" name="PlaceHolder 1"/>
           <p:cNvSpPr>
             <a:spLocks noGrp="1"/>
           </p:cNvSpPr>
@@ -1581,7 +1487,7 @@
         <p:spPr>
           <a:xfrm>
             <a:off x="311760" y="744480"/>
-            <a:ext cx="8520120" cy="2052360"/>
+            <a:ext cx="8519760" cy="2052000"/>
           </a:xfrm>
           <a:prstGeom prst="rect">
             <a:avLst/>
@@ -1590,18 +1496,16 @@
         <p:txBody>
           <a:bodyPr lIns="0" rIns="0" tIns="0" bIns="0" anchor="ctr"/>
           <a:p>
-            <a:endParaRPr b="0" lang="en-GB" sz="1400" spc="-1" strike="noStrike">
-              <a:solidFill>
-                <a:srgbClr val="000000"/>
-              </a:solidFill>
-              <a:latin typeface="Arial"/>
-            </a:endParaRPr>
-          </a:p>
-        </p:txBody>
-      </p:sp>
-      <p:sp>
-        <p:nvSpPr>
-          <p:cNvPr id="64" name="PlaceHolder 2"/>
+            <a:pPr algn="ctr"/>
+            <a:endParaRPr b="0" lang="en-GB" sz="4400" spc="-1" strike="noStrike">
+              <a:latin typeface="Arial"/>
+            </a:endParaRPr>
+          </a:p>
+        </p:txBody>
+      </p:sp>
+      <p:sp>
+        <p:nvSpPr>
+          <p:cNvPr id="62" name="PlaceHolder 2"/>
           <p:cNvSpPr>
             <a:spLocks noGrp="1"/>
           </p:cNvSpPr>
@@ -1623,18 +1527,15 @@
             <a:normAutofit/>
           </a:bodyPr>
           <a:p>
-            <a:endParaRPr b="0" lang="en-GB" sz="1400" spc="-1" strike="noStrike">
-              <a:solidFill>
-                <a:srgbClr val="000000"/>
-              </a:solidFill>
-              <a:latin typeface="Arial"/>
-            </a:endParaRPr>
-          </a:p>
-        </p:txBody>
-      </p:sp>
-      <p:sp>
-        <p:nvSpPr>
-          <p:cNvPr id="65" name="PlaceHolder 3"/>
+            <a:endParaRPr b="0" lang="en-GB" sz="3200" spc="-1" strike="noStrike">
+              <a:latin typeface="Arial"/>
+            </a:endParaRPr>
+          </a:p>
+        </p:txBody>
+      </p:sp>
+      <p:sp>
+        <p:nvSpPr>
+          <p:cNvPr id="63" name="PlaceHolder 3"/>
           <p:cNvSpPr>
             <a:spLocks noGrp="1"/>
           </p:cNvSpPr>
@@ -1656,10 +1557,7 @@
             <a:normAutofit/>
           </a:bodyPr>
           <a:p>
-            <a:endParaRPr b="0" lang="en-GB" sz="1400" spc="-1" strike="noStrike">
-              <a:solidFill>
-                <a:srgbClr val="000000"/>
-              </a:solidFill>
+            <a:endParaRPr b="0" lang="en-GB" sz="3200" spc="-1" strike="noStrike">
               <a:latin typeface="Arial"/>
             </a:endParaRPr>
           </a:p>
@@ -1689,7 +1587,7 @@
       </p:grpSpPr>
       <p:sp>
         <p:nvSpPr>
-          <p:cNvPr id="66" name="PlaceHolder 1"/>
+          <p:cNvPr id="64" name="PlaceHolder 1"/>
           <p:cNvSpPr>
             <a:spLocks noGrp="1"/>
           </p:cNvSpPr>
@@ -1700,7 +1598,7 @@
         <p:spPr>
           <a:xfrm>
             <a:off x="311760" y="744480"/>
-            <a:ext cx="8520120" cy="2052360"/>
+            <a:ext cx="8519760" cy="2052000"/>
           </a:xfrm>
           <a:prstGeom prst="rect">
             <a:avLst/>
@@ -1709,18 +1607,16 @@
         <p:txBody>
           <a:bodyPr lIns="0" rIns="0" tIns="0" bIns="0" anchor="ctr"/>
           <a:p>
-            <a:endParaRPr b="0" lang="en-GB" sz="1400" spc="-1" strike="noStrike">
-              <a:solidFill>
-                <a:srgbClr val="000000"/>
-              </a:solidFill>
-              <a:latin typeface="Arial"/>
-            </a:endParaRPr>
-          </a:p>
-        </p:txBody>
-      </p:sp>
-      <p:sp>
-        <p:nvSpPr>
-          <p:cNvPr id="67" name="PlaceHolder 2"/>
+            <a:pPr algn="ctr"/>
+            <a:endParaRPr b="0" lang="en-GB" sz="4400" spc="-1" strike="noStrike">
+              <a:latin typeface="Arial"/>
+            </a:endParaRPr>
+          </a:p>
+        </p:txBody>
+      </p:sp>
+      <p:sp>
+        <p:nvSpPr>
+          <p:cNvPr id="65" name="PlaceHolder 2"/>
           <p:cNvSpPr>
             <a:spLocks noGrp="1"/>
           </p:cNvSpPr>
@@ -1742,18 +1638,15 @@
             <a:normAutofit/>
           </a:bodyPr>
           <a:p>
-            <a:endParaRPr b="0" lang="en-GB" sz="1400" spc="-1" strike="noStrike">
-              <a:solidFill>
-                <a:srgbClr val="000000"/>
-              </a:solidFill>
-              <a:latin typeface="Arial"/>
-            </a:endParaRPr>
-          </a:p>
-        </p:txBody>
-      </p:sp>
-      <p:sp>
-        <p:nvSpPr>
-          <p:cNvPr id="68" name="PlaceHolder 3"/>
+            <a:endParaRPr b="0" lang="en-GB" sz="3200" spc="-1" strike="noStrike">
+              <a:latin typeface="Arial"/>
+            </a:endParaRPr>
+          </a:p>
+        </p:txBody>
+      </p:sp>
+      <p:sp>
+        <p:nvSpPr>
+          <p:cNvPr id="66" name="PlaceHolder 3"/>
           <p:cNvSpPr>
             <a:spLocks noGrp="1"/>
           </p:cNvSpPr>
@@ -1775,18 +1668,15 @@
             <a:normAutofit/>
           </a:bodyPr>
           <a:p>
-            <a:endParaRPr b="0" lang="en-GB" sz="1400" spc="-1" strike="noStrike">
-              <a:solidFill>
-                <a:srgbClr val="000000"/>
-              </a:solidFill>
-              <a:latin typeface="Arial"/>
-            </a:endParaRPr>
-          </a:p>
-        </p:txBody>
-      </p:sp>
-      <p:sp>
-        <p:nvSpPr>
-          <p:cNvPr id="69" name="PlaceHolder 4"/>
+            <a:endParaRPr b="0" lang="en-GB" sz="3200" spc="-1" strike="noStrike">
+              <a:latin typeface="Arial"/>
+            </a:endParaRPr>
+          </a:p>
+        </p:txBody>
+      </p:sp>
+      <p:sp>
+        <p:nvSpPr>
+          <p:cNvPr id="67" name="PlaceHolder 4"/>
           <p:cNvSpPr>
             <a:spLocks noGrp="1"/>
           </p:cNvSpPr>
@@ -1808,18 +1698,15 @@
             <a:normAutofit/>
           </a:bodyPr>
           <a:p>
-            <a:endParaRPr b="0" lang="en-GB" sz="1400" spc="-1" strike="noStrike">
-              <a:solidFill>
-                <a:srgbClr val="000000"/>
-              </a:solidFill>
-              <a:latin typeface="Arial"/>
-            </a:endParaRPr>
-          </a:p>
-        </p:txBody>
-      </p:sp>
-      <p:sp>
-        <p:nvSpPr>
-          <p:cNvPr id="70" name="PlaceHolder 5"/>
+            <a:endParaRPr b="0" lang="en-GB" sz="3200" spc="-1" strike="noStrike">
+              <a:latin typeface="Arial"/>
+            </a:endParaRPr>
+          </a:p>
+        </p:txBody>
+      </p:sp>
+      <p:sp>
+        <p:nvSpPr>
+          <p:cNvPr id="68" name="PlaceHolder 5"/>
           <p:cNvSpPr>
             <a:spLocks noGrp="1"/>
           </p:cNvSpPr>
@@ -1841,10 +1728,7 @@
             <a:normAutofit/>
           </a:bodyPr>
           <a:p>
-            <a:endParaRPr b="0" lang="en-GB" sz="1400" spc="-1" strike="noStrike">
-              <a:solidFill>
-                <a:srgbClr val="000000"/>
-              </a:solidFill>
+            <a:endParaRPr b="0" lang="en-GB" sz="3200" spc="-1" strike="noStrike">
               <a:latin typeface="Arial"/>
             </a:endParaRPr>
           </a:p>
@@ -1874,7 +1758,7 @@
       </p:grpSpPr>
       <p:sp>
         <p:nvSpPr>
-          <p:cNvPr id="71" name="PlaceHolder 1"/>
+          <p:cNvPr id="69" name="PlaceHolder 1"/>
           <p:cNvSpPr>
             <a:spLocks noGrp="1"/>
           </p:cNvSpPr>
@@ -1885,7 +1769,7 @@
         <p:spPr>
           <a:xfrm>
             <a:off x="311760" y="744480"/>
-            <a:ext cx="8520120" cy="2052360"/>
+            <a:ext cx="8519760" cy="2052000"/>
           </a:xfrm>
           <a:prstGeom prst="rect">
             <a:avLst/>
@@ -1894,18 +1778,16 @@
         <p:txBody>
           <a:bodyPr lIns="0" rIns="0" tIns="0" bIns="0" anchor="ctr"/>
           <a:p>
-            <a:endParaRPr b="0" lang="en-GB" sz="1400" spc="-1" strike="noStrike">
-              <a:solidFill>
-                <a:srgbClr val="000000"/>
-              </a:solidFill>
-              <a:latin typeface="Arial"/>
-            </a:endParaRPr>
-          </a:p>
-        </p:txBody>
-      </p:sp>
-      <p:sp>
-        <p:nvSpPr>
-          <p:cNvPr id="72" name="PlaceHolder 2"/>
+            <a:pPr algn="ctr"/>
+            <a:endParaRPr b="0" lang="en-GB" sz="4400" spc="-1" strike="noStrike">
+              <a:latin typeface="Arial"/>
+            </a:endParaRPr>
+          </a:p>
+        </p:txBody>
+      </p:sp>
+      <p:sp>
+        <p:nvSpPr>
+          <p:cNvPr id="70" name="PlaceHolder 2"/>
           <p:cNvSpPr>
             <a:spLocks noGrp="1"/>
           </p:cNvSpPr>
@@ -1927,18 +1809,15 @@
             <a:normAutofit/>
           </a:bodyPr>
           <a:p>
-            <a:endParaRPr b="0" lang="en-GB" sz="1400" spc="-1" strike="noStrike">
-              <a:solidFill>
-                <a:srgbClr val="000000"/>
-              </a:solidFill>
-              <a:latin typeface="Arial"/>
-            </a:endParaRPr>
-          </a:p>
-        </p:txBody>
-      </p:sp>
-      <p:sp>
-        <p:nvSpPr>
-          <p:cNvPr id="73" name="PlaceHolder 3"/>
+            <a:endParaRPr b="0" lang="en-GB" sz="3200" spc="-1" strike="noStrike">
+              <a:latin typeface="Arial"/>
+            </a:endParaRPr>
+          </a:p>
+        </p:txBody>
+      </p:sp>
+      <p:sp>
+        <p:nvSpPr>
+          <p:cNvPr id="71" name="PlaceHolder 3"/>
           <p:cNvSpPr>
             <a:spLocks noGrp="1"/>
           </p:cNvSpPr>
@@ -1960,18 +1839,15 @@
             <a:normAutofit/>
           </a:bodyPr>
           <a:p>
-            <a:endParaRPr b="0" lang="en-GB" sz="1400" spc="-1" strike="noStrike">
-              <a:solidFill>
-                <a:srgbClr val="000000"/>
-              </a:solidFill>
-              <a:latin typeface="Arial"/>
-            </a:endParaRPr>
-          </a:p>
-        </p:txBody>
-      </p:sp>
-      <p:sp>
-        <p:nvSpPr>
-          <p:cNvPr id="74" name="PlaceHolder 4"/>
+            <a:endParaRPr b="0" lang="en-GB" sz="3200" spc="-1" strike="noStrike">
+              <a:latin typeface="Arial"/>
+            </a:endParaRPr>
+          </a:p>
+        </p:txBody>
+      </p:sp>
+      <p:sp>
+        <p:nvSpPr>
+          <p:cNvPr id="72" name="PlaceHolder 4"/>
           <p:cNvSpPr>
             <a:spLocks noGrp="1"/>
           </p:cNvSpPr>
@@ -1993,18 +1869,15 @@
             <a:normAutofit/>
           </a:bodyPr>
           <a:p>
-            <a:endParaRPr b="0" lang="en-GB" sz="1400" spc="-1" strike="noStrike">
-              <a:solidFill>
-                <a:srgbClr val="000000"/>
-              </a:solidFill>
-              <a:latin typeface="Arial"/>
-            </a:endParaRPr>
-          </a:p>
-        </p:txBody>
-      </p:sp>
-      <p:sp>
-        <p:nvSpPr>
-          <p:cNvPr id="75" name="PlaceHolder 5"/>
+            <a:endParaRPr b="0" lang="en-GB" sz="3200" spc="-1" strike="noStrike">
+              <a:latin typeface="Arial"/>
+            </a:endParaRPr>
+          </a:p>
+        </p:txBody>
+      </p:sp>
+      <p:sp>
+        <p:nvSpPr>
+          <p:cNvPr id="73" name="PlaceHolder 5"/>
           <p:cNvSpPr>
             <a:spLocks noGrp="1"/>
           </p:cNvSpPr>
@@ -2026,18 +1899,15 @@
             <a:normAutofit/>
           </a:bodyPr>
           <a:p>
-            <a:endParaRPr b="0" lang="en-GB" sz="1400" spc="-1" strike="noStrike">
-              <a:solidFill>
-                <a:srgbClr val="000000"/>
-              </a:solidFill>
-              <a:latin typeface="Arial"/>
-            </a:endParaRPr>
-          </a:p>
-        </p:txBody>
-      </p:sp>
-      <p:sp>
-        <p:nvSpPr>
-          <p:cNvPr id="76" name="PlaceHolder 6"/>
+            <a:endParaRPr b="0" lang="en-GB" sz="3200" spc="-1" strike="noStrike">
+              <a:latin typeface="Arial"/>
+            </a:endParaRPr>
+          </a:p>
+        </p:txBody>
+      </p:sp>
+      <p:sp>
+        <p:nvSpPr>
+          <p:cNvPr id="74" name="PlaceHolder 6"/>
           <p:cNvSpPr>
             <a:spLocks noGrp="1"/>
           </p:cNvSpPr>
@@ -2059,18 +1929,15 @@
             <a:normAutofit/>
           </a:bodyPr>
           <a:p>
-            <a:endParaRPr b="0" lang="en-GB" sz="1400" spc="-1" strike="noStrike">
-              <a:solidFill>
-                <a:srgbClr val="000000"/>
-              </a:solidFill>
-              <a:latin typeface="Arial"/>
-            </a:endParaRPr>
-          </a:p>
-        </p:txBody>
-      </p:sp>
-      <p:sp>
-        <p:nvSpPr>
-          <p:cNvPr id="77" name="PlaceHolder 7"/>
+            <a:endParaRPr b="0" lang="en-GB" sz="3200" spc="-1" strike="noStrike">
+              <a:latin typeface="Arial"/>
+            </a:endParaRPr>
+          </a:p>
+        </p:txBody>
+      </p:sp>
+      <p:sp>
+        <p:nvSpPr>
+          <p:cNvPr id="75" name="PlaceHolder 7"/>
           <p:cNvSpPr>
             <a:spLocks noGrp="1"/>
           </p:cNvSpPr>
@@ -2092,10 +1959,7 @@
             <a:normAutofit/>
           </a:bodyPr>
           <a:p>
-            <a:endParaRPr b="0" lang="en-GB" sz="1400" spc="-1" strike="noStrike">
-              <a:solidFill>
-                <a:srgbClr val="000000"/>
-              </a:solidFill>
+            <a:endParaRPr b="0" lang="en-GB" sz="3200" spc="-1" strike="noStrike">
               <a:latin typeface="Arial"/>
             </a:endParaRPr>
           </a:p>
@@ -2147,7 +2011,7 @@
       </p:grpSpPr>
       <p:sp>
         <p:nvSpPr>
-          <p:cNvPr id="81" name="PlaceHolder 1"/>
+          <p:cNvPr id="78" name="PlaceHolder 1"/>
           <p:cNvSpPr>
             <a:spLocks noGrp="1"/>
           </p:cNvSpPr>
@@ -2158,7 +2022,7 @@
         <p:spPr>
           <a:xfrm>
             <a:off x="311760" y="744480"/>
-            <a:ext cx="8520120" cy="2052360"/>
+            <a:ext cx="8519760" cy="2052000"/>
           </a:xfrm>
           <a:prstGeom prst="rect">
             <a:avLst/>
@@ -2167,18 +2031,16 @@
         <p:txBody>
           <a:bodyPr lIns="0" rIns="0" tIns="0" bIns="0" anchor="ctr"/>
           <a:p>
-            <a:endParaRPr b="0" lang="en-GB" sz="1400" spc="-1" strike="noStrike">
-              <a:solidFill>
-                <a:srgbClr val="000000"/>
-              </a:solidFill>
-              <a:latin typeface="Arial"/>
-            </a:endParaRPr>
-          </a:p>
-        </p:txBody>
-      </p:sp>
-      <p:sp>
-        <p:nvSpPr>
-          <p:cNvPr id="82" name="PlaceHolder 2"/>
+            <a:pPr algn="ctr"/>
+            <a:endParaRPr b="0" lang="en-GB" sz="4400" spc="-1" strike="noStrike">
+              <a:latin typeface="Arial"/>
+            </a:endParaRPr>
+          </a:p>
+        </p:txBody>
+      </p:sp>
+      <p:sp>
+        <p:nvSpPr>
+          <p:cNvPr id="79" name="PlaceHolder 2"/>
           <p:cNvSpPr>
             <a:spLocks noGrp="1"/>
           </p:cNvSpPr>
@@ -2229,7 +2091,7 @@
       </p:grpSpPr>
       <p:sp>
         <p:nvSpPr>
-          <p:cNvPr id="83" name="PlaceHolder 1"/>
+          <p:cNvPr id="80" name="PlaceHolder 1"/>
           <p:cNvSpPr>
             <a:spLocks noGrp="1"/>
           </p:cNvSpPr>
@@ -2240,7 +2102,7 @@
         <p:spPr>
           <a:xfrm>
             <a:off x="311760" y="744480"/>
-            <a:ext cx="8520120" cy="2052360"/>
+            <a:ext cx="8519760" cy="2052000"/>
           </a:xfrm>
           <a:prstGeom prst="rect">
             <a:avLst/>
@@ -2249,18 +2111,16 @@
         <p:txBody>
           <a:bodyPr lIns="0" rIns="0" tIns="0" bIns="0" anchor="ctr"/>
           <a:p>
-            <a:endParaRPr b="0" lang="en-GB" sz="1400" spc="-1" strike="noStrike">
-              <a:solidFill>
-                <a:srgbClr val="000000"/>
-              </a:solidFill>
-              <a:latin typeface="Arial"/>
-            </a:endParaRPr>
-          </a:p>
-        </p:txBody>
-      </p:sp>
-      <p:sp>
-        <p:nvSpPr>
-          <p:cNvPr id="84" name="PlaceHolder 2"/>
+            <a:pPr algn="ctr"/>
+            <a:endParaRPr b="0" lang="en-GB" sz="4400" spc="-1" strike="noStrike">
+              <a:latin typeface="Arial"/>
+            </a:endParaRPr>
+          </a:p>
+        </p:txBody>
+      </p:sp>
+      <p:sp>
+        <p:nvSpPr>
+          <p:cNvPr id="81" name="PlaceHolder 2"/>
           <p:cNvSpPr>
             <a:spLocks noGrp="1"/>
           </p:cNvSpPr>
@@ -2282,10 +2142,7 @@
             <a:normAutofit/>
           </a:bodyPr>
           <a:p>
-            <a:endParaRPr b="0" lang="en-GB" sz="1400" spc="-1" strike="noStrike">
-              <a:solidFill>
-                <a:srgbClr val="000000"/>
-              </a:solidFill>
+            <a:endParaRPr b="0" lang="en-GB" sz="3200" spc="-1" strike="noStrike">
               <a:latin typeface="Arial"/>
             </a:endParaRPr>
           </a:p>
@@ -2315,7 +2172,7 @@
       </p:grpSpPr>
       <p:sp>
         <p:nvSpPr>
-          <p:cNvPr id="85" name="PlaceHolder 1"/>
+          <p:cNvPr id="82" name="PlaceHolder 1"/>
           <p:cNvSpPr>
             <a:spLocks noGrp="1"/>
           </p:cNvSpPr>
@@ -2326,7 +2183,7 @@
         <p:spPr>
           <a:xfrm>
             <a:off x="311760" y="744480"/>
-            <a:ext cx="8520120" cy="2052360"/>
+            <a:ext cx="8519760" cy="2052000"/>
           </a:xfrm>
           <a:prstGeom prst="rect">
             <a:avLst/>
@@ -2335,18 +2192,16 @@
         <p:txBody>
           <a:bodyPr lIns="0" rIns="0" tIns="0" bIns="0" anchor="ctr"/>
           <a:p>
-            <a:endParaRPr b="0" lang="en-GB" sz="1400" spc="-1" strike="noStrike">
-              <a:solidFill>
-                <a:srgbClr val="000000"/>
-              </a:solidFill>
-              <a:latin typeface="Arial"/>
-            </a:endParaRPr>
-          </a:p>
-        </p:txBody>
-      </p:sp>
-      <p:sp>
-        <p:nvSpPr>
-          <p:cNvPr id="86" name="PlaceHolder 2"/>
+            <a:pPr algn="ctr"/>
+            <a:endParaRPr b="0" lang="en-GB" sz="4400" spc="-1" strike="noStrike">
+              <a:latin typeface="Arial"/>
+            </a:endParaRPr>
+          </a:p>
+        </p:txBody>
+      </p:sp>
+      <p:sp>
+        <p:nvSpPr>
+          <p:cNvPr id="83" name="PlaceHolder 2"/>
           <p:cNvSpPr>
             <a:spLocks noGrp="1"/>
           </p:cNvSpPr>
@@ -2368,18 +2223,15 @@
             <a:normAutofit/>
           </a:bodyPr>
           <a:p>
-            <a:endParaRPr b="0" lang="en-GB" sz="1400" spc="-1" strike="noStrike">
-              <a:solidFill>
-                <a:srgbClr val="000000"/>
-              </a:solidFill>
-              <a:latin typeface="Arial"/>
-            </a:endParaRPr>
-          </a:p>
-        </p:txBody>
-      </p:sp>
-      <p:sp>
-        <p:nvSpPr>
-          <p:cNvPr id="87" name="PlaceHolder 3"/>
+            <a:endParaRPr b="0" lang="en-GB" sz="3200" spc="-1" strike="noStrike">
+              <a:latin typeface="Arial"/>
+            </a:endParaRPr>
+          </a:p>
+        </p:txBody>
+      </p:sp>
+      <p:sp>
+        <p:nvSpPr>
+          <p:cNvPr id="84" name="PlaceHolder 3"/>
           <p:cNvSpPr>
             <a:spLocks noGrp="1"/>
           </p:cNvSpPr>
@@ -2401,10 +2253,7 @@
             <a:normAutofit/>
           </a:bodyPr>
           <a:p>
-            <a:endParaRPr b="0" lang="en-GB" sz="1400" spc="-1" strike="noStrike">
-              <a:solidFill>
-                <a:srgbClr val="000000"/>
-              </a:solidFill>
+            <a:endParaRPr b="0" lang="en-GB" sz="3200" spc="-1" strike="noStrike">
               <a:latin typeface="Arial"/>
             </a:endParaRPr>
           </a:p>
@@ -2434,7 +2283,7 @@
       </p:grpSpPr>
       <p:sp>
         <p:nvSpPr>
-          <p:cNvPr id="88" name="PlaceHolder 1"/>
+          <p:cNvPr id="85" name="PlaceHolder 1"/>
           <p:cNvSpPr>
             <a:spLocks noGrp="1"/>
           </p:cNvSpPr>
@@ -2445,7 +2294,7 @@
         <p:spPr>
           <a:xfrm>
             <a:off x="311760" y="744480"/>
-            <a:ext cx="8520120" cy="2052360"/>
+            <a:ext cx="8519760" cy="2052000"/>
           </a:xfrm>
           <a:prstGeom prst="rect">
             <a:avLst/>
@@ -2454,10 +2303,8 @@
         <p:txBody>
           <a:bodyPr lIns="0" rIns="0" tIns="0" bIns="0" anchor="ctr"/>
           <a:p>
-            <a:endParaRPr b="0" lang="en-GB" sz="1400" spc="-1" strike="noStrike">
-              <a:solidFill>
-                <a:srgbClr val="000000"/>
-              </a:solidFill>
+            <a:pPr algn="ctr"/>
+            <a:endParaRPr b="0" lang="en-GB" sz="4400" spc="-1" strike="noStrike">
               <a:latin typeface="Arial"/>
             </a:endParaRPr>
           </a:p>
@@ -2487,7 +2334,7 @@
       </p:grpSpPr>
       <p:sp>
         <p:nvSpPr>
-          <p:cNvPr id="5" name="PlaceHolder 1"/>
+          <p:cNvPr id="4" name="PlaceHolder 1"/>
           <p:cNvSpPr>
             <a:spLocks noGrp="1"/>
           </p:cNvSpPr>
@@ -2498,7 +2345,7 @@
         <p:spPr>
           <a:xfrm>
             <a:off x="311760" y="744480"/>
-            <a:ext cx="8520120" cy="2052360"/>
+            <a:ext cx="8519760" cy="2052000"/>
           </a:xfrm>
           <a:prstGeom prst="rect">
             <a:avLst/>
@@ -2507,18 +2354,16 @@
         <p:txBody>
           <a:bodyPr lIns="0" rIns="0" tIns="0" bIns="0" anchor="ctr"/>
           <a:p>
-            <a:endParaRPr b="0" lang="en-GB" sz="1400" spc="-1" strike="noStrike">
-              <a:solidFill>
-                <a:srgbClr val="000000"/>
-              </a:solidFill>
-              <a:latin typeface="Arial"/>
-            </a:endParaRPr>
-          </a:p>
-        </p:txBody>
-      </p:sp>
-      <p:sp>
-        <p:nvSpPr>
-          <p:cNvPr id="6" name="PlaceHolder 2"/>
+            <a:pPr algn="ctr"/>
+            <a:endParaRPr b="0" lang="en-GB" sz="4400" spc="-1" strike="noStrike">
+              <a:latin typeface="Arial"/>
+            </a:endParaRPr>
+          </a:p>
+        </p:txBody>
+      </p:sp>
+      <p:sp>
+        <p:nvSpPr>
+          <p:cNvPr id="5" name="PlaceHolder 2"/>
           <p:cNvSpPr>
             <a:spLocks noGrp="1"/>
           </p:cNvSpPr>
@@ -2540,10 +2385,7 @@
             <a:normAutofit/>
           </a:bodyPr>
           <a:p>
-            <a:endParaRPr b="0" lang="en-GB" sz="1400" spc="-1" strike="noStrike">
-              <a:solidFill>
-                <a:srgbClr val="000000"/>
-              </a:solidFill>
+            <a:endParaRPr b="0" lang="en-GB" sz="3200" spc="-1" strike="noStrike">
               <a:latin typeface="Arial"/>
             </a:endParaRPr>
           </a:p>
@@ -2573,7 +2415,7 @@
       </p:grpSpPr>
       <p:sp>
         <p:nvSpPr>
-          <p:cNvPr id="89" name="PlaceHolder 1"/>
+          <p:cNvPr id="86" name="PlaceHolder 1"/>
           <p:cNvSpPr>
             <a:spLocks noGrp="1"/>
           </p:cNvSpPr>
@@ -2584,7 +2426,7 @@
         <p:spPr>
           <a:xfrm>
             <a:off x="311760" y="744480"/>
-            <a:ext cx="8520120" cy="9514800"/>
+            <a:ext cx="8519760" cy="9513000"/>
           </a:xfrm>
           <a:prstGeom prst="rect">
             <a:avLst/>
@@ -2624,7 +2466,7 @@
       </p:grpSpPr>
       <p:sp>
         <p:nvSpPr>
-          <p:cNvPr id="90" name="PlaceHolder 1"/>
+          <p:cNvPr id="87" name="PlaceHolder 1"/>
           <p:cNvSpPr>
             <a:spLocks noGrp="1"/>
           </p:cNvSpPr>
@@ -2635,7 +2477,7 @@
         <p:spPr>
           <a:xfrm>
             <a:off x="311760" y="744480"/>
-            <a:ext cx="8520120" cy="2052360"/>
+            <a:ext cx="8519760" cy="2052000"/>
           </a:xfrm>
           <a:prstGeom prst="rect">
             <a:avLst/>
@@ -2644,18 +2486,16 @@
         <p:txBody>
           <a:bodyPr lIns="0" rIns="0" tIns="0" bIns="0" anchor="ctr"/>
           <a:p>
-            <a:endParaRPr b="0" lang="en-GB" sz="1400" spc="-1" strike="noStrike">
-              <a:solidFill>
-                <a:srgbClr val="000000"/>
-              </a:solidFill>
-              <a:latin typeface="Arial"/>
-            </a:endParaRPr>
-          </a:p>
-        </p:txBody>
-      </p:sp>
-      <p:sp>
-        <p:nvSpPr>
-          <p:cNvPr id="91" name="PlaceHolder 2"/>
+            <a:pPr algn="ctr"/>
+            <a:endParaRPr b="0" lang="en-GB" sz="4400" spc="-1" strike="noStrike">
+              <a:latin typeface="Arial"/>
+            </a:endParaRPr>
+          </a:p>
+        </p:txBody>
+      </p:sp>
+      <p:sp>
+        <p:nvSpPr>
+          <p:cNvPr id="88" name="PlaceHolder 2"/>
           <p:cNvSpPr>
             <a:spLocks noGrp="1"/>
           </p:cNvSpPr>
@@ -2677,18 +2517,15 @@
             <a:normAutofit/>
           </a:bodyPr>
           <a:p>
-            <a:endParaRPr b="0" lang="en-GB" sz="1400" spc="-1" strike="noStrike">
-              <a:solidFill>
-                <a:srgbClr val="000000"/>
-              </a:solidFill>
-              <a:latin typeface="Arial"/>
-            </a:endParaRPr>
-          </a:p>
-        </p:txBody>
-      </p:sp>
-      <p:sp>
-        <p:nvSpPr>
-          <p:cNvPr id="92" name="PlaceHolder 3"/>
+            <a:endParaRPr b="0" lang="en-GB" sz="3200" spc="-1" strike="noStrike">
+              <a:latin typeface="Arial"/>
+            </a:endParaRPr>
+          </a:p>
+        </p:txBody>
+      </p:sp>
+      <p:sp>
+        <p:nvSpPr>
+          <p:cNvPr id="89" name="PlaceHolder 3"/>
           <p:cNvSpPr>
             <a:spLocks noGrp="1"/>
           </p:cNvSpPr>
@@ -2710,18 +2547,15 @@
             <a:normAutofit/>
           </a:bodyPr>
           <a:p>
-            <a:endParaRPr b="0" lang="en-GB" sz="1400" spc="-1" strike="noStrike">
-              <a:solidFill>
-                <a:srgbClr val="000000"/>
-              </a:solidFill>
-              <a:latin typeface="Arial"/>
-            </a:endParaRPr>
-          </a:p>
-        </p:txBody>
-      </p:sp>
-      <p:sp>
-        <p:nvSpPr>
-          <p:cNvPr id="93" name="PlaceHolder 4"/>
+            <a:endParaRPr b="0" lang="en-GB" sz="3200" spc="-1" strike="noStrike">
+              <a:latin typeface="Arial"/>
+            </a:endParaRPr>
+          </a:p>
+        </p:txBody>
+      </p:sp>
+      <p:sp>
+        <p:nvSpPr>
+          <p:cNvPr id="90" name="PlaceHolder 4"/>
           <p:cNvSpPr>
             <a:spLocks noGrp="1"/>
           </p:cNvSpPr>
@@ -2743,10 +2577,7 @@
             <a:normAutofit/>
           </a:bodyPr>
           <a:p>
-            <a:endParaRPr b="0" lang="en-GB" sz="1400" spc="-1" strike="noStrike">
-              <a:solidFill>
-                <a:srgbClr val="000000"/>
-              </a:solidFill>
+            <a:endParaRPr b="0" lang="en-GB" sz="3200" spc="-1" strike="noStrike">
               <a:latin typeface="Arial"/>
             </a:endParaRPr>
           </a:p>
@@ -2776,7 +2607,7 @@
       </p:grpSpPr>
       <p:sp>
         <p:nvSpPr>
-          <p:cNvPr id="94" name="PlaceHolder 1"/>
+          <p:cNvPr id="91" name="PlaceHolder 1"/>
           <p:cNvSpPr>
             <a:spLocks noGrp="1"/>
           </p:cNvSpPr>
@@ -2787,7 +2618,7 @@
         <p:spPr>
           <a:xfrm>
             <a:off x="311760" y="744480"/>
-            <a:ext cx="8520120" cy="2052360"/>
+            <a:ext cx="8519760" cy="2052000"/>
           </a:xfrm>
           <a:prstGeom prst="rect">
             <a:avLst/>
@@ -2796,18 +2627,16 @@
         <p:txBody>
           <a:bodyPr lIns="0" rIns="0" tIns="0" bIns="0" anchor="ctr"/>
           <a:p>
-            <a:endParaRPr b="0" lang="en-GB" sz="1400" spc="-1" strike="noStrike">
-              <a:solidFill>
-                <a:srgbClr val="000000"/>
-              </a:solidFill>
-              <a:latin typeface="Arial"/>
-            </a:endParaRPr>
-          </a:p>
-        </p:txBody>
-      </p:sp>
-      <p:sp>
-        <p:nvSpPr>
-          <p:cNvPr id="95" name="PlaceHolder 2"/>
+            <a:pPr algn="ctr"/>
+            <a:endParaRPr b="0" lang="en-GB" sz="4400" spc="-1" strike="noStrike">
+              <a:latin typeface="Arial"/>
+            </a:endParaRPr>
+          </a:p>
+        </p:txBody>
+      </p:sp>
+      <p:sp>
+        <p:nvSpPr>
+          <p:cNvPr id="92" name="PlaceHolder 2"/>
           <p:cNvSpPr>
             <a:spLocks noGrp="1"/>
           </p:cNvSpPr>
@@ -2829,18 +2658,15 @@
             <a:normAutofit/>
           </a:bodyPr>
           <a:p>
-            <a:endParaRPr b="0" lang="en-GB" sz="1400" spc="-1" strike="noStrike">
-              <a:solidFill>
-                <a:srgbClr val="000000"/>
-              </a:solidFill>
-              <a:latin typeface="Arial"/>
-            </a:endParaRPr>
-          </a:p>
-        </p:txBody>
-      </p:sp>
-      <p:sp>
-        <p:nvSpPr>
-          <p:cNvPr id="96" name="PlaceHolder 3"/>
+            <a:endParaRPr b="0" lang="en-GB" sz="3200" spc="-1" strike="noStrike">
+              <a:latin typeface="Arial"/>
+            </a:endParaRPr>
+          </a:p>
+        </p:txBody>
+      </p:sp>
+      <p:sp>
+        <p:nvSpPr>
+          <p:cNvPr id="93" name="PlaceHolder 3"/>
           <p:cNvSpPr>
             <a:spLocks noGrp="1"/>
           </p:cNvSpPr>
@@ -2862,18 +2688,15 @@
             <a:normAutofit/>
           </a:bodyPr>
           <a:p>
-            <a:endParaRPr b="0" lang="en-GB" sz="1400" spc="-1" strike="noStrike">
-              <a:solidFill>
-                <a:srgbClr val="000000"/>
-              </a:solidFill>
-              <a:latin typeface="Arial"/>
-            </a:endParaRPr>
-          </a:p>
-        </p:txBody>
-      </p:sp>
-      <p:sp>
-        <p:nvSpPr>
-          <p:cNvPr id="97" name="PlaceHolder 4"/>
+            <a:endParaRPr b="0" lang="en-GB" sz="3200" spc="-1" strike="noStrike">
+              <a:latin typeface="Arial"/>
+            </a:endParaRPr>
+          </a:p>
+        </p:txBody>
+      </p:sp>
+      <p:sp>
+        <p:nvSpPr>
+          <p:cNvPr id="94" name="PlaceHolder 4"/>
           <p:cNvSpPr>
             <a:spLocks noGrp="1"/>
           </p:cNvSpPr>
@@ -2895,10 +2718,7 @@
             <a:normAutofit/>
           </a:bodyPr>
           <a:p>
-            <a:endParaRPr b="0" lang="en-GB" sz="1400" spc="-1" strike="noStrike">
-              <a:solidFill>
-                <a:srgbClr val="000000"/>
-              </a:solidFill>
+            <a:endParaRPr b="0" lang="en-GB" sz="3200" spc="-1" strike="noStrike">
               <a:latin typeface="Arial"/>
             </a:endParaRPr>
           </a:p>
@@ -2928,7 +2748,7 @@
       </p:grpSpPr>
       <p:sp>
         <p:nvSpPr>
-          <p:cNvPr id="98" name="PlaceHolder 1"/>
+          <p:cNvPr id="95" name="PlaceHolder 1"/>
           <p:cNvSpPr>
             <a:spLocks noGrp="1"/>
           </p:cNvSpPr>
@@ -2939,7 +2759,7 @@
         <p:spPr>
           <a:xfrm>
             <a:off x="311760" y="744480"/>
-            <a:ext cx="8520120" cy="2052360"/>
+            <a:ext cx="8519760" cy="2052000"/>
           </a:xfrm>
           <a:prstGeom prst="rect">
             <a:avLst/>
@@ -2948,18 +2768,16 @@
         <p:txBody>
           <a:bodyPr lIns="0" rIns="0" tIns="0" bIns="0" anchor="ctr"/>
           <a:p>
-            <a:endParaRPr b="0" lang="en-GB" sz="1400" spc="-1" strike="noStrike">
-              <a:solidFill>
-                <a:srgbClr val="000000"/>
-              </a:solidFill>
-              <a:latin typeface="Arial"/>
-            </a:endParaRPr>
-          </a:p>
-        </p:txBody>
-      </p:sp>
-      <p:sp>
-        <p:nvSpPr>
-          <p:cNvPr id="99" name="PlaceHolder 2"/>
+            <a:pPr algn="ctr"/>
+            <a:endParaRPr b="0" lang="en-GB" sz="4400" spc="-1" strike="noStrike">
+              <a:latin typeface="Arial"/>
+            </a:endParaRPr>
+          </a:p>
+        </p:txBody>
+      </p:sp>
+      <p:sp>
+        <p:nvSpPr>
+          <p:cNvPr id="96" name="PlaceHolder 2"/>
           <p:cNvSpPr>
             <a:spLocks noGrp="1"/>
           </p:cNvSpPr>
@@ -2981,18 +2799,15 @@
             <a:normAutofit/>
           </a:bodyPr>
           <a:p>
-            <a:endParaRPr b="0" lang="en-GB" sz="1400" spc="-1" strike="noStrike">
-              <a:solidFill>
-                <a:srgbClr val="000000"/>
-              </a:solidFill>
-              <a:latin typeface="Arial"/>
-            </a:endParaRPr>
-          </a:p>
-        </p:txBody>
-      </p:sp>
-      <p:sp>
-        <p:nvSpPr>
-          <p:cNvPr id="100" name="PlaceHolder 3"/>
+            <a:endParaRPr b="0" lang="en-GB" sz="3200" spc="-1" strike="noStrike">
+              <a:latin typeface="Arial"/>
+            </a:endParaRPr>
+          </a:p>
+        </p:txBody>
+      </p:sp>
+      <p:sp>
+        <p:nvSpPr>
+          <p:cNvPr id="97" name="PlaceHolder 3"/>
           <p:cNvSpPr>
             <a:spLocks noGrp="1"/>
           </p:cNvSpPr>
@@ -3014,18 +2829,15 @@
             <a:normAutofit/>
           </a:bodyPr>
           <a:p>
-            <a:endParaRPr b="0" lang="en-GB" sz="1400" spc="-1" strike="noStrike">
-              <a:solidFill>
-                <a:srgbClr val="000000"/>
-              </a:solidFill>
-              <a:latin typeface="Arial"/>
-            </a:endParaRPr>
-          </a:p>
-        </p:txBody>
-      </p:sp>
-      <p:sp>
-        <p:nvSpPr>
-          <p:cNvPr id="101" name="PlaceHolder 4"/>
+            <a:endParaRPr b="0" lang="en-GB" sz="3200" spc="-1" strike="noStrike">
+              <a:latin typeface="Arial"/>
+            </a:endParaRPr>
+          </a:p>
+        </p:txBody>
+      </p:sp>
+      <p:sp>
+        <p:nvSpPr>
+          <p:cNvPr id="98" name="PlaceHolder 4"/>
           <p:cNvSpPr>
             <a:spLocks noGrp="1"/>
           </p:cNvSpPr>
@@ -3047,10 +2859,7 @@
             <a:normAutofit/>
           </a:bodyPr>
           <a:p>
-            <a:endParaRPr b="0" lang="en-GB" sz="1400" spc="-1" strike="noStrike">
-              <a:solidFill>
-                <a:srgbClr val="000000"/>
-              </a:solidFill>
+            <a:endParaRPr b="0" lang="en-GB" sz="3200" spc="-1" strike="noStrike">
               <a:latin typeface="Arial"/>
             </a:endParaRPr>
           </a:p>
@@ -3080,7 +2889,7 @@
       </p:grpSpPr>
       <p:sp>
         <p:nvSpPr>
-          <p:cNvPr id="102" name="PlaceHolder 1"/>
+          <p:cNvPr id="99" name="PlaceHolder 1"/>
           <p:cNvSpPr>
             <a:spLocks noGrp="1"/>
           </p:cNvSpPr>
@@ -3091,7 +2900,7 @@
         <p:spPr>
           <a:xfrm>
             <a:off x="311760" y="744480"/>
-            <a:ext cx="8520120" cy="2052360"/>
+            <a:ext cx="8519760" cy="2052000"/>
           </a:xfrm>
           <a:prstGeom prst="rect">
             <a:avLst/>
@@ -3100,18 +2909,16 @@
         <p:txBody>
           <a:bodyPr lIns="0" rIns="0" tIns="0" bIns="0" anchor="ctr"/>
           <a:p>
-            <a:endParaRPr b="0" lang="en-GB" sz="1400" spc="-1" strike="noStrike">
-              <a:solidFill>
-                <a:srgbClr val="000000"/>
-              </a:solidFill>
-              <a:latin typeface="Arial"/>
-            </a:endParaRPr>
-          </a:p>
-        </p:txBody>
-      </p:sp>
-      <p:sp>
-        <p:nvSpPr>
-          <p:cNvPr id="103" name="PlaceHolder 2"/>
+            <a:pPr algn="ctr"/>
+            <a:endParaRPr b="0" lang="en-GB" sz="4400" spc="-1" strike="noStrike">
+              <a:latin typeface="Arial"/>
+            </a:endParaRPr>
+          </a:p>
+        </p:txBody>
+      </p:sp>
+      <p:sp>
+        <p:nvSpPr>
+          <p:cNvPr id="100" name="PlaceHolder 2"/>
           <p:cNvSpPr>
             <a:spLocks noGrp="1"/>
           </p:cNvSpPr>
@@ -3133,18 +2940,15 @@
             <a:normAutofit/>
           </a:bodyPr>
           <a:p>
-            <a:endParaRPr b="0" lang="en-GB" sz="1400" spc="-1" strike="noStrike">
-              <a:solidFill>
-                <a:srgbClr val="000000"/>
-              </a:solidFill>
-              <a:latin typeface="Arial"/>
-            </a:endParaRPr>
-          </a:p>
-        </p:txBody>
-      </p:sp>
-      <p:sp>
-        <p:nvSpPr>
-          <p:cNvPr id="104" name="PlaceHolder 3"/>
+            <a:endParaRPr b="0" lang="en-GB" sz="3200" spc="-1" strike="noStrike">
+              <a:latin typeface="Arial"/>
+            </a:endParaRPr>
+          </a:p>
+        </p:txBody>
+      </p:sp>
+      <p:sp>
+        <p:nvSpPr>
+          <p:cNvPr id="101" name="PlaceHolder 3"/>
           <p:cNvSpPr>
             <a:spLocks noGrp="1"/>
           </p:cNvSpPr>
@@ -3166,10 +2970,7 @@
             <a:normAutofit/>
           </a:bodyPr>
           <a:p>
-            <a:endParaRPr b="0" lang="en-GB" sz="1400" spc="-1" strike="noStrike">
-              <a:solidFill>
-                <a:srgbClr val="000000"/>
-              </a:solidFill>
+            <a:endParaRPr b="0" lang="en-GB" sz="3200" spc="-1" strike="noStrike">
               <a:latin typeface="Arial"/>
             </a:endParaRPr>
           </a:p>
@@ -3199,7 +3000,7 @@
       </p:grpSpPr>
       <p:sp>
         <p:nvSpPr>
-          <p:cNvPr id="105" name="PlaceHolder 1"/>
+          <p:cNvPr id="102" name="PlaceHolder 1"/>
           <p:cNvSpPr>
             <a:spLocks noGrp="1"/>
           </p:cNvSpPr>
@@ -3210,7 +3011,7 @@
         <p:spPr>
           <a:xfrm>
             <a:off x="311760" y="744480"/>
-            <a:ext cx="8520120" cy="2052360"/>
+            <a:ext cx="8519760" cy="2052000"/>
           </a:xfrm>
           <a:prstGeom prst="rect">
             <a:avLst/>
@@ -3219,18 +3020,16 @@
         <p:txBody>
           <a:bodyPr lIns="0" rIns="0" tIns="0" bIns="0" anchor="ctr"/>
           <a:p>
-            <a:endParaRPr b="0" lang="en-GB" sz="1400" spc="-1" strike="noStrike">
-              <a:solidFill>
-                <a:srgbClr val="000000"/>
-              </a:solidFill>
-              <a:latin typeface="Arial"/>
-            </a:endParaRPr>
-          </a:p>
-        </p:txBody>
-      </p:sp>
-      <p:sp>
-        <p:nvSpPr>
-          <p:cNvPr id="106" name="PlaceHolder 2"/>
+            <a:pPr algn="ctr"/>
+            <a:endParaRPr b="0" lang="en-GB" sz="4400" spc="-1" strike="noStrike">
+              <a:latin typeface="Arial"/>
+            </a:endParaRPr>
+          </a:p>
+        </p:txBody>
+      </p:sp>
+      <p:sp>
+        <p:nvSpPr>
+          <p:cNvPr id="103" name="PlaceHolder 2"/>
           <p:cNvSpPr>
             <a:spLocks noGrp="1"/>
           </p:cNvSpPr>
@@ -3252,18 +3051,15 @@
             <a:normAutofit/>
           </a:bodyPr>
           <a:p>
-            <a:endParaRPr b="0" lang="en-GB" sz="1400" spc="-1" strike="noStrike">
-              <a:solidFill>
-                <a:srgbClr val="000000"/>
-              </a:solidFill>
-              <a:latin typeface="Arial"/>
-            </a:endParaRPr>
-          </a:p>
-        </p:txBody>
-      </p:sp>
-      <p:sp>
-        <p:nvSpPr>
-          <p:cNvPr id="107" name="PlaceHolder 3"/>
+            <a:endParaRPr b="0" lang="en-GB" sz="3200" spc="-1" strike="noStrike">
+              <a:latin typeface="Arial"/>
+            </a:endParaRPr>
+          </a:p>
+        </p:txBody>
+      </p:sp>
+      <p:sp>
+        <p:nvSpPr>
+          <p:cNvPr id="104" name="PlaceHolder 3"/>
           <p:cNvSpPr>
             <a:spLocks noGrp="1"/>
           </p:cNvSpPr>
@@ -3285,18 +3081,15 @@
             <a:normAutofit/>
           </a:bodyPr>
           <a:p>
-            <a:endParaRPr b="0" lang="en-GB" sz="1400" spc="-1" strike="noStrike">
-              <a:solidFill>
-                <a:srgbClr val="000000"/>
-              </a:solidFill>
-              <a:latin typeface="Arial"/>
-            </a:endParaRPr>
-          </a:p>
-        </p:txBody>
-      </p:sp>
-      <p:sp>
-        <p:nvSpPr>
-          <p:cNvPr id="108" name="PlaceHolder 4"/>
+            <a:endParaRPr b="0" lang="en-GB" sz="3200" spc="-1" strike="noStrike">
+              <a:latin typeface="Arial"/>
+            </a:endParaRPr>
+          </a:p>
+        </p:txBody>
+      </p:sp>
+      <p:sp>
+        <p:nvSpPr>
+          <p:cNvPr id="105" name="PlaceHolder 4"/>
           <p:cNvSpPr>
             <a:spLocks noGrp="1"/>
           </p:cNvSpPr>
@@ -3318,18 +3111,15 @@
             <a:normAutofit/>
           </a:bodyPr>
           <a:p>
-            <a:endParaRPr b="0" lang="en-GB" sz="1400" spc="-1" strike="noStrike">
-              <a:solidFill>
-                <a:srgbClr val="000000"/>
-              </a:solidFill>
-              <a:latin typeface="Arial"/>
-            </a:endParaRPr>
-          </a:p>
-        </p:txBody>
-      </p:sp>
-      <p:sp>
-        <p:nvSpPr>
-          <p:cNvPr id="109" name="PlaceHolder 5"/>
+            <a:endParaRPr b="0" lang="en-GB" sz="3200" spc="-1" strike="noStrike">
+              <a:latin typeface="Arial"/>
+            </a:endParaRPr>
+          </a:p>
+        </p:txBody>
+      </p:sp>
+      <p:sp>
+        <p:nvSpPr>
+          <p:cNvPr id="106" name="PlaceHolder 5"/>
           <p:cNvSpPr>
             <a:spLocks noGrp="1"/>
           </p:cNvSpPr>
@@ -3351,10 +3141,7 @@
             <a:normAutofit/>
           </a:bodyPr>
           <a:p>
-            <a:endParaRPr b="0" lang="en-GB" sz="1400" spc="-1" strike="noStrike">
-              <a:solidFill>
-                <a:srgbClr val="000000"/>
-              </a:solidFill>
+            <a:endParaRPr b="0" lang="en-GB" sz="3200" spc="-1" strike="noStrike">
               <a:latin typeface="Arial"/>
             </a:endParaRPr>
           </a:p>
@@ -3384,7 +3171,7 @@
       </p:grpSpPr>
       <p:sp>
         <p:nvSpPr>
-          <p:cNvPr id="110" name="PlaceHolder 1"/>
+          <p:cNvPr id="107" name="PlaceHolder 1"/>
           <p:cNvSpPr>
             <a:spLocks noGrp="1"/>
           </p:cNvSpPr>
@@ -3395,7 +3182,7 @@
         <p:spPr>
           <a:xfrm>
             <a:off x="311760" y="744480"/>
-            <a:ext cx="8520120" cy="2052360"/>
+            <a:ext cx="8519760" cy="2052000"/>
           </a:xfrm>
           <a:prstGeom prst="rect">
             <a:avLst/>
@@ -3404,18 +3191,16 @@
         <p:txBody>
           <a:bodyPr lIns="0" rIns="0" tIns="0" bIns="0" anchor="ctr"/>
           <a:p>
-            <a:endParaRPr b="0" lang="en-GB" sz="1400" spc="-1" strike="noStrike">
-              <a:solidFill>
-                <a:srgbClr val="000000"/>
-              </a:solidFill>
-              <a:latin typeface="Arial"/>
-            </a:endParaRPr>
-          </a:p>
-        </p:txBody>
-      </p:sp>
-      <p:sp>
-        <p:nvSpPr>
-          <p:cNvPr id="111" name="PlaceHolder 2"/>
+            <a:pPr algn="ctr"/>
+            <a:endParaRPr b="0" lang="en-GB" sz="4400" spc="-1" strike="noStrike">
+              <a:latin typeface="Arial"/>
+            </a:endParaRPr>
+          </a:p>
+        </p:txBody>
+      </p:sp>
+      <p:sp>
+        <p:nvSpPr>
+          <p:cNvPr id="108" name="PlaceHolder 2"/>
           <p:cNvSpPr>
             <a:spLocks noGrp="1"/>
           </p:cNvSpPr>
@@ -3437,18 +3222,15 @@
             <a:normAutofit/>
           </a:bodyPr>
           <a:p>
-            <a:endParaRPr b="0" lang="en-GB" sz="1400" spc="-1" strike="noStrike">
-              <a:solidFill>
-                <a:srgbClr val="000000"/>
-              </a:solidFill>
-              <a:latin typeface="Arial"/>
-            </a:endParaRPr>
-          </a:p>
-        </p:txBody>
-      </p:sp>
-      <p:sp>
-        <p:nvSpPr>
-          <p:cNvPr id="112" name="PlaceHolder 3"/>
+            <a:endParaRPr b="0" lang="en-GB" sz="3200" spc="-1" strike="noStrike">
+              <a:latin typeface="Arial"/>
+            </a:endParaRPr>
+          </a:p>
+        </p:txBody>
+      </p:sp>
+      <p:sp>
+        <p:nvSpPr>
+          <p:cNvPr id="109" name="PlaceHolder 3"/>
           <p:cNvSpPr>
             <a:spLocks noGrp="1"/>
           </p:cNvSpPr>
@@ -3470,18 +3252,15 @@
             <a:normAutofit/>
           </a:bodyPr>
           <a:p>
-            <a:endParaRPr b="0" lang="en-GB" sz="1400" spc="-1" strike="noStrike">
-              <a:solidFill>
-                <a:srgbClr val="000000"/>
-              </a:solidFill>
-              <a:latin typeface="Arial"/>
-            </a:endParaRPr>
-          </a:p>
-        </p:txBody>
-      </p:sp>
-      <p:sp>
-        <p:nvSpPr>
-          <p:cNvPr id="113" name="PlaceHolder 4"/>
+            <a:endParaRPr b="0" lang="en-GB" sz="3200" spc="-1" strike="noStrike">
+              <a:latin typeface="Arial"/>
+            </a:endParaRPr>
+          </a:p>
+        </p:txBody>
+      </p:sp>
+      <p:sp>
+        <p:nvSpPr>
+          <p:cNvPr id="110" name="PlaceHolder 4"/>
           <p:cNvSpPr>
             <a:spLocks noGrp="1"/>
           </p:cNvSpPr>
@@ -3503,18 +3282,15 @@
             <a:normAutofit/>
           </a:bodyPr>
           <a:p>
-            <a:endParaRPr b="0" lang="en-GB" sz="1400" spc="-1" strike="noStrike">
-              <a:solidFill>
-                <a:srgbClr val="000000"/>
-              </a:solidFill>
-              <a:latin typeface="Arial"/>
-            </a:endParaRPr>
-          </a:p>
-        </p:txBody>
-      </p:sp>
-      <p:sp>
-        <p:nvSpPr>
-          <p:cNvPr id="114" name="PlaceHolder 5"/>
+            <a:endParaRPr b="0" lang="en-GB" sz="3200" spc="-1" strike="noStrike">
+              <a:latin typeface="Arial"/>
+            </a:endParaRPr>
+          </a:p>
+        </p:txBody>
+      </p:sp>
+      <p:sp>
+        <p:nvSpPr>
+          <p:cNvPr id="111" name="PlaceHolder 5"/>
           <p:cNvSpPr>
             <a:spLocks noGrp="1"/>
           </p:cNvSpPr>
@@ -3536,18 +3312,15 @@
             <a:normAutofit/>
           </a:bodyPr>
           <a:p>
-            <a:endParaRPr b="0" lang="en-GB" sz="1400" spc="-1" strike="noStrike">
-              <a:solidFill>
-                <a:srgbClr val="000000"/>
-              </a:solidFill>
-              <a:latin typeface="Arial"/>
-            </a:endParaRPr>
-          </a:p>
-        </p:txBody>
-      </p:sp>
-      <p:sp>
-        <p:nvSpPr>
-          <p:cNvPr id="115" name="PlaceHolder 6"/>
+            <a:endParaRPr b="0" lang="en-GB" sz="3200" spc="-1" strike="noStrike">
+              <a:latin typeface="Arial"/>
+            </a:endParaRPr>
+          </a:p>
+        </p:txBody>
+      </p:sp>
+      <p:sp>
+        <p:nvSpPr>
+          <p:cNvPr id="112" name="PlaceHolder 6"/>
           <p:cNvSpPr>
             <a:spLocks noGrp="1"/>
           </p:cNvSpPr>
@@ -3569,18 +3342,15 @@
             <a:normAutofit/>
           </a:bodyPr>
           <a:p>
-            <a:endParaRPr b="0" lang="en-GB" sz="1400" spc="-1" strike="noStrike">
-              <a:solidFill>
-                <a:srgbClr val="000000"/>
-              </a:solidFill>
-              <a:latin typeface="Arial"/>
-            </a:endParaRPr>
-          </a:p>
-        </p:txBody>
-      </p:sp>
-      <p:sp>
-        <p:nvSpPr>
-          <p:cNvPr id="116" name="PlaceHolder 7"/>
+            <a:endParaRPr b="0" lang="en-GB" sz="3200" spc="-1" strike="noStrike">
+              <a:latin typeface="Arial"/>
+            </a:endParaRPr>
+          </a:p>
+        </p:txBody>
+      </p:sp>
+      <p:sp>
+        <p:nvSpPr>
+          <p:cNvPr id="113" name="PlaceHolder 7"/>
           <p:cNvSpPr>
             <a:spLocks noGrp="1"/>
           </p:cNvSpPr>
@@ -3602,10 +3372,7 @@
             <a:normAutofit/>
           </a:bodyPr>
           <a:p>
-            <a:endParaRPr b="0" lang="en-GB" sz="1400" spc="-1" strike="noStrike">
-              <a:solidFill>
-                <a:srgbClr val="000000"/>
-              </a:solidFill>
+            <a:endParaRPr b="0" lang="en-GB" sz="3200" spc="-1" strike="noStrike">
               <a:latin typeface="Arial"/>
             </a:endParaRPr>
           </a:p>
@@ -3635,7 +3402,7 @@
       </p:grpSpPr>
       <p:sp>
         <p:nvSpPr>
-          <p:cNvPr id="7" name="PlaceHolder 1"/>
+          <p:cNvPr id="6" name="PlaceHolder 1"/>
           <p:cNvSpPr>
             <a:spLocks noGrp="1"/>
           </p:cNvSpPr>
@@ -3646,7 +3413,7 @@
         <p:spPr>
           <a:xfrm>
             <a:off x="311760" y="744480"/>
-            <a:ext cx="8520120" cy="2052360"/>
+            <a:ext cx="8519760" cy="2052000"/>
           </a:xfrm>
           <a:prstGeom prst="rect">
             <a:avLst/>
@@ -3655,18 +3422,16 @@
         <p:txBody>
           <a:bodyPr lIns="0" rIns="0" tIns="0" bIns="0" anchor="ctr"/>
           <a:p>
-            <a:endParaRPr b="0" lang="en-GB" sz="1400" spc="-1" strike="noStrike">
-              <a:solidFill>
-                <a:srgbClr val="000000"/>
-              </a:solidFill>
-              <a:latin typeface="Arial"/>
-            </a:endParaRPr>
-          </a:p>
-        </p:txBody>
-      </p:sp>
-      <p:sp>
-        <p:nvSpPr>
-          <p:cNvPr id="8" name="PlaceHolder 2"/>
+            <a:pPr algn="ctr"/>
+            <a:endParaRPr b="0" lang="en-GB" sz="4400" spc="-1" strike="noStrike">
+              <a:latin typeface="Arial"/>
+            </a:endParaRPr>
+          </a:p>
+        </p:txBody>
+      </p:sp>
+      <p:sp>
+        <p:nvSpPr>
+          <p:cNvPr id="7" name="PlaceHolder 2"/>
           <p:cNvSpPr>
             <a:spLocks noGrp="1"/>
           </p:cNvSpPr>
@@ -3688,18 +3453,15 @@
             <a:normAutofit/>
           </a:bodyPr>
           <a:p>
-            <a:endParaRPr b="0" lang="en-GB" sz="1400" spc="-1" strike="noStrike">
-              <a:solidFill>
-                <a:srgbClr val="000000"/>
-              </a:solidFill>
-              <a:latin typeface="Arial"/>
-            </a:endParaRPr>
-          </a:p>
-        </p:txBody>
-      </p:sp>
-      <p:sp>
-        <p:nvSpPr>
-          <p:cNvPr id="9" name="PlaceHolder 3"/>
+            <a:endParaRPr b="0" lang="en-GB" sz="3200" spc="-1" strike="noStrike">
+              <a:latin typeface="Arial"/>
+            </a:endParaRPr>
+          </a:p>
+        </p:txBody>
+      </p:sp>
+      <p:sp>
+        <p:nvSpPr>
+          <p:cNvPr id="8" name="PlaceHolder 3"/>
           <p:cNvSpPr>
             <a:spLocks noGrp="1"/>
           </p:cNvSpPr>
@@ -3721,10 +3483,7 @@
             <a:normAutofit/>
           </a:bodyPr>
           <a:p>
-            <a:endParaRPr b="0" lang="en-GB" sz="1400" spc="-1" strike="noStrike">
-              <a:solidFill>
-                <a:srgbClr val="000000"/>
-              </a:solidFill>
+            <a:endParaRPr b="0" lang="en-GB" sz="3200" spc="-1" strike="noStrike">
               <a:latin typeface="Arial"/>
             </a:endParaRPr>
           </a:p>
@@ -3754,7 +3513,7 @@
       </p:grpSpPr>
       <p:sp>
         <p:nvSpPr>
-          <p:cNvPr id="10" name="PlaceHolder 1"/>
+          <p:cNvPr id="9" name="PlaceHolder 1"/>
           <p:cNvSpPr>
             <a:spLocks noGrp="1"/>
           </p:cNvSpPr>
@@ -3765,7 +3524,7 @@
         <p:spPr>
           <a:xfrm>
             <a:off x="311760" y="744480"/>
-            <a:ext cx="8520120" cy="2052360"/>
+            <a:ext cx="8519760" cy="2052000"/>
           </a:xfrm>
           <a:prstGeom prst="rect">
             <a:avLst/>
@@ -3774,10 +3533,8 @@
         <p:txBody>
           <a:bodyPr lIns="0" rIns="0" tIns="0" bIns="0" anchor="ctr"/>
           <a:p>
-            <a:endParaRPr b="0" lang="en-GB" sz="1400" spc="-1" strike="noStrike">
-              <a:solidFill>
-                <a:srgbClr val="000000"/>
-              </a:solidFill>
+            <a:pPr algn="ctr"/>
+            <a:endParaRPr b="0" lang="en-GB" sz="4400" spc="-1" strike="noStrike">
               <a:latin typeface="Arial"/>
             </a:endParaRPr>
           </a:p>
@@ -3807,7 +3564,7 @@
       </p:grpSpPr>
       <p:sp>
         <p:nvSpPr>
-          <p:cNvPr id="11" name="PlaceHolder 1"/>
+          <p:cNvPr id="10" name="PlaceHolder 1"/>
           <p:cNvSpPr>
             <a:spLocks noGrp="1"/>
           </p:cNvSpPr>
@@ -3818,7 +3575,7 @@
         <p:spPr>
           <a:xfrm>
             <a:off x="311760" y="744480"/>
-            <a:ext cx="8520120" cy="9514800"/>
+            <a:ext cx="8519760" cy="9513000"/>
           </a:xfrm>
           <a:prstGeom prst="rect">
             <a:avLst/>
@@ -3858,7 +3615,7 @@
       </p:grpSpPr>
       <p:sp>
         <p:nvSpPr>
-          <p:cNvPr id="12" name="PlaceHolder 1"/>
+          <p:cNvPr id="11" name="PlaceHolder 1"/>
           <p:cNvSpPr>
             <a:spLocks noGrp="1"/>
           </p:cNvSpPr>
@@ -3869,7 +3626,7 @@
         <p:spPr>
           <a:xfrm>
             <a:off x="311760" y="744480"/>
-            <a:ext cx="8520120" cy="2052360"/>
+            <a:ext cx="8519760" cy="2052000"/>
           </a:xfrm>
           <a:prstGeom prst="rect">
             <a:avLst/>
@@ -3878,18 +3635,16 @@
         <p:txBody>
           <a:bodyPr lIns="0" rIns="0" tIns="0" bIns="0" anchor="ctr"/>
           <a:p>
-            <a:endParaRPr b="0" lang="en-GB" sz="1400" spc="-1" strike="noStrike">
-              <a:solidFill>
-                <a:srgbClr val="000000"/>
-              </a:solidFill>
-              <a:latin typeface="Arial"/>
-            </a:endParaRPr>
-          </a:p>
-        </p:txBody>
-      </p:sp>
-      <p:sp>
-        <p:nvSpPr>
-          <p:cNvPr id="13" name="PlaceHolder 2"/>
+            <a:pPr algn="ctr"/>
+            <a:endParaRPr b="0" lang="en-GB" sz="4400" spc="-1" strike="noStrike">
+              <a:latin typeface="Arial"/>
+            </a:endParaRPr>
+          </a:p>
+        </p:txBody>
+      </p:sp>
+      <p:sp>
+        <p:nvSpPr>
+          <p:cNvPr id="12" name="PlaceHolder 2"/>
           <p:cNvSpPr>
             <a:spLocks noGrp="1"/>
           </p:cNvSpPr>
@@ -3911,18 +3666,15 @@
             <a:normAutofit/>
           </a:bodyPr>
           <a:p>
-            <a:endParaRPr b="0" lang="en-GB" sz="1400" spc="-1" strike="noStrike">
-              <a:solidFill>
-                <a:srgbClr val="000000"/>
-              </a:solidFill>
-              <a:latin typeface="Arial"/>
-            </a:endParaRPr>
-          </a:p>
-        </p:txBody>
-      </p:sp>
-      <p:sp>
-        <p:nvSpPr>
-          <p:cNvPr id="14" name="PlaceHolder 3"/>
+            <a:endParaRPr b="0" lang="en-GB" sz="3200" spc="-1" strike="noStrike">
+              <a:latin typeface="Arial"/>
+            </a:endParaRPr>
+          </a:p>
+        </p:txBody>
+      </p:sp>
+      <p:sp>
+        <p:nvSpPr>
+          <p:cNvPr id="13" name="PlaceHolder 3"/>
           <p:cNvSpPr>
             <a:spLocks noGrp="1"/>
           </p:cNvSpPr>
@@ -3944,18 +3696,15 @@
             <a:normAutofit/>
           </a:bodyPr>
           <a:p>
-            <a:endParaRPr b="0" lang="en-GB" sz="1400" spc="-1" strike="noStrike">
-              <a:solidFill>
-                <a:srgbClr val="000000"/>
-              </a:solidFill>
-              <a:latin typeface="Arial"/>
-            </a:endParaRPr>
-          </a:p>
-        </p:txBody>
-      </p:sp>
-      <p:sp>
-        <p:nvSpPr>
-          <p:cNvPr id="15" name="PlaceHolder 4"/>
+            <a:endParaRPr b="0" lang="en-GB" sz="3200" spc="-1" strike="noStrike">
+              <a:latin typeface="Arial"/>
+            </a:endParaRPr>
+          </a:p>
+        </p:txBody>
+      </p:sp>
+      <p:sp>
+        <p:nvSpPr>
+          <p:cNvPr id="14" name="PlaceHolder 4"/>
           <p:cNvSpPr>
             <a:spLocks noGrp="1"/>
           </p:cNvSpPr>
@@ -3977,10 +3726,7 @@
             <a:normAutofit/>
           </a:bodyPr>
           <a:p>
-            <a:endParaRPr b="0" lang="en-GB" sz="1400" spc="-1" strike="noStrike">
-              <a:solidFill>
-                <a:srgbClr val="000000"/>
-              </a:solidFill>
+            <a:endParaRPr b="0" lang="en-GB" sz="3200" spc="-1" strike="noStrike">
               <a:latin typeface="Arial"/>
             </a:endParaRPr>
           </a:p>
@@ -4010,7 +3756,7 @@
       </p:grpSpPr>
       <p:sp>
         <p:nvSpPr>
-          <p:cNvPr id="16" name="PlaceHolder 1"/>
+          <p:cNvPr id="15" name="PlaceHolder 1"/>
           <p:cNvSpPr>
             <a:spLocks noGrp="1"/>
           </p:cNvSpPr>
@@ -4021,7 +3767,7 @@
         <p:spPr>
           <a:xfrm>
             <a:off x="311760" y="744480"/>
-            <a:ext cx="8520120" cy="2052360"/>
+            <a:ext cx="8519760" cy="2052000"/>
           </a:xfrm>
           <a:prstGeom prst="rect">
             <a:avLst/>
@@ -4030,18 +3776,16 @@
         <p:txBody>
           <a:bodyPr lIns="0" rIns="0" tIns="0" bIns="0" anchor="ctr"/>
           <a:p>
-            <a:endParaRPr b="0" lang="en-GB" sz="1400" spc="-1" strike="noStrike">
-              <a:solidFill>
-                <a:srgbClr val="000000"/>
-              </a:solidFill>
-              <a:latin typeface="Arial"/>
-            </a:endParaRPr>
-          </a:p>
-        </p:txBody>
-      </p:sp>
-      <p:sp>
-        <p:nvSpPr>
-          <p:cNvPr id="17" name="PlaceHolder 2"/>
+            <a:pPr algn="ctr"/>
+            <a:endParaRPr b="0" lang="en-GB" sz="4400" spc="-1" strike="noStrike">
+              <a:latin typeface="Arial"/>
+            </a:endParaRPr>
+          </a:p>
+        </p:txBody>
+      </p:sp>
+      <p:sp>
+        <p:nvSpPr>
+          <p:cNvPr id="16" name="PlaceHolder 2"/>
           <p:cNvSpPr>
             <a:spLocks noGrp="1"/>
           </p:cNvSpPr>
@@ -4063,18 +3807,15 @@
             <a:normAutofit/>
           </a:bodyPr>
           <a:p>
-            <a:endParaRPr b="0" lang="en-GB" sz="1400" spc="-1" strike="noStrike">
-              <a:solidFill>
-                <a:srgbClr val="000000"/>
-              </a:solidFill>
-              <a:latin typeface="Arial"/>
-            </a:endParaRPr>
-          </a:p>
-        </p:txBody>
-      </p:sp>
-      <p:sp>
-        <p:nvSpPr>
-          <p:cNvPr id="18" name="PlaceHolder 3"/>
+            <a:endParaRPr b="0" lang="en-GB" sz="3200" spc="-1" strike="noStrike">
+              <a:latin typeface="Arial"/>
+            </a:endParaRPr>
+          </a:p>
+        </p:txBody>
+      </p:sp>
+      <p:sp>
+        <p:nvSpPr>
+          <p:cNvPr id="17" name="PlaceHolder 3"/>
           <p:cNvSpPr>
             <a:spLocks noGrp="1"/>
           </p:cNvSpPr>
@@ -4096,18 +3837,15 @@
             <a:normAutofit/>
           </a:bodyPr>
           <a:p>
-            <a:endParaRPr b="0" lang="en-GB" sz="1400" spc="-1" strike="noStrike">
-              <a:solidFill>
-                <a:srgbClr val="000000"/>
-              </a:solidFill>
-              <a:latin typeface="Arial"/>
-            </a:endParaRPr>
-          </a:p>
-        </p:txBody>
-      </p:sp>
-      <p:sp>
-        <p:nvSpPr>
-          <p:cNvPr id="19" name="PlaceHolder 4"/>
+            <a:endParaRPr b="0" lang="en-GB" sz="3200" spc="-1" strike="noStrike">
+              <a:latin typeface="Arial"/>
+            </a:endParaRPr>
+          </a:p>
+        </p:txBody>
+      </p:sp>
+      <p:sp>
+        <p:nvSpPr>
+          <p:cNvPr id="18" name="PlaceHolder 4"/>
           <p:cNvSpPr>
             <a:spLocks noGrp="1"/>
           </p:cNvSpPr>
@@ -4129,10 +3867,7 @@
             <a:normAutofit/>
           </a:bodyPr>
           <a:p>
-            <a:endParaRPr b="0" lang="en-GB" sz="1400" spc="-1" strike="noStrike">
-              <a:solidFill>
-                <a:srgbClr val="000000"/>
-              </a:solidFill>
+            <a:endParaRPr b="0" lang="en-GB" sz="3200" spc="-1" strike="noStrike">
               <a:latin typeface="Arial"/>
             </a:endParaRPr>
           </a:p>
@@ -4162,7 +3897,7 @@
       </p:grpSpPr>
       <p:sp>
         <p:nvSpPr>
-          <p:cNvPr id="20" name="PlaceHolder 1"/>
+          <p:cNvPr id="19" name="PlaceHolder 1"/>
           <p:cNvSpPr>
             <a:spLocks noGrp="1"/>
           </p:cNvSpPr>
@@ -4173,7 +3908,7 @@
         <p:spPr>
           <a:xfrm>
             <a:off x="311760" y="744480"/>
-            <a:ext cx="8520120" cy="2052360"/>
+            <a:ext cx="8519760" cy="2052000"/>
           </a:xfrm>
           <a:prstGeom prst="rect">
             <a:avLst/>
@@ -4182,18 +3917,16 @@
         <p:txBody>
           <a:bodyPr lIns="0" rIns="0" tIns="0" bIns="0" anchor="ctr"/>
           <a:p>
-            <a:endParaRPr b="0" lang="en-GB" sz="1400" spc="-1" strike="noStrike">
-              <a:solidFill>
-                <a:srgbClr val="000000"/>
-              </a:solidFill>
-              <a:latin typeface="Arial"/>
-            </a:endParaRPr>
-          </a:p>
-        </p:txBody>
-      </p:sp>
-      <p:sp>
-        <p:nvSpPr>
-          <p:cNvPr id="21" name="PlaceHolder 2"/>
+            <a:pPr algn="ctr"/>
+            <a:endParaRPr b="0" lang="en-GB" sz="4400" spc="-1" strike="noStrike">
+              <a:latin typeface="Arial"/>
+            </a:endParaRPr>
+          </a:p>
+        </p:txBody>
+      </p:sp>
+      <p:sp>
+        <p:nvSpPr>
+          <p:cNvPr id="20" name="PlaceHolder 2"/>
           <p:cNvSpPr>
             <a:spLocks noGrp="1"/>
           </p:cNvSpPr>
@@ -4215,18 +3948,15 @@
             <a:normAutofit/>
           </a:bodyPr>
           <a:p>
-            <a:endParaRPr b="0" lang="en-GB" sz="1400" spc="-1" strike="noStrike">
-              <a:solidFill>
-                <a:srgbClr val="000000"/>
-              </a:solidFill>
-              <a:latin typeface="Arial"/>
-            </a:endParaRPr>
-          </a:p>
-        </p:txBody>
-      </p:sp>
-      <p:sp>
-        <p:nvSpPr>
-          <p:cNvPr id="22" name="PlaceHolder 3"/>
+            <a:endParaRPr b="0" lang="en-GB" sz="3200" spc="-1" strike="noStrike">
+              <a:latin typeface="Arial"/>
+            </a:endParaRPr>
+          </a:p>
+        </p:txBody>
+      </p:sp>
+      <p:sp>
+        <p:nvSpPr>
+          <p:cNvPr id="21" name="PlaceHolder 3"/>
           <p:cNvSpPr>
             <a:spLocks noGrp="1"/>
           </p:cNvSpPr>
@@ -4248,18 +3978,15 @@
             <a:normAutofit/>
           </a:bodyPr>
           <a:p>
-            <a:endParaRPr b="0" lang="en-GB" sz="1400" spc="-1" strike="noStrike">
-              <a:solidFill>
-                <a:srgbClr val="000000"/>
-              </a:solidFill>
-              <a:latin typeface="Arial"/>
-            </a:endParaRPr>
-          </a:p>
-        </p:txBody>
-      </p:sp>
-      <p:sp>
-        <p:nvSpPr>
-          <p:cNvPr id="23" name="PlaceHolder 4"/>
+            <a:endParaRPr b="0" lang="en-GB" sz="3200" spc="-1" strike="noStrike">
+              <a:latin typeface="Arial"/>
+            </a:endParaRPr>
+          </a:p>
+        </p:txBody>
+      </p:sp>
+      <p:sp>
+        <p:nvSpPr>
+          <p:cNvPr id="22" name="PlaceHolder 4"/>
           <p:cNvSpPr>
             <a:spLocks noGrp="1"/>
           </p:cNvSpPr>
@@ -4281,10 +4008,7 @@
             <a:normAutofit/>
           </a:bodyPr>
           <a:p>
-            <a:endParaRPr b="0" lang="en-GB" sz="1400" spc="-1" strike="noStrike">
-              <a:solidFill>
-                <a:srgbClr val="000000"/>
-              </a:solidFill>
+            <a:endParaRPr b="0" lang="en-GB" sz="3200" spc="-1" strike="noStrike">
               <a:latin typeface="Arial"/>
             </a:endParaRPr>
           </a:p>
@@ -4332,37 +4056,34 @@
         <p:spPr>
           <a:xfrm>
             <a:off x="311760" y="744480"/>
-            <a:ext cx="8520120" cy="2052360"/>
-          </a:xfrm>
-          <a:prstGeom prst="rect">
-            <a:avLst/>
-          </a:prstGeom>
-        </p:spPr>
-        <p:txBody>
-          <a:bodyPr tIns="91440" bIns="91440" anchor="b"/>
-          <a:p>
-            <a:r>
-              <a:rPr b="0" lang="en-GB" sz="5200" spc="-1" strike="noStrike">
-                <a:solidFill>
-                  <a:srgbClr val="000000"/>
-                </a:solidFill>
-                <a:latin typeface="Arial"/>
-              </a:rPr>
-              <a:t>Click to edit the title text </a:t>
-            </a:r>
-            <a:r>
-              <a:rPr b="0" lang="en-GB" sz="5200" spc="-1" strike="noStrike">
-                <a:solidFill>
-                  <a:srgbClr val="000000"/>
-                </a:solidFill>
+            <a:ext cx="8519760" cy="2052000"/>
+          </a:xfrm>
+          <a:prstGeom prst="rect">
+            <a:avLst/>
+          </a:prstGeom>
+        </p:spPr>
+        <p:txBody>
+          <a:bodyPr lIns="0" rIns="0" tIns="0" bIns="0" anchor="ctr"/>
+          <a:p>
+            <a:r>
+              <a:rPr b="0" lang="en-GB" sz="1800" spc="-1" strike="noStrike">
+                <a:latin typeface="Arial"/>
+              </a:rPr>
+              <a:t>Click to edit </a:t>
+            </a:r>
+            <a:r>
+              <a:rPr b="0" lang="en-GB" sz="1800" spc="-1" strike="noStrike">
+                <a:latin typeface="Arial"/>
+              </a:rPr>
+              <a:t>the title text </a:t>
+            </a:r>
+            <a:r>
+              <a:rPr b="0" lang="en-GB" sz="1800" spc="-1" strike="noStrike">
                 <a:latin typeface="Arial"/>
               </a:rPr>
               <a:t>format</a:t>
             </a:r>
-            <a:endParaRPr b="0" lang="en-GB" sz="5200" spc="-1" strike="noStrike">
-              <a:solidFill>
-                <a:srgbClr val="000000"/>
-              </a:solidFill>
+            <a:endParaRPr b="0" lang="en-GB" sz="1800" spc="-1" strike="noStrike">
               <a:latin typeface="Arial"/>
             </a:endParaRPr>
           </a:p>
@@ -4371,49 +4092,6 @@
       <p:sp>
         <p:nvSpPr>
           <p:cNvPr id="1" name="PlaceHolder 2"/>
-          <p:cNvSpPr>
-            <a:spLocks noGrp="1"/>
-          </p:cNvSpPr>
-          <p:nvPr>
-            <p:ph type="sldNum"/>
-          </p:nvPr>
-        </p:nvSpPr>
-        <p:spPr>
-          <a:xfrm>
-            <a:off x="8472600" y="4663080"/>
-            <a:ext cx="548280" cy="393120"/>
-          </a:xfrm>
-          <a:prstGeom prst="rect">
-            <a:avLst/>
-          </a:prstGeom>
-        </p:spPr>
-        <p:txBody>
-          <a:bodyPr tIns="91440" bIns="91440" anchor="ctr"/>
-          <a:p>
-            <a:pPr algn="r">
-              <a:lnSpc>
-                <a:spcPct val="100000"/>
-              </a:lnSpc>
-            </a:pPr>
-            <a:fld id="{7E78351E-2269-4610-8C29-847FC2E06E5E}" type="slidenum">
-              <a:rPr b="0" lang="en-GB" sz="1000" spc="-1" strike="noStrike">
-                <a:solidFill>
-                  <a:srgbClr val="595959"/>
-                </a:solidFill>
-                <a:latin typeface="Arial"/>
-                <a:ea typeface="Arial"/>
-              </a:rPr>
-              <a:t>&lt;number&gt;</a:t>
-            </a:fld>
-            <a:endParaRPr b="0" lang="en-GB" sz="1000" spc="-1" strike="noStrike">
-              <a:latin typeface="Times New Roman"/>
-            </a:endParaRPr>
-          </a:p>
-        </p:txBody>
-      </p:sp>
-      <p:sp>
-        <p:nvSpPr>
-          <p:cNvPr id="2" name="PlaceHolder 3"/>
           <p:cNvSpPr>
             <a:spLocks noGrp="1"/>
           </p:cNvSpPr>
@@ -4447,18 +4125,12 @@
               <a:buChar char=""/>
             </a:pPr>
             <a:r>
-              <a:rPr b="0" lang="en-GB" sz="1400" spc="-1" strike="noStrike">
-                <a:solidFill>
-                  <a:srgbClr val="000000"/>
-                </a:solidFill>
+              <a:rPr b="0" lang="en-GB" sz="3200" spc="-1" strike="noStrike">
                 <a:latin typeface="Arial"/>
               </a:rPr>
               <a:t>Click to edit the outline text format</a:t>
             </a:r>
-            <a:endParaRPr b="0" lang="en-GB" sz="1400" spc="-1" strike="noStrike">
-              <a:solidFill>
-                <a:srgbClr val="000000"/>
-              </a:solidFill>
+            <a:endParaRPr b="0" lang="en-GB" sz="3200" spc="-1" strike="noStrike">
               <a:latin typeface="Arial"/>
             </a:endParaRPr>
           </a:p>
@@ -4475,18 +4147,12 @@
               <a:buChar char=""/>
             </a:pPr>
             <a:r>
-              <a:rPr b="0" lang="en-GB" sz="1400" spc="-1" strike="noStrike">
-                <a:solidFill>
-                  <a:srgbClr val="000000"/>
-                </a:solidFill>
+              <a:rPr b="0" lang="en-GB" sz="2800" spc="-1" strike="noStrike">
                 <a:latin typeface="Arial"/>
               </a:rPr>
               <a:t>Second Outline Level</a:t>
             </a:r>
-            <a:endParaRPr b="0" lang="en-GB" sz="1400" spc="-1" strike="noStrike">
-              <a:solidFill>
-                <a:srgbClr val="000000"/>
-              </a:solidFill>
+            <a:endParaRPr b="0" lang="en-GB" sz="2800" spc="-1" strike="noStrike">
               <a:latin typeface="Arial"/>
             </a:endParaRPr>
           </a:p>
@@ -4503,18 +4169,12 @@
               <a:buChar char=""/>
             </a:pPr>
             <a:r>
-              <a:rPr b="0" lang="en-GB" sz="1400" spc="-1" strike="noStrike">
-                <a:solidFill>
-                  <a:srgbClr val="000000"/>
-                </a:solidFill>
+              <a:rPr b="0" lang="en-GB" sz="2400" spc="-1" strike="noStrike">
                 <a:latin typeface="Arial"/>
               </a:rPr>
               <a:t>Third Outline Level</a:t>
             </a:r>
-            <a:endParaRPr b="0" lang="en-GB" sz="1400" spc="-1" strike="noStrike">
-              <a:solidFill>
-                <a:srgbClr val="000000"/>
-              </a:solidFill>
+            <a:endParaRPr b="0" lang="en-GB" sz="2400" spc="-1" strike="noStrike">
               <a:latin typeface="Arial"/>
             </a:endParaRPr>
           </a:p>
@@ -4531,18 +4191,12 @@
               <a:buChar char=""/>
             </a:pPr>
             <a:r>
-              <a:rPr b="0" lang="en-GB" sz="1400" spc="-1" strike="noStrike">
-                <a:solidFill>
-                  <a:srgbClr val="000000"/>
-                </a:solidFill>
+              <a:rPr b="0" lang="en-GB" sz="2000" spc="-1" strike="noStrike">
                 <a:latin typeface="Arial"/>
               </a:rPr>
               <a:t>Fourth Outline Level</a:t>
             </a:r>
-            <a:endParaRPr b="0" lang="en-GB" sz="1400" spc="-1" strike="noStrike">
-              <a:solidFill>
-                <a:srgbClr val="000000"/>
-              </a:solidFill>
+            <a:endParaRPr b="0" lang="en-GB" sz="2000" spc="-1" strike="noStrike">
               <a:latin typeface="Arial"/>
             </a:endParaRPr>
           </a:p>
@@ -4560,17 +4214,11 @@
             </a:pPr>
             <a:r>
               <a:rPr b="0" lang="en-GB" sz="2000" spc="-1" strike="noStrike">
-                <a:solidFill>
-                  <a:srgbClr val="000000"/>
-                </a:solidFill>
                 <a:latin typeface="Arial"/>
               </a:rPr>
               <a:t>Fifth Outline Level</a:t>
             </a:r>
             <a:endParaRPr b="0" lang="en-GB" sz="2000" spc="-1" strike="noStrike">
-              <a:solidFill>
-                <a:srgbClr val="000000"/>
-              </a:solidFill>
               <a:latin typeface="Arial"/>
             </a:endParaRPr>
           </a:p>
@@ -4588,17 +4236,11 @@
             </a:pPr>
             <a:r>
               <a:rPr b="0" lang="en-GB" sz="2000" spc="-1" strike="noStrike">
-                <a:solidFill>
-                  <a:srgbClr val="000000"/>
-                </a:solidFill>
                 <a:latin typeface="Arial"/>
               </a:rPr>
               <a:t>Sixth Outline Level</a:t>
             </a:r>
             <a:endParaRPr b="0" lang="en-GB" sz="2000" spc="-1" strike="noStrike">
-              <a:solidFill>
-                <a:srgbClr val="000000"/>
-              </a:solidFill>
               <a:latin typeface="Arial"/>
             </a:endParaRPr>
           </a:p>
@@ -4616,17 +4258,11 @@
             </a:pPr>
             <a:r>
               <a:rPr b="0" lang="en-GB" sz="2000" spc="-1" strike="noStrike">
-                <a:solidFill>
-                  <a:srgbClr val="000000"/>
-                </a:solidFill>
                 <a:latin typeface="Arial"/>
               </a:rPr>
               <a:t>Seventh Outline Level</a:t>
             </a:r>
             <a:endParaRPr b="0" lang="en-GB" sz="2000" spc="-1" strike="noStrike">
-              <a:solidFill>
-                <a:srgbClr val="000000"/>
-              </a:solidFill>
               <a:latin typeface="Arial"/>
             </a:endParaRPr>
           </a:p>
@@ -4678,7 +4314,7 @@
       </p:grpSpPr>
       <p:sp>
         <p:nvSpPr>
-          <p:cNvPr id="39" name="PlaceHolder 1"/>
+          <p:cNvPr id="38" name="PlaceHolder 1"/>
           <p:cNvSpPr>
             <a:spLocks noGrp="1"/>
           </p:cNvSpPr>
@@ -4688,46 +4324,43 @@
         </p:nvSpPr>
         <p:spPr>
           <a:xfrm>
-            <a:off x="311760" y="444960"/>
-            <a:ext cx="8520120" cy="572400"/>
-          </a:xfrm>
-          <a:prstGeom prst="rect">
-            <a:avLst/>
-          </a:prstGeom>
-        </p:spPr>
-        <p:txBody>
-          <a:bodyPr tIns="91440" bIns="91440"/>
-          <a:p>
-            <a:r>
-              <a:rPr b="0" lang="en-GB" sz="2800" spc="-1" strike="noStrike">
-                <a:solidFill>
-                  <a:srgbClr val="000000"/>
-                </a:solidFill>
-                <a:latin typeface="Arial"/>
-              </a:rPr>
-              <a:t>Click to edit the </a:t>
-            </a:r>
-            <a:r>
-              <a:rPr b="0" lang="en-GB" sz="2800" spc="-1" strike="noStrike">
-                <a:solidFill>
-                  <a:srgbClr val="000000"/>
-                </a:solidFill>
-                <a:latin typeface="Arial"/>
-              </a:rPr>
-              <a:t>title text format</a:t>
-            </a:r>
-            <a:endParaRPr b="0" lang="en-GB" sz="2800" spc="-1" strike="noStrike">
-              <a:solidFill>
-                <a:srgbClr val="000000"/>
-              </a:solidFill>
-              <a:latin typeface="Arial"/>
-            </a:endParaRPr>
-          </a:p>
-        </p:txBody>
-      </p:sp>
-      <p:sp>
-        <p:nvSpPr>
-          <p:cNvPr id="40" name="PlaceHolder 2"/>
+            <a:off x="311760" y="744480"/>
+            <a:ext cx="8519760" cy="2052000"/>
+          </a:xfrm>
+          <a:prstGeom prst="rect">
+            <a:avLst/>
+          </a:prstGeom>
+        </p:spPr>
+        <p:txBody>
+          <a:bodyPr lIns="0" rIns="0" tIns="0" bIns="0" anchor="ctr"/>
+          <a:p>
+            <a:r>
+              <a:rPr b="0" lang="en-GB" sz="1800" spc="-1" strike="noStrike">
+                <a:latin typeface="Arial"/>
+              </a:rPr>
+              <a:t>Click to edit </a:t>
+            </a:r>
+            <a:r>
+              <a:rPr b="0" lang="en-GB" sz="1800" spc="-1" strike="noStrike">
+                <a:latin typeface="Arial"/>
+              </a:rPr>
+              <a:t>the title text </a:t>
+            </a:r>
+            <a:r>
+              <a:rPr b="0" lang="en-GB" sz="1800" spc="-1" strike="noStrike">
+                <a:latin typeface="Arial"/>
+              </a:rPr>
+              <a:t>format</a:t>
+            </a:r>
+            <a:endParaRPr b="0" lang="en-GB" sz="1800" spc="-1" strike="noStrike">
+              <a:latin typeface="Arial"/>
+            </a:endParaRPr>
+          </a:p>
+        </p:txBody>
+      </p:sp>
+      <p:sp>
+        <p:nvSpPr>
+          <p:cNvPr id="39" name="PlaceHolder 2"/>
           <p:cNvSpPr>
             <a:spLocks noGrp="1"/>
           </p:cNvSpPr>
@@ -4737,15 +4370,17 @@
         </p:nvSpPr>
         <p:spPr>
           <a:xfrm>
-            <a:off x="311760" y="1152360"/>
-            <a:ext cx="8520120" cy="3416040"/>
-          </a:xfrm>
-          <a:prstGeom prst="rect">
-            <a:avLst/>
-          </a:prstGeom>
-        </p:spPr>
-        <p:txBody>
-          <a:bodyPr tIns="91440" bIns="91440"/>
+            <a:off x="457200" y="1203480"/>
+            <a:ext cx="8228880" cy="2982600"/>
+          </a:xfrm>
+          <a:prstGeom prst="rect">
+            <a:avLst/>
+          </a:prstGeom>
+        </p:spPr>
+        <p:txBody>
+          <a:bodyPr lIns="0" rIns="0" tIns="0" bIns="0">
+            <a:normAutofit/>
+          </a:bodyPr>
           <a:p>
             <a:pPr marL="432000" indent="-324000">
               <a:spcBef>
@@ -4760,17 +4395,11 @@
             </a:pPr>
             <a:r>
               <a:rPr b="0" lang="en-GB" sz="1800" spc="-1" strike="noStrike">
-                <a:solidFill>
-                  <a:srgbClr val="000000"/>
-                </a:solidFill>
                 <a:latin typeface="Arial"/>
               </a:rPr>
               <a:t>Click to edit the outline text format</a:t>
             </a:r>
             <a:endParaRPr b="0" lang="en-GB" sz="1800" spc="-1" strike="noStrike">
-              <a:solidFill>
-                <a:srgbClr val="000000"/>
-              </a:solidFill>
               <a:latin typeface="Arial"/>
             </a:endParaRPr>
           </a:p>
@@ -4788,17 +4417,11 @@
             </a:pPr>
             <a:r>
               <a:rPr b="0" lang="en-GB" sz="1800" spc="-1" strike="noStrike">
-                <a:solidFill>
-                  <a:srgbClr val="000000"/>
-                </a:solidFill>
                 <a:latin typeface="Arial"/>
               </a:rPr>
               <a:t>Second Outline Level</a:t>
             </a:r>
             <a:endParaRPr b="0" lang="en-GB" sz="1800" spc="-1" strike="noStrike">
-              <a:solidFill>
-                <a:srgbClr val="000000"/>
-              </a:solidFill>
               <a:latin typeface="Arial"/>
             </a:endParaRPr>
           </a:p>
@@ -4816,17 +4439,11 @@
             </a:pPr>
             <a:r>
               <a:rPr b="0" lang="en-GB" sz="1800" spc="-1" strike="noStrike">
-                <a:solidFill>
-                  <a:srgbClr val="000000"/>
-                </a:solidFill>
                 <a:latin typeface="Arial"/>
               </a:rPr>
               <a:t>Third Outline Level</a:t>
             </a:r>
             <a:endParaRPr b="0" lang="en-GB" sz="1800" spc="-1" strike="noStrike">
-              <a:solidFill>
-                <a:srgbClr val="000000"/>
-              </a:solidFill>
               <a:latin typeface="Arial"/>
             </a:endParaRPr>
           </a:p>
@@ -4844,17 +4461,11 @@
             </a:pPr>
             <a:r>
               <a:rPr b="0" lang="en-GB" sz="1800" spc="-1" strike="noStrike">
-                <a:solidFill>
-                  <a:srgbClr val="000000"/>
-                </a:solidFill>
                 <a:latin typeface="Arial"/>
               </a:rPr>
               <a:t>Fourth Outline Level</a:t>
             </a:r>
             <a:endParaRPr b="0" lang="en-GB" sz="1800" spc="-1" strike="noStrike">
-              <a:solidFill>
-                <a:srgbClr val="000000"/>
-              </a:solidFill>
               <a:latin typeface="Arial"/>
             </a:endParaRPr>
           </a:p>
@@ -4872,17 +4483,11 @@
             </a:pPr>
             <a:r>
               <a:rPr b="0" lang="en-GB" sz="1800" spc="-1" strike="noStrike">
-                <a:solidFill>
-                  <a:srgbClr val="000000"/>
-                </a:solidFill>
                 <a:latin typeface="Arial"/>
               </a:rPr>
               <a:t>Fifth Outline Level</a:t>
             </a:r>
             <a:endParaRPr b="0" lang="en-GB" sz="1800" spc="-1" strike="noStrike">
-              <a:solidFill>
-                <a:srgbClr val="000000"/>
-              </a:solidFill>
               <a:latin typeface="Arial"/>
             </a:endParaRPr>
           </a:p>
@@ -4900,17 +4505,11 @@
             </a:pPr>
             <a:r>
               <a:rPr b="0" lang="en-GB" sz="1800" spc="-1" strike="noStrike">
-                <a:solidFill>
-                  <a:srgbClr val="000000"/>
-                </a:solidFill>
                 <a:latin typeface="Arial"/>
               </a:rPr>
               <a:t>Sixth Outline Level</a:t>
             </a:r>
             <a:endParaRPr b="0" lang="en-GB" sz="1800" spc="-1" strike="noStrike">
-              <a:solidFill>
-                <a:srgbClr val="000000"/>
-              </a:solidFill>
               <a:latin typeface="Arial"/>
             </a:endParaRPr>
           </a:p>
@@ -4928,61 +4527,12 @@
             </a:pPr>
             <a:r>
               <a:rPr b="0" lang="en-GB" sz="1800" spc="-1" strike="noStrike">
-                <a:solidFill>
-                  <a:srgbClr val="000000"/>
-                </a:solidFill>
                 <a:latin typeface="Arial"/>
               </a:rPr>
               <a:t>Seventh Outline Level</a:t>
             </a:r>
             <a:endParaRPr b="0" lang="en-GB" sz="1800" spc="-1" strike="noStrike">
-              <a:solidFill>
-                <a:srgbClr val="000000"/>
-              </a:solidFill>
-              <a:latin typeface="Arial"/>
-            </a:endParaRPr>
-          </a:p>
-        </p:txBody>
-      </p:sp>
-      <p:sp>
-        <p:nvSpPr>
-          <p:cNvPr id="41" name="PlaceHolder 3"/>
-          <p:cNvSpPr>
-            <a:spLocks noGrp="1"/>
-          </p:cNvSpPr>
-          <p:nvPr>
-            <p:ph type="sldNum"/>
-          </p:nvPr>
-        </p:nvSpPr>
-        <p:spPr>
-          <a:xfrm>
-            <a:off x="8472600" y="4663080"/>
-            <a:ext cx="548280" cy="393120"/>
-          </a:xfrm>
-          <a:prstGeom prst="rect">
-            <a:avLst/>
-          </a:prstGeom>
-        </p:spPr>
-        <p:txBody>
-          <a:bodyPr tIns="91440" bIns="91440" anchor="ctr"/>
-          <a:p>
-            <a:pPr algn="r">
-              <a:lnSpc>
-                <a:spcPct val="100000"/>
-              </a:lnSpc>
-            </a:pPr>
-            <a:fld id="{A2E87B30-6624-46E1-8485-20A9A32E5B1E}" type="slidenum">
-              <a:rPr b="0" lang="en-GB" sz="1000" spc="-1" strike="noStrike">
-                <a:solidFill>
-                  <a:srgbClr val="595959"/>
-                </a:solidFill>
-                <a:latin typeface="Arial"/>
-                <a:ea typeface="Arial"/>
-              </a:rPr>
-              <a:t>&lt;number&gt;</a:t>
-            </a:fld>
-            <a:endParaRPr b="0" lang="en-GB" sz="1000" spc="-1" strike="noStrike">
-              <a:latin typeface="Times New Roman"/>
+              <a:latin typeface="Arial"/>
             </a:endParaRPr>
           </a:p>
         </p:txBody>
@@ -5033,7 +4583,7 @@
       </p:grpSpPr>
       <p:sp>
         <p:nvSpPr>
-          <p:cNvPr id="78" name="PlaceHolder 1"/>
+          <p:cNvPr id="76" name="PlaceHolder 1"/>
           <p:cNvSpPr>
             <a:spLocks noGrp="1"/>
           </p:cNvSpPr>
@@ -5043,80 +4593,31 @@
         </p:nvSpPr>
         <p:spPr>
           <a:xfrm>
-            <a:off x="311760" y="444960"/>
-            <a:ext cx="8520120" cy="572400"/>
-          </a:xfrm>
-          <a:prstGeom prst="rect">
-            <a:avLst/>
-          </a:prstGeom>
-        </p:spPr>
-        <p:txBody>
-          <a:bodyPr tIns="91440" bIns="91440"/>
-          <a:p>
-            <a:r>
-              <a:rPr b="0" lang="en-GB" sz="2800" spc="-1" strike="noStrike">
-                <a:solidFill>
-                  <a:srgbClr val="000000"/>
-                </a:solidFill>
+            <a:off x="311760" y="744480"/>
+            <a:ext cx="8519760" cy="2052000"/>
+          </a:xfrm>
+          <a:prstGeom prst="rect">
+            <a:avLst/>
+          </a:prstGeom>
+        </p:spPr>
+        <p:txBody>
+          <a:bodyPr lIns="0" rIns="0" tIns="0" bIns="0" anchor="ctr"/>
+          <a:p>
+            <a:r>
+              <a:rPr b="0" lang="en-GB" sz="1800" spc="-1" strike="noStrike">
                 <a:latin typeface="Arial"/>
               </a:rPr>
               <a:t>Click to edit the title text format</a:t>
             </a:r>
-            <a:endParaRPr b="0" lang="en-GB" sz="2800" spc="-1" strike="noStrike">
-              <a:solidFill>
-                <a:srgbClr val="000000"/>
-              </a:solidFill>
-              <a:latin typeface="Arial"/>
-            </a:endParaRPr>
-          </a:p>
-        </p:txBody>
-      </p:sp>
-      <p:sp>
-        <p:nvSpPr>
-          <p:cNvPr id="79" name="PlaceHolder 2"/>
-          <p:cNvSpPr>
-            <a:spLocks noGrp="1"/>
-          </p:cNvSpPr>
-          <p:nvPr>
-            <p:ph type="sldNum"/>
-          </p:nvPr>
-        </p:nvSpPr>
-        <p:spPr>
-          <a:xfrm>
-            <a:off x="8472600" y="4663080"/>
-            <a:ext cx="548280" cy="393120"/>
-          </a:xfrm>
-          <a:prstGeom prst="rect">
-            <a:avLst/>
-          </a:prstGeom>
-        </p:spPr>
-        <p:txBody>
-          <a:bodyPr tIns="91440" bIns="91440" anchor="ctr"/>
-          <a:p>
-            <a:pPr algn="r">
-              <a:lnSpc>
-                <a:spcPct val="100000"/>
-              </a:lnSpc>
-            </a:pPr>
-            <a:fld id="{335BF243-42DC-406C-8DE5-5F10E6FB1180}" type="slidenum">
-              <a:rPr b="0" lang="en-GB" sz="1000" spc="-1" strike="noStrike">
-                <a:solidFill>
-                  <a:srgbClr val="595959"/>
-                </a:solidFill>
-                <a:latin typeface="Arial"/>
-                <a:ea typeface="Arial"/>
-              </a:rPr>
-              <a:t>&lt;number&gt;</a:t>
-            </a:fld>
-            <a:endParaRPr b="0" lang="en-GB" sz="1000" spc="-1" strike="noStrike">
-              <a:latin typeface="Times New Roman"/>
-            </a:endParaRPr>
-          </a:p>
-        </p:txBody>
-      </p:sp>
-      <p:sp>
-        <p:nvSpPr>
-          <p:cNvPr id="80" name="PlaceHolder 3"/>
+            <a:endParaRPr b="0" lang="en-GB" sz="1800" spc="-1" strike="noStrike">
+              <a:latin typeface="Arial"/>
+            </a:endParaRPr>
+          </a:p>
+        </p:txBody>
+      </p:sp>
+      <p:sp>
+        <p:nvSpPr>
+          <p:cNvPr id="77" name="PlaceHolder 2"/>
           <p:cNvSpPr>
             <a:spLocks noGrp="1"/>
           </p:cNvSpPr>
@@ -5150,18 +4651,12 @@
               <a:buChar char=""/>
             </a:pPr>
             <a:r>
-              <a:rPr b="0" lang="en-GB" sz="1400" spc="-1" strike="noStrike">
-                <a:solidFill>
-                  <a:srgbClr val="000000"/>
-                </a:solidFill>
+              <a:rPr b="0" lang="en-GB" sz="3200" spc="-1" strike="noStrike">
                 <a:latin typeface="Arial"/>
               </a:rPr>
               <a:t>Click to edit the outline text format</a:t>
             </a:r>
-            <a:endParaRPr b="0" lang="en-GB" sz="1400" spc="-1" strike="noStrike">
-              <a:solidFill>
-                <a:srgbClr val="000000"/>
-              </a:solidFill>
+            <a:endParaRPr b="0" lang="en-GB" sz="3200" spc="-1" strike="noStrike">
               <a:latin typeface="Arial"/>
             </a:endParaRPr>
           </a:p>
@@ -5178,18 +4673,12 @@
               <a:buChar char=""/>
             </a:pPr>
             <a:r>
-              <a:rPr b="0" lang="en-GB" sz="1400" spc="-1" strike="noStrike">
-                <a:solidFill>
-                  <a:srgbClr val="000000"/>
-                </a:solidFill>
+              <a:rPr b="0" lang="en-GB" sz="2800" spc="-1" strike="noStrike">
                 <a:latin typeface="Arial"/>
               </a:rPr>
               <a:t>Second Outline Level</a:t>
             </a:r>
-            <a:endParaRPr b="0" lang="en-GB" sz="1400" spc="-1" strike="noStrike">
-              <a:solidFill>
-                <a:srgbClr val="000000"/>
-              </a:solidFill>
+            <a:endParaRPr b="0" lang="en-GB" sz="2800" spc="-1" strike="noStrike">
               <a:latin typeface="Arial"/>
             </a:endParaRPr>
           </a:p>
@@ -5206,18 +4695,12 @@
               <a:buChar char=""/>
             </a:pPr>
             <a:r>
-              <a:rPr b="0" lang="en-GB" sz="1400" spc="-1" strike="noStrike">
-                <a:solidFill>
-                  <a:srgbClr val="000000"/>
-                </a:solidFill>
+              <a:rPr b="0" lang="en-GB" sz="2400" spc="-1" strike="noStrike">
                 <a:latin typeface="Arial"/>
               </a:rPr>
               <a:t>Third Outline Level</a:t>
             </a:r>
-            <a:endParaRPr b="0" lang="en-GB" sz="1400" spc="-1" strike="noStrike">
-              <a:solidFill>
-                <a:srgbClr val="000000"/>
-              </a:solidFill>
+            <a:endParaRPr b="0" lang="en-GB" sz="2400" spc="-1" strike="noStrike">
               <a:latin typeface="Arial"/>
             </a:endParaRPr>
           </a:p>
@@ -5234,18 +4717,12 @@
               <a:buChar char=""/>
             </a:pPr>
             <a:r>
-              <a:rPr b="0" lang="en-GB" sz="1400" spc="-1" strike="noStrike">
-                <a:solidFill>
-                  <a:srgbClr val="000000"/>
-                </a:solidFill>
+              <a:rPr b="0" lang="en-GB" sz="2000" spc="-1" strike="noStrike">
                 <a:latin typeface="Arial"/>
               </a:rPr>
               <a:t>Fourth Outline Level</a:t>
             </a:r>
-            <a:endParaRPr b="0" lang="en-GB" sz="1400" spc="-1" strike="noStrike">
-              <a:solidFill>
-                <a:srgbClr val="000000"/>
-              </a:solidFill>
+            <a:endParaRPr b="0" lang="en-GB" sz="2000" spc="-1" strike="noStrike">
               <a:latin typeface="Arial"/>
             </a:endParaRPr>
           </a:p>
@@ -5263,17 +4740,11 @@
             </a:pPr>
             <a:r>
               <a:rPr b="0" lang="en-GB" sz="2000" spc="-1" strike="noStrike">
-                <a:solidFill>
-                  <a:srgbClr val="000000"/>
-                </a:solidFill>
                 <a:latin typeface="Arial"/>
               </a:rPr>
               <a:t>Fifth Outline Level</a:t>
             </a:r>
             <a:endParaRPr b="0" lang="en-GB" sz="2000" spc="-1" strike="noStrike">
-              <a:solidFill>
-                <a:srgbClr val="000000"/>
-              </a:solidFill>
               <a:latin typeface="Arial"/>
             </a:endParaRPr>
           </a:p>
@@ -5291,17 +4762,11 @@
             </a:pPr>
             <a:r>
               <a:rPr b="0" lang="en-GB" sz="2000" spc="-1" strike="noStrike">
-                <a:solidFill>
-                  <a:srgbClr val="000000"/>
-                </a:solidFill>
                 <a:latin typeface="Arial"/>
               </a:rPr>
               <a:t>Sixth Outline Level</a:t>
             </a:r>
             <a:endParaRPr b="0" lang="en-GB" sz="2000" spc="-1" strike="noStrike">
-              <a:solidFill>
-                <a:srgbClr val="000000"/>
-              </a:solidFill>
               <a:latin typeface="Arial"/>
             </a:endParaRPr>
           </a:p>
@@ -5319,17 +4784,11 @@
             </a:pPr>
             <a:r>
               <a:rPr b="0" lang="en-GB" sz="2000" spc="-1" strike="noStrike">
-                <a:solidFill>
-                  <a:srgbClr val="000000"/>
-                </a:solidFill>
                 <a:latin typeface="Arial"/>
               </a:rPr>
               <a:t>Seventh Outline Level</a:t>
             </a:r>
             <a:endParaRPr b="0" lang="en-GB" sz="2000" spc="-1" strike="noStrike">
-              <a:solidFill>
-                <a:srgbClr val="000000"/>
-              </a:solidFill>
               <a:latin typeface="Arial"/>
             </a:endParaRPr>
           </a:p>
@@ -5374,14 +4833,14 @@
       </p:grpSpPr>
       <p:sp>
         <p:nvSpPr>
-          <p:cNvPr id="117" name="TextShape 1"/>
-          <p:cNvSpPr txBox="1"/>
+          <p:cNvPr id="114" name="CustomShape 1"/>
+          <p:cNvSpPr/>
           <p:nvPr/>
         </p:nvSpPr>
         <p:spPr>
           <a:xfrm>
             <a:off x="311760" y="668520"/>
-            <a:ext cx="8520120" cy="2052360"/>
+            <a:ext cx="8519760" cy="2052000"/>
           </a:xfrm>
           <a:prstGeom prst="rect">
             <a:avLst/>
@@ -5391,8 +4850,14 @@
             <a:noFill/>
           </a:ln>
         </p:spPr>
-        <p:txBody>
-          <a:bodyPr tIns="91440" bIns="91440" anchor="b"/>
+        <p:style>
+          <a:lnRef idx="0"/>
+          <a:fillRef idx="0"/>
+          <a:effectRef idx="0"/>
+          <a:fontRef idx="minor"/>
+        </p:style>
+        <p:txBody>
+          <a:bodyPr lIns="90000" rIns="90000" tIns="91440" bIns="91440" anchor="b"/>
           <a:p>
             <a:pPr algn="ctr">
               <a:lnSpc>
@@ -5410,24 +4875,21 @@
               <a:t>Building and deploying low-cost apps with SQL Server and .Net Core</a:t>
             </a:r>
             <a:endParaRPr b="0" lang="en-GB" sz="4800" spc="-1" strike="noStrike">
-              <a:solidFill>
-                <a:srgbClr val="000000"/>
-              </a:solidFill>
-              <a:latin typeface="Arial"/>
-            </a:endParaRPr>
-          </a:p>
-        </p:txBody>
-      </p:sp>
-      <p:sp>
-        <p:nvSpPr>
-          <p:cNvPr id="118" name="TextShape 2"/>
-          <p:cNvSpPr txBox="1"/>
+              <a:latin typeface="Arial"/>
+            </a:endParaRPr>
+          </a:p>
+        </p:txBody>
+      </p:sp>
+      <p:sp>
+        <p:nvSpPr>
+          <p:cNvPr id="115" name="CustomShape 2"/>
+          <p:cNvSpPr/>
           <p:nvPr/>
         </p:nvSpPr>
         <p:spPr>
           <a:xfrm>
             <a:off x="311760" y="3051720"/>
-            <a:ext cx="8520120" cy="1759320"/>
+            <a:ext cx="8519760" cy="1758960"/>
           </a:xfrm>
           <a:prstGeom prst="rect">
             <a:avLst/>
@@ -5437,8 +4899,14 @@
             <a:noFill/>
           </a:ln>
         </p:spPr>
-        <p:txBody>
-          <a:bodyPr tIns="91440" bIns="91440"/>
+        <p:style>
+          <a:lnRef idx="0"/>
+          <a:fillRef idx="0"/>
+          <a:effectRef idx="0"/>
+          <a:fontRef idx="minor"/>
+        </p:style>
+        <p:txBody>
+          <a:bodyPr lIns="90000" rIns="90000" tIns="91440" bIns="91440"/>
           <a:p>
             <a:pPr algn="ctr">
               <a:lnSpc>
@@ -5553,14 +5021,14 @@
       </p:grpSpPr>
       <p:sp>
         <p:nvSpPr>
-          <p:cNvPr id="138" name="TextShape 1"/>
-          <p:cNvSpPr txBox="1"/>
+          <p:cNvPr id="135" name="CustomShape 1"/>
+          <p:cNvSpPr/>
           <p:nvPr/>
         </p:nvSpPr>
         <p:spPr>
           <a:xfrm>
             <a:off x="311760" y="2027520"/>
-            <a:ext cx="8520120" cy="1201320"/>
+            <a:ext cx="8519760" cy="1200960"/>
           </a:xfrm>
           <a:prstGeom prst="rect">
             <a:avLst/>
@@ -5570,8 +5038,14 @@
             <a:noFill/>
           </a:ln>
         </p:spPr>
-        <p:txBody>
-          <a:bodyPr tIns="91440" bIns="91440" anchor="b"/>
+        <p:style>
+          <a:lnRef idx="0"/>
+          <a:fillRef idx="0"/>
+          <a:effectRef idx="0"/>
+          <a:fontRef idx="minor"/>
+        </p:style>
+        <p:txBody>
+          <a:bodyPr lIns="90000" rIns="90000" tIns="91440" bIns="91440" anchor="b"/>
           <a:p>
             <a:pPr algn="ctr">
               <a:lnSpc>
@@ -5588,27 +5062,7 @@
                 <a:latin typeface="Arial"/>
                 <a:ea typeface="Arial"/>
               </a:rPr>
-              <a:t>Any </a:t>
-            </a:r>
-            <a:r>
-              <a:rPr b="0" lang="en-GB" sz="4800" spc="-1" strike="noStrike">
-                <a:solidFill>
-                  <a:srgbClr val="000000"/>
-                </a:solidFill>
-                <a:latin typeface="Arial"/>
-                <a:ea typeface="Arial"/>
-              </a:rPr>
-              <a:t>question</a:t>
-            </a:r>
-            <a:r>
-              <a:rPr b="0" lang="en-GB" sz="4800" spc="-1" strike="noStrike">
-                <a:solidFill>
-                  <a:srgbClr val="000000"/>
-                </a:solidFill>
-                <a:latin typeface="Arial"/>
-                <a:ea typeface="Arial"/>
-              </a:rPr>
-              <a:t>s?</a:t>
+              <a:t>Any questions?</a:t>
             </a:r>
             <a:br/>
             <a:br/>
@@ -5620,48 +5074,25 @@
                 <a:latin typeface="Arial"/>
                 <a:ea typeface="Arial"/>
               </a:rPr>
-              <a:t>GitHub: </a:t>
-            </a:r>
-            <a:r>
-              <a:rPr b="0" lang="en-GB" sz="1800" spc="-1" strike="noStrike">
-                <a:solidFill>
-                  <a:srgbClr val="000000"/>
-                </a:solidFill>
-                <a:latin typeface="Arial"/>
-                <a:ea typeface="Arial"/>
-              </a:rPr>
-              <a:t>PeterWillmot/CrossPlatf</a:t>
-            </a:r>
-            <a:r>
-              <a:rPr b="0" lang="en-GB" sz="1800" spc="-1" strike="noStrike">
-                <a:solidFill>
-                  <a:srgbClr val="000000"/>
-                </a:solidFill>
-                <a:latin typeface="Arial"/>
-                <a:ea typeface="Arial"/>
-              </a:rPr>
-              <a:t>ormSQLandDotNetCore</a:t>
+              <a:t>GitHub: PeterWillmot/CrossPlatformSQLandDotNetCore</a:t>
             </a:r>
             <a:br/>
             <a:endParaRPr b="0" lang="en-GB" sz="1800" spc="-1" strike="noStrike">
-              <a:solidFill>
-                <a:srgbClr val="000000"/>
-              </a:solidFill>
-              <a:latin typeface="Arial"/>
-            </a:endParaRPr>
-          </a:p>
-        </p:txBody>
-      </p:sp>
-      <p:sp>
-        <p:nvSpPr>
-          <p:cNvPr id="139" name="TextShape 2"/>
-          <p:cNvSpPr txBox="1"/>
+              <a:latin typeface="Arial"/>
+            </a:endParaRPr>
+          </a:p>
+        </p:txBody>
+      </p:sp>
+      <p:sp>
+        <p:nvSpPr>
+          <p:cNvPr id="136" name="CustomShape 2"/>
+          <p:cNvSpPr/>
           <p:nvPr/>
         </p:nvSpPr>
         <p:spPr>
           <a:xfrm>
             <a:off x="311760" y="3051720"/>
-            <a:ext cx="8520120" cy="1759320"/>
+            <a:ext cx="8519760" cy="1758960"/>
           </a:xfrm>
           <a:prstGeom prst="rect">
             <a:avLst/>
@@ -5671,8 +5102,14 @@
             <a:noFill/>
           </a:ln>
         </p:spPr>
-        <p:txBody>
-          <a:bodyPr tIns="91440" bIns="91440"/>
+        <p:style>
+          <a:lnRef idx="0"/>
+          <a:fillRef idx="0"/>
+          <a:effectRef idx="0"/>
+          <a:fontRef idx="minor"/>
+        </p:style>
+        <p:txBody>
+          <a:bodyPr lIns="90000" rIns="90000" tIns="91440" bIns="91440"/>
           <a:p>
             <a:pPr algn="ctr">
               <a:lnSpc>
@@ -5787,14 +5224,14 @@
       </p:grpSpPr>
       <p:sp>
         <p:nvSpPr>
-          <p:cNvPr id="119" name="TextShape 1"/>
-          <p:cNvSpPr txBox="1"/>
+          <p:cNvPr id="116" name="CustomShape 1"/>
+          <p:cNvSpPr/>
           <p:nvPr/>
         </p:nvSpPr>
         <p:spPr>
           <a:xfrm>
             <a:off x="311760" y="847800"/>
-            <a:ext cx="8520120" cy="3772800"/>
+            <a:ext cx="8519760" cy="3772440"/>
           </a:xfrm>
           <a:prstGeom prst="rect">
             <a:avLst/>
@@ -5804,10 +5241,16 @@
             <a:noFill/>
           </a:ln>
         </p:spPr>
-        <p:txBody>
-          <a:bodyPr tIns="91440" bIns="91440"/>
-          <a:p>
-            <a:pPr marL="457200" indent="-342720">
+        <p:style>
+          <a:lnRef idx="0"/>
+          <a:fillRef idx="0"/>
+          <a:effectRef idx="0"/>
+          <a:fontRef idx="minor"/>
+        </p:style>
+        <p:txBody>
+          <a:bodyPr lIns="90000" rIns="90000" tIns="91440" bIns="91440"/>
+          <a:p>
+            <a:pPr marL="457200" indent="-342360">
               <a:lnSpc>
                 <a:spcPct val="115000"/>
               </a:lnSpc>
@@ -5825,17 +5268,14 @@
                 <a:latin typeface="Arial"/>
                 <a:ea typeface="Arial"/>
               </a:rPr>
-              <a:t>We have SQL databases and apps</a:t>
+              <a:t>We have SQL database(s) and .Net app(s)</a:t>
             </a:r>
             <a:endParaRPr b="0" lang="en-GB" sz="1800" spc="-1" strike="noStrike">
-              <a:solidFill>
-                <a:srgbClr val="000000"/>
-              </a:solidFill>
-              <a:latin typeface="Arial"/>
-            </a:endParaRPr>
-          </a:p>
-          <a:p>
-            <a:pPr marL="457200" indent="-342720">
+              <a:latin typeface="Arial"/>
+            </a:endParaRPr>
+          </a:p>
+          <a:p>
+            <a:pPr marL="457200" indent="-342360">
               <a:lnSpc>
                 <a:spcPct val="115000"/>
               </a:lnSpc>
@@ -5876,14 +5316,11 @@
               <a:t>  …..</a:t>
             </a:r>
             <a:endParaRPr b="0" lang="en-GB" sz="1800" spc="-1" strike="noStrike">
-              <a:solidFill>
-                <a:srgbClr val="000000"/>
-              </a:solidFill>
-              <a:latin typeface="Arial"/>
-            </a:endParaRPr>
-          </a:p>
-          <a:p>
-            <a:pPr lvl="1" marL="914400" indent="-317160">
+              <a:latin typeface="Arial"/>
+            </a:endParaRPr>
+          </a:p>
+          <a:p>
+            <a:pPr lvl="1" marL="914400" indent="-316800">
               <a:lnSpc>
                 <a:spcPct val="115000"/>
               </a:lnSpc>
@@ -5904,14 +5341,11 @@
               <a:t>For on-premise scenarios:</a:t>
             </a:r>
             <a:endParaRPr b="0" lang="en-GB" sz="1400" spc="-1" strike="noStrike">
-              <a:solidFill>
-                <a:srgbClr val="000000"/>
-              </a:solidFill>
-              <a:latin typeface="Arial"/>
-            </a:endParaRPr>
-          </a:p>
-          <a:p>
-            <a:pPr lvl="2" marL="1371600" indent="-317160">
+              <a:latin typeface="Arial"/>
+            </a:endParaRPr>
+          </a:p>
+          <a:p>
+            <a:pPr lvl="2" marL="1371600" indent="-316800">
               <a:lnSpc>
                 <a:spcPct val="115000"/>
               </a:lnSpc>
@@ -5952,14 +5386,11 @@
               <a:t>available for Linux</a:t>
             </a:r>
             <a:endParaRPr b="0" lang="en-GB" sz="1400" spc="-1" strike="noStrike">
-              <a:solidFill>
-                <a:srgbClr val="000000"/>
-              </a:solidFill>
-              <a:latin typeface="Arial"/>
-            </a:endParaRPr>
-          </a:p>
-          <a:p>
-            <a:pPr lvl="3" marL="1828800" indent="-317160">
+              <a:latin typeface="Arial"/>
+            </a:endParaRPr>
+          </a:p>
+          <a:p>
+            <a:pPr lvl="3" marL="1828800" indent="-316800">
               <a:lnSpc>
                 <a:spcPct val="115000"/>
               </a:lnSpc>
@@ -5980,14 +5411,11 @@
               <a:t>Therefore, you do not need the Windows server license</a:t>
             </a:r>
             <a:endParaRPr b="0" lang="en-GB" sz="1400" spc="-1" strike="noStrike">
-              <a:solidFill>
-                <a:srgbClr val="000000"/>
-              </a:solidFill>
-              <a:latin typeface="Arial"/>
-            </a:endParaRPr>
-          </a:p>
-          <a:p>
-            <a:pPr lvl="2" marL="1371600" indent="-317160">
+              <a:latin typeface="Arial"/>
+            </a:endParaRPr>
+          </a:p>
+          <a:p>
+            <a:pPr lvl="2" marL="1371600" indent="-316800">
               <a:lnSpc>
                 <a:spcPct val="115000"/>
               </a:lnSpc>
@@ -6018,14 +5446,11 @@
               <a:t>is also available for Linux and Mac</a:t>
             </a:r>
             <a:endParaRPr b="0" lang="en-GB" sz="1400" spc="-1" strike="noStrike">
-              <a:solidFill>
-                <a:srgbClr val="000000"/>
-              </a:solidFill>
-              <a:latin typeface="Arial"/>
-            </a:endParaRPr>
-          </a:p>
-          <a:p>
-            <a:pPr lvl="3" marL="1828800" indent="-317160">
+              <a:latin typeface="Arial"/>
+            </a:endParaRPr>
+          </a:p>
+          <a:p>
+            <a:pPr lvl="3" marL="1828800" indent="-316800">
               <a:lnSpc>
                 <a:spcPct val="115000"/>
               </a:lnSpc>
@@ -6056,14 +5481,11 @@
               <a:t> could be appropriate for small worksets</a:t>
             </a:r>
             <a:endParaRPr b="0" lang="en-GB" sz="1400" spc="-1" strike="noStrike">
-              <a:solidFill>
-                <a:srgbClr val="000000"/>
-              </a:solidFill>
-              <a:latin typeface="Arial"/>
-            </a:endParaRPr>
-          </a:p>
-          <a:p>
-            <a:pPr lvl="1" marL="914400" indent="-317160">
+              <a:latin typeface="Arial"/>
+            </a:endParaRPr>
+          </a:p>
+          <a:p>
+            <a:pPr lvl="1" marL="914400" indent="-316800">
               <a:lnSpc>
                 <a:spcPct val="115000"/>
               </a:lnSpc>
@@ -6084,14 +5506,11 @@
               <a:t>In the cloud, Azure VM costs for Ubuntu approx 60% of Windows (for same hardware)</a:t>
             </a:r>
             <a:endParaRPr b="0" lang="en-GB" sz="1400" spc="-1" strike="noStrike">
-              <a:solidFill>
-                <a:srgbClr val="000000"/>
-              </a:solidFill>
-              <a:latin typeface="Arial"/>
-            </a:endParaRPr>
-          </a:p>
-          <a:p>
-            <a:pPr marL="457200" indent="-342720">
+              <a:latin typeface="Arial"/>
+            </a:endParaRPr>
+          </a:p>
+          <a:p>
+            <a:pPr marL="457200" indent="-342360">
               <a:lnSpc>
                 <a:spcPct val="115000"/>
               </a:lnSpc>
@@ -6142,9 +5561,6 @@
               <a:t> is .Net and SQL </a:t>
             </a:r>
             <a:endParaRPr b="0" lang="en-GB" sz="1800" spc="-1" strike="noStrike">
-              <a:solidFill>
-                <a:srgbClr val="000000"/>
-              </a:solidFill>
               <a:latin typeface="Arial"/>
             </a:endParaRPr>
           </a:p>
@@ -6161,24 +5577,21 @@
               </a:spcAft>
             </a:pPr>
             <a:endParaRPr b="0" lang="en-GB" sz="1800" spc="-1" strike="noStrike">
-              <a:solidFill>
-                <a:srgbClr val="000000"/>
-              </a:solidFill>
-              <a:latin typeface="Arial"/>
-            </a:endParaRPr>
-          </a:p>
-        </p:txBody>
-      </p:sp>
-      <p:sp>
-        <p:nvSpPr>
-          <p:cNvPr id="120" name="TextShape 2"/>
-          <p:cNvSpPr txBox="1"/>
+              <a:latin typeface="Arial"/>
+            </a:endParaRPr>
+          </a:p>
+        </p:txBody>
+      </p:sp>
+      <p:sp>
+        <p:nvSpPr>
+          <p:cNvPr id="117" name="CustomShape 2"/>
+          <p:cNvSpPr/>
           <p:nvPr/>
         </p:nvSpPr>
         <p:spPr>
           <a:xfrm>
             <a:off x="311760" y="216360"/>
-            <a:ext cx="8520120" cy="572400"/>
+            <a:ext cx="8519760" cy="572040"/>
           </a:xfrm>
           <a:prstGeom prst="rect">
             <a:avLst/>
@@ -6188,8 +5601,14 @@
             <a:noFill/>
           </a:ln>
         </p:spPr>
-        <p:txBody>
-          <a:bodyPr tIns="91440" bIns="91440"/>
+        <p:style>
+          <a:lnRef idx="0"/>
+          <a:fillRef idx="0"/>
+          <a:effectRef idx="0"/>
+          <a:fontRef idx="minor"/>
+        </p:style>
+        <p:txBody>
+          <a:bodyPr lIns="90000" rIns="90000" tIns="91440" bIns="91440"/>
           <a:p>
             <a:pPr>
               <a:lnSpc>
@@ -6207,9 +5626,6 @@
               <a:t>Our focus for this session</a:t>
             </a:r>
             <a:endParaRPr b="0" lang="en-GB" sz="2800" spc="-1" strike="noStrike">
-              <a:solidFill>
-                <a:srgbClr val="000000"/>
-              </a:solidFill>
               <a:latin typeface="Arial"/>
             </a:endParaRPr>
           </a:p>
@@ -6266,14 +5682,14 @@
       </p:grpSpPr>
       <p:sp>
         <p:nvSpPr>
-          <p:cNvPr id="121" name="TextShape 1"/>
-          <p:cNvSpPr txBox="1"/>
+          <p:cNvPr id="118" name="CustomShape 1"/>
+          <p:cNvSpPr/>
           <p:nvPr/>
         </p:nvSpPr>
         <p:spPr>
           <a:xfrm>
             <a:off x="311760" y="64080"/>
-            <a:ext cx="8520120" cy="572400"/>
+            <a:ext cx="8519760" cy="572040"/>
           </a:xfrm>
           <a:prstGeom prst="rect">
             <a:avLst/>
@@ -6283,8 +5699,14 @@
             <a:noFill/>
           </a:ln>
         </p:spPr>
-        <p:txBody>
-          <a:bodyPr tIns="91440" bIns="91440"/>
+        <p:style>
+          <a:lnRef idx="0"/>
+          <a:fillRef idx="0"/>
+          <a:effectRef idx="0"/>
+          <a:fontRef idx="minor"/>
+        </p:style>
+        <p:txBody>
+          <a:bodyPr lIns="90000" rIns="90000" tIns="91440" bIns="91440"/>
           <a:p>
             <a:pPr>
               <a:lnSpc>
@@ -6302,9 +5724,6 @@
               <a:t>Comparing our .Net platform options</a:t>
             </a:r>
             <a:endParaRPr b="0" lang="en-GB" sz="2800" spc="-1" strike="noStrike">
-              <a:solidFill>
-                <a:srgbClr val="000000"/>
-              </a:solidFill>
               <a:latin typeface="Arial"/>
             </a:endParaRPr>
           </a:p>
@@ -6312,13 +5731,13 @@
       </p:sp>
       <p:graphicFrame>
         <p:nvGraphicFramePr>
-          <p:cNvPr id="122" name="Table 2"/>
+          <p:cNvPr id="119" name="Table 2"/>
           <p:cNvGraphicFramePr/>
           <p:nvPr/>
         </p:nvGraphicFramePr>
         <p:xfrm>
           <a:off x="3249720" y="734400"/>
-          <a:ext cx="5764320" cy="2593800"/>
+          <a:ext cx="5763960" cy="2854800"/>
         </p:xfrm>
         <a:graphic>
           <a:graphicData uri="http://schemas.openxmlformats.org/drawingml/2006/table">
@@ -6358,7 +5777,7 @@
                 </a:tc>
                 <a:tc>
                   <a:txBody>
-                    <a:bodyPr lIns="91080" rIns="91080" tIns="91080" bIns="91080"/>
+                    <a:bodyPr lIns="91080" rIns="91080"/>
                     <a:p>
                       <a:pPr algn="ctr">
                         <a:lnSpc>
@@ -6436,7 +5855,7 @@
                 </a:tc>
                 <a:tc>
                   <a:txBody>
-                    <a:bodyPr lIns="91080" rIns="91080" tIns="91080" bIns="91080"/>
+                    <a:bodyPr lIns="91080" rIns="91080"/>
                     <a:p>
                       <a:pPr algn="ctr">
                         <a:lnSpc>
@@ -6514,7 +5933,7 @@
                 </a:tc>
                 <a:tc>
                   <a:txBody>
-                    <a:bodyPr lIns="91080" rIns="91080" tIns="91080" bIns="91080"/>
+                    <a:bodyPr lIns="91080" rIns="91080"/>
                     <a:p>
                       <a:pPr algn="ctr">
                         <a:lnSpc>
@@ -6594,7 +6013,7 @@
               <a:tr h="891720">
                 <a:tc>
                   <a:txBody>
-                    <a:bodyPr lIns="91080" rIns="91080" tIns="91080" bIns="91080"/>
+                    <a:bodyPr lIns="91080" rIns="91080"/>
                     <a:p>
                       <a:pPr>
                         <a:lnSpc>
@@ -6642,7 +6061,7 @@
                 </a:tc>
                 <a:tc>
                   <a:txBody>
-                    <a:bodyPr lIns="91080" rIns="91080" tIns="91080" bIns="91080"/>
+                    <a:bodyPr lIns="91080" rIns="91080"/>
                     <a:p>
                       <a:pPr algn="ctr">
                         <a:lnSpc>
@@ -6770,7 +6189,7 @@
                 </a:tc>
                 <a:tc>
                   <a:txBody>
-                    <a:bodyPr lIns="91080" rIns="91080" tIns="91080" bIns="91080"/>
+                    <a:bodyPr lIns="91080" rIns="91080"/>
                     <a:p>
                       <a:pPr algn="ctr">
                         <a:lnSpc>
@@ -6888,7 +6307,7 @@
                 </a:tc>
                 <a:tc>
                   <a:txBody>
-                    <a:bodyPr lIns="91080" rIns="91080" tIns="91080" bIns="91080"/>
+                    <a:bodyPr lIns="91080" rIns="91080"/>
                     <a:p>
                       <a:pPr algn="ctr">
                         <a:lnSpc>
@@ -7018,7 +6437,7 @@
               <a:tr h="324360">
                 <a:tc>
                   <a:txBody>
-                    <a:bodyPr lIns="91080" rIns="91080" tIns="91080" bIns="91080"/>
+                    <a:bodyPr lIns="91080" rIns="91080"/>
                     <a:p>
                       <a:pPr>
                         <a:lnSpc>
@@ -7066,7 +6485,7 @@
                 </a:tc>
                 <a:tc>
                   <a:txBody>
-                    <a:bodyPr lIns="91080" rIns="91080" tIns="91080" bIns="91080"/>
+                    <a:bodyPr lIns="91080" rIns="91080"/>
                     <a:p>
                       <a:pPr algn="ctr">
                         <a:lnSpc>
@@ -7114,7 +6533,7 @@
                 </a:tc>
                 <a:tc>
                   <a:txBody>
-                    <a:bodyPr lIns="91080" rIns="91080" tIns="91080" bIns="91080"/>
+                    <a:bodyPr lIns="91080" rIns="91080"/>
                     <a:p>
                       <a:pPr algn="ctr">
                         <a:lnSpc>
@@ -7162,7 +6581,7 @@
                 </a:tc>
                 <a:tc>
                   <a:txBody>
-                    <a:bodyPr lIns="91080" rIns="91080" tIns="91080" bIns="91080"/>
+                    <a:bodyPr lIns="91080" rIns="91080"/>
                     <a:p>
                       <a:pPr algn="ctr">
                         <a:lnSpc>
@@ -7212,7 +6631,7 @@
               <a:tr h="324360">
                 <a:tc>
                   <a:txBody>
-                    <a:bodyPr lIns="91080" rIns="91080" tIns="91080" bIns="91080"/>
+                    <a:bodyPr lIns="91080" rIns="91080"/>
                     <a:p>
                       <a:pPr>
                         <a:lnSpc>
@@ -7260,7 +6679,7 @@
                 </a:tc>
                 <a:tc>
                   <a:txBody>
-                    <a:bodyPr lIns="91080" rIns="91080" tIns="91080" bIns="91080"/>
+                    <a:bodyPr lIns="91080" rIns="91080"/>
                     <a:p>
                       <a:pPr algn="ctr">
                         <a:lnSpc>
@@ -7308,7 +6727,7 @@
                 </a:tc>
                 <a:tc>
                   <a:txBody>
-                    <a:bodyPr lIns="91080" rIns="91080" tIns="91080" bIns="91080"/>
+                    <a:bodyPr lIns="91080" rIns="91080"/>
                     <a:p>
                       <a:pPr algn="ctr">
                         <a:lnSpc>
@@ -7356,7 +6775,7 @@
                 </a:tc>
                 <a:tc>
                   <a:txBody>
-                    <a:bodyPr lIns="91080" rIns="91080" tIns="91080" bIns="91080"/>
+                    <a:bodyPr lIns="91080" rIns="91080"/>
                     <a:p>
                       <a:pPr algn="ctr">
                         <a:lnSpc>
@@ -7406,7 +6825,7 @@
               <a:tr h="324360">
                 <a:tc>
                   <a:txBody>
-                    <a:bodyPr lIns="91080" rIns="91080" tIns="91080" bIns="91080"/>
+                    <a:bodyPr lIns="91080" rIns="91080"/>
                     <a:p>
                       <a:pPr>
                         <a:lnSpc>
@@ -7454,7 +6873,7 @@
                 </a:tc>
                 <a:tc>
                   <a:txBody>
-                    <a:bodyPr lIns="91080" rIns="91080" tIns="91080" bIns="91080"/>
+                    <a:bodyPr lIns="91080" rIns="91080"/>
                     <a:p>
                       <a:pPr algn="ctr">
                         <a:lnSpc>
@@ -7502,7 +6921,7 @@
                 </a:tc>
                 <a:tc>
                   <a:txBody>
-                    <a:bodyPr lIns="91080" rIns="91080" tIns="91080" bIns="91080"/>
+                    <a:bodyPr lIns="91080" rIns="91080"/>
                     <a:p>
                       <a:pPr algn="ctr">
                         <a:lnSpc>
@@ -7550,7 +6969,7 @@
                 </a:tc>
                 <a:tc>
                   <a:txBody>
-                    <a:bodyPr lIns="91080" rIns="91080" tIns="91080" bIns="91080"/>
+                    <a:bodyPr lIns="91080" rIns="91080"/>
                     <a:p>
                       <a:pPr algn="ctr">
                         <a:lnSpc>
@@ -7597,10 +7016,10 @@
                   </a:tcPr>
                 </a:tc>
               </a:tr>
-              <a:tr h="324360">
+              <a:tr h="324000">
                 <a:tc>
                   <a:txBody>
-                    <a:bodyPr lIns="91080" rIns="91080" tIns="91080" bIns="91080"/>
+                    <a:bodyPr lIns="91080" rIns="91080"/>
                     <a:p>
                       <a:pPr>
                         <a:lnSpc>
@@ -7648,7 +7067,7 @@
                 </a:tc>
                 <a:tc>
                   <a:txBody>
-                    <a:bodyPr lIns="91080" rIns="91080" tIns="91080" bIns="91080"/>
+                    <a:bodyPr lIns="91080" rIns="91080"/>
                     <a:p>
                       <a:pPr algn="ctr">
                         <a:lnSpc>
@@ -7696,7 +7115,7 @@
                 </a:tc>
                 <a:tc>
                   <a:txBody>
-                    <a:bodyPr lIns="91080" rIns="91080" tIns="91080" bIns="91080"/>
+                    <a:bodyPr lIns="91080" rIns="91080"/>
                     <a:p>
                       <a:pPr algn="ctr">
                         <a:lnSpc>
@@ -7744,7 +7163,7 @@
                 </a:tc>
                 <a:tc>
                   <a:txBody>
-                    <a:bodyPr lIns="91080" rIns="91080" tIns="91080" bIns="91080"/>
+                    <a:bodyPr lIns="91080" rIns="91080"/>
                     <a:p>
                       <a:pPr algn="ctr">
                         <a:lnSpc>
@@ -7797,7 +7216,7 @@
       </p:graphicFrame>
       <p:pic>
         <p:nvPicPr>
-          <p:cNvPr id="123" name="Google Shape;68;p15" descr=""/>
+          <p:cNvPr id="120" name="Google Shape;68;p15" descr=""/>
           <p:cNvPicPr/>
           <p:nvPr/>
         </p:nvPicPr>
@@ -7808,7 +7227,7 @@
         <p:spPr>
           <a:xfrm>
             <a:off x="76320" y="1216800"/>
-            <a:ext cx="2953440" cy="2935800"/>
+            <a:ext cx="2953080" cy="2935440"/>
           </a:xfrm>
           <a:prstGeom prst="rect">
             <a:avLst/>
@@ -7869,14 +7288,14 @@
       </p:grpSpPr>
       <p:sp>
         <p:nvSpPr>
-          <p:cNvPr id="124" name="TextShape 1"/>
-          <p:cNvSpPr txBox="1"/>
+          <p:cNvPr id="121" name="CustomShape 1"/>
+          <p:cNvSpPr/>
           <p:nvPr/>
         </p:nvSpPr>
         <p:spPr>
           <a:xfrm>
             <a:off x="311760" y="140400"/>
-            <a:ext cx="8520120" cy="572400"/>
+            <a:ext cx="8519760" cy="572040"/>
           </a:xfrm>
           <a:prstGeom prst="rect">
             <a:avLst/>
@@ -7886,8 +7305,14 @@
             <a:noFill/>
           </a:ln>
         </p:spPr>
-        <p:txBody>
-          <a:bodyPr tIns="91440" bIns="91440"/>
+        <p:style>
+          <a:lnRef idx="0"/>
+          <a:fillRef idx="0"/>
+          <a:effectRef idx="0"/>
+          <a:fontRef idx="minor"/>
+        </p:style>
+        <p:txBody>
+          <a:bodyPr lIns="90000" rIns="90000" tIns="91440" bIns="91440"/>
           <a:p>
             <a:pPr>
               <a:lnSpc>
@@ -7905,9 +7330,6 @@
               <a:t>What about MS SQL on Linux?</a:t>
             </a:r>
             <a:endParaRPr b="0" lang="en-GB" sz="2800" spc="-1" strike="noStrike">
-              <a:solidFill>
-                <a:srgbClr val="000000"/>
-              </a:solidFill>
               <a:latin typeface="Arial"/>
             </a:endParaRPr>
           </a:p>
@@ -7915,13 +7337,13 @@
       </p:sp>
       <p:graphicFrame>
         <p:nvGraphicFramePr>
-          <p:cNvPr id="125" name="Table 2"/>
+          <p:cNvPr id="122" name="Table 2"/>
           <p:cNvGraphicFramePr/>
           <p:nvPr/>
         </p:nvGraphicFramePr>
         <p:xfrm>
           <a:off x="429840" y="819000"/>
-          <a:ext cx="6678000" cy="776880"/>
+          <a:ext cx="6677640" cy="2750040"/>
         </p:xfrm>
         <a:graphic>
           <a:graphicData uri="http://schemas.openxmlformats.org/drawingml/2006/table">
@@ -7934,7 +7356,7 @@
               <a:tr h="582120">
                 <a:tc>
                   <a:txBody>
-                    <a:bodyPr lIns="91080" rIns="91080" tIns="91080" bIns="91080"/>
+                    <a:bodyPr lIns="91080" rIns="91080"/>
                     <a:p>
                       <a:pPr>
                         <a:lnSpc>
@@ -7982,7 +7404,7 @@
                 </a:tc>
                 <a:tc>
                   <a:txBody>
-                    <a:bodyPr lIns="91080" rIns="91080" tIns="91080" bIns="91080"/>
+                    <a:bodyPr lIns="91080" rIns="91080"/>
                     <a:p>
                       <a:pPr algn="ctr">
                         <a:lnSpc>
@@ -8032,7 +7454,7 @@
               <a:tr h="2168280">
                 <a:tc>
                   <a:txBody>
-                    <a:bodyPr lIns="91080" rIns="91080" tIns="91080" bIns="91080"/>
+                    <a:bodyPr lIns="91080" rIns="91080"/>
                     <a:p>
                       <a:pPr>
                         <a:lnSpc>
@@ -8171,7 +7593,7 @@
                 </a:tc>
                 <a:tc>
                   <a:txBody>
-                    <a:bodyPr lIns="91080" rIns="91080" tIns="91080" bIns="91080"/>
+                    <a:bodyPr lIns="91080" rIns="91080"/>
                     <a:p>
                       <a:pPr algn="ctr">
                         <a:lnSpc>
@@ -8474,14 +7896,14 @@
       </p:graphicFrame>
       <p:sp>
         <p:nvSpPr>
-          <p:cNvPr id="126" name="CustomShape 3"/>
+          <p:cNvPr id="123" name="CustomShape 3"/>
           <p:cNvSpPr/>
           <p:nvPr/>
         </p:nvSpPr>
         <p:spPr>
           <a:xfrm>
             <a:off x="429840" y="4300560"/>
-            <a:ext cx="6678000" cy="648720"/>
+            <a:ext cx="6677640" cy="648360"/>
           </a:xfrm>
           <a:prstGeom prst="rect">
             <a:avLst/>
@@ -8498,7 +7920,7 @@
           <a:fontRef idx="minor"/>
         </p:style>
         <p:txBody>
-          <a:bodyPr tIns="91440" bIns="91440"/>
+          <a:bodyPr lIns="90000" rIns="90000" tIns="91440" bIns="91440"/>
           <a:p>
             <a:pPr algn="ctr">
               <a:lnSpc>
@@ -8572,14 +7994,14 @@
       </p:grpSpPr>
       <p:sp>
         <p:nvSpPr>
-          <p:cNvPr id="127" name="TextShape 1"/>
-          <p:cNvSpPr txBox="1"/>
+          <p:cNvPr id="124" name="CustomShape 1"/>
+          <p:cNvSpPr/>
           <p:nvPr/>
         </p:nvSpPr>
         <p:spPr>
           <a:xfrm>
             <a:off x="311760" y="-12240"/>
-            <a:ext cx="8520120" cy="572400"/>
+            <a:ext cx="8519760" cy="572040"/>
           </a:xfrm>
           <a:prstGeom prst="rect">
             <a:avLst/>
@@ -8589,8 +8011,14 @@
             <a:noFill/>
           </a:ln>
         </p:spPr>
-        <p:txBody>
-          <a:bodyPr tIns="91440" bIns="91440"/>
+        <p:style>
+          <a:lnRef idx="0"/>
+          <a:fillRef idx="0"/>
+          <a:effectRef idx="0"/>
+          <a:fontRef idx="minor"/>
+        </p:style>
+        <p:txBody>
+          <a:bodyPr lIns="90000" rIns="90000" tIns="91440" bIns="91440"/>
           <a:p>
             <a:pPr>
               <a:lnSpc>
@@ -8608,9 +8036,6 @@
               <a:t>SQL Express DB Engine limitations?</a:t>
             </a:r>
             <a:endParaRPr b="0" lang="en-GB" sz="2800" spc="-1" strike="noStrike">
-              <a:solidFill>
-                <a:srgbClr val="000000"/>
-              </a:solidFill>
               <a:latin typeface="Arial"/>
             </a:endParaRPr>
           </a:p>
@@ -8618,13 +8043,13 @@
       </p:sp>
       <p:graphicFrame>
         <p:nvGraphicFramePr>
-          <p:cNvPr id="128" name="Table 2"/>
+          <p:cNvPr id="125" name="Table 2"/>
           <p:cNvGraphicFramePr/>
           <p:nvPr/>
         </p:nvGraphicFramePr>
         <p:xfrm>
           <a:off x="952560" y="781200"/>
-          <a:ext cx="7238520" cy="3047760"/>
+          <a:ext cx="7238160" cy="3058200"/>
         </p:xfrm>
         <a:graphic>
           <a:graphicData uri="http://schemas.openxmlformats.org/drawingml/2006/table">
@@ -8637,7 +8062,7 @@
               <a:tr h="382320">
                 <a:tc>
                   <a:txBody>
-                    <a:bodyPr lIns="91080" rIns="91080" tIns="91080" bIns="91080"/>
+                    <a:bodyPr lIns="91080" rIns="91080"/>
                     <a:p>
                       <a:pPr>
                         <a:lnSpc>
@@ -8685,7 +8110,7 @@
                 </a:tc>
                 <a:tc>
                   <a:txBody>
-                    <a:bodyPr lIns="91080" rIns="91080" tIns="91080" bIns="91080"/>
+                    <a:bodyPr lIns="91080" rIns="91080"/>
                     <a:p>
                       <a:pPr>
                         <a:lnSpc>
@@ -8735,7 +8160,7 @@
               <a:tr h="382320">
                 <a:tc>
                   <a:txBody>
-                    <a:bodyPr lIns="91080" rIns="91080" tIns="91080" bIns="91080"/>
+                    <a:bodyPr lIns="91080" rIns="91080"/>
                     <a:p>
                       <a:pPr>
                         <a:lnSpc>
@@ -8783,7 +8208,7 @@
                 </a:tc>
                 <a:tc>
                   <a:txBody>
-                    <a:bodyPr lIns="91080" rIns="91080" tIns="91080" bIns="91080"/>
+                    <a:bodyPr lIns="91080" rIns="91080"/>
                     <a:p>
                       <a:pPr>
                         <a:lnSpc>
@@ -8833,7 +8258,7 @@
               <a:tr h="382320">
                 <a:tc>
                   <a:txBody>
-                    <a:bodyPr lIns="91080" rIns="91080" tIns="91080" bIns="91080"/>
+                    <a:bodyPr lIns="91080" rIns="91080"/>
                     <a:p>
                       <a:pPr>
                         <a:lnSpc>
@@ -8881,7 +8306,7 @@
                 </a:tc>
                 <a:tc>
                   <a:txBody>
-                    <a:bodyPr lIns="91080" rIns="91080" tIns="91080" bIns="91080"/>
+                    <a:bodyPr lIns="91080" rIns="91080"/>
                     <a:p>
                       <a:pPr>
                         <a:lnSpc>
@@ -8931,7 +8356,7 @@
               <a:tr h="382320">
                 <a:tc>
                   <a:txBody>
-                    <a:bodyPr lIns="91080" rIns="91080" tIns="91080" bIns="91080"/>
+                    <a:bodyPr lIns="91080" rIns="91080"/>
                     <a:p>
                       <a:pPr>
                         <a:lnSpc>
@@ -8979,7 +8404,7 @@
                 </a:tc>
                 <a:tc>
                   <a:txBody>
-                    <a:bodyPr lIns="91080" rIns="91080" tIns="91080" bIns="91080"/>
+                    <a:bodyPr lIns="91080" rIns="91080"/>
                     <a:p>
                       <a:pPr>
                         <a:lnSpc>
@@ -9029,7 +8454,7 @@
               <a:tr h="382320">
                 <a:tc>
                   <a:txBody>
-                    <a:bodyPr lIns="91080" rIns="91080" tIns="91080" bIns="91080"/>
+                    <a:bodyPr lIns="91080" rIns="91080"/>
                     <a:p>
                       <a:pPr>
                         <a:lnSpc>
@@ -9077,7 +8502,7 @@
                 </a:tc>
                 <a:tc>
                   <a:txBody>
-                    <a:bodyPr lIns="91080" rIns="91080" tIns="91080" bIns="91080"/>
+                    <a:bodyPr lIns="91080" rIns="91080"/>
                     <a:p>
                       <a:pPr>
                         <a:lnSpc>
@@ -9127,7 +8552,7 @@
               <a:tr h="382320">
                 <a:tc>
                   <a:txBody>
-                    <a:bodyPr lIns="91080" rIns="91080" tIns="91080" bIns="91080"/>
+                    <a:bodyPr lIns="91080" rIns="91080"/>
                     <a:p>
                       <a:pPr>
                         <a:lnSpc>
@@ -9175,7 +8600,7 @@
                 </a:tc>
                 <a:tc>
                   <a:txBody>
-                    <a:bodyPr lIns="91080" rIns="91080" tIns="91080" bIns="91080"/>
+                    <a:bodyPr lIns="91080" rIns="91080"/>
                     <a:p>
                       <a:pPr>
                         <a:lnSpc>
@@ -9225,7 +8650,7 @@
               <a:tr h="382320">
                 <a:tc>
                   <a:txBody>
-                    <a:bodyPr lIns="91080" rIns="91080" tIns="91080" bIns="91080"/>
+                    <a:bodyPr lIns="91080" rIns="91080"/>
                     <a:p>
                       <a:pPr>
                         <a:lnSpc>
@@ -9273,7 +8698,7 @@
                 </a:tc>
                 <a:tc>
                   <a:txBody>
-                    <a:bodyPr lIns="91080" rIns="91080" tIns="91080" bIns="91080"/>
+                    <a:bodyPr lIns="91080" rIns="91080"/>
                     <a:p>
                       <a:pPr>
                         <a:lnSpc>
@@ -9320,10 +8745,10 @@
                   </a:tcPr>
                 </a:tc>
               </a:tr>
-              <a:tr h="382320">
+              <a:tr h="381960">
                 <a:tc>
                   <a:txBody>
-                    <a:bodyPr lIns="91080" rIns="91080" tIns="91080" bIns="91080"/>
+                    <a:bodyPr lIns="91080" rIns="91080"/>
                     <a:p>
                       <a:pPr>
                         <a:lnSpc>
@@ -9371,7 +8796,7 @@
                 </a:tc>
                 <a:tc>
                   <a:txBody>
-                    <a:bodyPr lIns="91080" rIns="91080" tIns="91080" bIns="91080"/>
+                    <a:bodyPr lIns="91080" rIns="91080"/>
                     <a:p>
                       <a:pPr>
                         <a:lnSpc>
@@ -9473,14 +8898,14 @@
       </p:grpSpPr>
       <p:sp>
         <p:nvSpPr>
-          <p:cNvPr id="129" name="TextShape 1"/>
-          <p:cNvSpPr txBox="1"/>
+          <p:cNvPr id="126" name="CustomShape 1"/>
+          <p:cNvSpPr/>
           <p:nvPr/>
         </p:nvSpPr>
         <p:spPr>
           <a:xfrm>
             <a:off x="311760" y="-12240"/>
-            <a:ext cx="8520120" cy="572400"/>
+            <a:ext cx="8519760" cy="572040"/>
           </a:xfrm>
           <a:prstGeom prst="rect">
             <a:avLst/>
@@ -9490,8 +8915,14 @@
             <a:noFill/>
           </a:ln>
         </p:spPr>
-        <p:txBody>
-          <a:bodyPr tIns="91440" bIns="91440"/>
+        <p:style>
+          <a:lnRef idx="0"/>
+          <a:fillRef idx="0"/>
+          <a:effectRef idx="0"/>
+          <a:fontRef idx="minor"/>
+        </p:style>
+        <p:txBody>
+          <a:bodyPr lIns="90000" rIns="90000" tIns="91440" bIns="91440"/>
           <a:p>
             <a:pPr>
               <a:lnSpc>
@@ -9509,9 +8940,6 @@
               <a:t>SQL Express general limitations?</a:t>
             </a:r>
             <a:endParaRPr b="0" lang="en-GB" sz="2800" spc="-1" strike="noStrike">
-              <a:solidFill>
-                <a:srgbClr val="000000"/>
-              </a:solidFill>
               <a:latin typeface="Arial"/>
             </a:endParaRPr>
           </a:p>
@@ -9519,13 +8947,13 @@
       </p:sp>
       <p:graphicFrame>
         <p:nvGraphicFramePr>
-          <p:cNvPr id="130" name="Table 2"/>
+          <p:cNvPr id="127" name="Table 2"/>
           <p:cNvGraphicFramePr/>
           <p:nvPr/>
         </p:nvGraphicFramePr>
         <p:xfrm>
           <a:off x="952560" y="781200"/>
-          <a:ext cx="7238520" cy="3428640"/>
+          <a:ext cx="7238520" cy="3440520"/>
         </p:xfrm>
         <a:graphic>
           <a:graphicData uri="http://schemas.openxmlformats.org/drawingml/2006/table">
@@ -9538,7 +8966,7 @@
               <a:tr h="382320">
                 <a:tc>
                   <a:txBody>
-                    <a:bodyPr lIns="91080" rIns="91080" tIns="91080" bIns="91080"/>
+                    <a:bodyPr lIns="91080" rIns="91080"/>
                     <a:p>
                       <a:pPr>
                         <a:lnSpc>
@@ -9586,7 +9014,7 @@
                 </a:tc>
                 <a:tc>
                   <a:txBody>
-                    <a:bodyPr lIns="91080" rIns="91080" tIns="91080" bIns="91080"/>
+                    <a:bodyPr lIns="91080" rIns="91080"/>
                     <a:p>
                       <a:pPr>
                         <a:lnSpc>
@@ -9636,7 +9064,7 @@
               <a:tr h="382320">
                 <a:tc>
                   <a:txBody>
-                    <a:bodyPr lIns="91080" rIns="91080" tIns="91080" bIns="91080"/>
+                    <a:bodyPr lIns="91080" rIns="91080"/>
                     <a:p>
                       <a:pPr>
                         <a:lnSpc>
@@ -9684,7 +9112,7 @@
                 </a:tc>
                 <a:tc>
                   <a:txBody>
-                    <a:bodyPr lIns="91080" rIns="91080" tIns="91080" bIns="91080"/>
+                    <a:bodyPr lIns="91080" rIns="91080"/>
                     <a:p>
                       <a:pPr>
                         <a:lnSpc>
@@ -9734,7 +9162,7 @@
               <a:tr h="382320">
                 <a:tc>
                   <a:txBody>
-                    <a:bodyPr lIns="91080" rIns="91080" tIns="91080" bIns="91080"/>
+                    <a:bodyPr lIns="91080" rIns="91080"/>
                     <a:p>
                       <a:pPr>
                         <a:lnSpc>
@@ -9782,7 +9210,7 @@
                 </a:tc>
                 <a:tc>
                   <a:txBody>
-                    <a:bodyPr lIns="91080" rIns="91080" tIns="91080" bIns="91080"/>
+                    <a:bodyPr lIns="91080" rIns="91080"/>
                     <a:p>
                       <a:pPr>
                         <a:lnSpc>
@@ -9832,7 +9260,7 @@
               <a:tr h="382320">
                 <a:tc>
                   <a:txBody>
-                    <a:bodyPr lIns="91080" rIns="91080" tIns="91080" bIns="91080"/>
+                    <a:bodyPr lIns="91080" rIns="91080"/>
                     <a:p>
                       <a:pPr>
                         <a:lnSpc>
@@ -9880,7 +9308,7 @@
                 </a:tc>
                 <a:tc>
                   <a:txBody>
-                    <a:bodyPr lIns="91080" rIns="91080" tIns="91080" bIns="91080"/>
+                    <a:bodyPr lIns="91080" rIns="91080"/>
                     <a:p>
                       <a:pPr>
                         <a:lnSpc>
@@ -9930,7 +9358,7 @@
               <a:tr h="382320">
                 <a:tc>
                   <a:txBody>
-                    <a:bodyPr lIns="91080" rIns="91080" tIns="91080" bIns="91080"/>
+                    <a:bodyPr lIns="91080" rIns="91080"/>
                     <a:p>
                       <a:pPr>
                         <a:lnSpc>
@@ -9978,7 +9406,7 @@
                 </a:tc>
                 <a:tc>
                   <a:txBody>
-                    <a:bodyPr lIns="91080" rIns="91080" tIns="91080" bIns="91080"/>
+                    <a:bodyPr lIns="91080" rIns="91080"/>
                     <a:p>
                       <a:pPr>
                         <a:lnSpc>
@@ -10028,7 +9456,7 @@
               <a:tr h="382320">
                 <a:tc>
                   <a:txBody>
-                    <a:bodyPr lIns="91080" rIns="91080" tIns="91080" bIns="91080"/>
+                    <a:bodyPr lIns="91080" rIns="91080"/>
                     <a:p>
                       <a:pPr>
                         <a:lnSpc>
@@ -10076,7 +9504,7 @@
                 </a:tc>
                 <a:tc>
                   <a:txBody>
-                    <a:bodyPr lIns="91080" rIns="91080" tIns="91080" bIns="91080"/>
+                    <a:bodyPr lIns="91080" rIns="91080"/>
                     <a:p>
                       <a:pPr>
                         <a:lnSpc>
@@ -10126,7 +9554,7 @@
               <a:tr h="382320">
                 <a:tc>
                   <a:txBody>
-                    <a:bodyPr lIns="91080" rIns="91080" tIns="91080" bIns="91080"/>
+                    <a:bodyPr lIns="91080" rIns="91080"/>
                     <a:p>
                       <a:pPr>
                         <a:lnSpc>
@@ -10174,7 +9602,7 @@
                 </a:tc>
                 <a:tc>
                   <a:txBody>
-                    <a:bodyPr lIns="91080" rIns="91080" tIns="91080" bIns="91080"/>
+                    <a:bodyPr lIns="91080" rIns="91080"/>
                     <a:p>
                       <a:pPr>
                         <a:lnSpc>
@@ -10224,7 +9652,7 @@
               <a:tr h="382320">
                 <a:tc>
                   <a:txBody>
-                    <a:bodyPr lIns="91080" rIns="91080" tIns="91080" bIns="91080"/>
+                    <a:bodyPr lIns="91080" rIns="91080"/>
                     <a:p>
                       <a:pPr>
                         <a:lnSpc>
@@ -10272,7 +9700,7 @@
                 </a:tc>
                 <a:tc>
                   <a:txBody>
-                    <a:bodyPr lIns="91080" rIns="91080" tIns="91080" bIns="91080"/>
+                    <a:bodyPr lIns="91080" rIns="91080"/>
                     <a:p>
                       <a:pPr>
                         <a:lnSpc>
@@ -10319,10 +9747,10 @@
                   </a:tcPr>
                 </a:tc>
               </a:tr>
-              <a:tr h="382320">
+              <a:tr h="381960">
                 <a:tc>
                   <a:txBody>
-                    <a:bodyPr lIns="91080" rIns="91080" tIns="91080" bIns="91080"/>
+                    <a:bodyPr lIns="91080" rIns="91080"/>
                     <a:p>
                       <a:pPr>
                         <a:lnSpc>
@@ -10370,7 +9798,7 @@
                 </a:tc>
                 <a:tc>
                   <a:txBody>
-                    <a:bodyPr lIns="91080" rIns="91080" tIns="91080" bIns="91080"/>
+                    <a:bodyPr lIns="91080" rIns="91080"/>
                     <a:p>
                       <a:pPr>
                         <a:lnSpc>
@@ -10472,14 +9900,14 @@
       </p:grpSpPr>
       <p:sp>
         <p:nvSpPr>
-          <p:cNvPr id="131" name="TextShape 1"/>
-          <p:cNvSpPr txBox="1"/>
+          <p:cNvPr id="128" name="CustomShape 1"/>
+          <p:cNvSpPr/>
           <p:nvPr/>
         </p:nvSpPr>
         <p:spPr>
           <a:xfrm>
             <a:off x="311760" y="140400"/>
-            <a:ext cx="8520120" cy="572400"/>
+            <a:ext cx="8519760" cy="572040"/>
           </a:xfrm>
           <a:prstGeom prst="rect">
             <a:avLst/>
@@ -10489,8 +9917,14 @@
             <a:noFill/>
           </a:ln>
         </p:spPr>
-        <p:txBody>
-          <a:bodyPr tIns="91440" bIns="91440"/>
+        <p:style>
+          <a:lnRef idx="0"/>
+          <a:fillRef idx="0"/>
+          <a:effectRef idx="0"/>
+          <a:fontRef idx="minor"/>
+        </p:style>
+        <p:txBody>
+          <a:bodyPr lIns="90000" rIns="90000" tIns="91440" bIns="91440"/>
           <a:p>
             <a:pPr>
               <a:lnSpc>
@@ -10508,24 +9942,21 @@
               <a:t>Considerations : OS and SQL Admin on Linux</a:t>
             </a:r>
             <a:endParaRPr b="0" lang="en-GB" sz="2800" spc="-1" strike="noStrike">
-              <a:solidFill>
-                <a:srgbClr val="000000"/>
-              </a:solidFill>
-              <a:latin typeface="Arial"/>
-            </a:endParaRPr>
-          </a:p>
-        </p:txBody>
-      </p:sp>
-      <p:sp>
-        <p:nvSpPr>
-          <p:cNvPr id="132" name="TextShape 2"/>
-          <p:cNvSpPr txBox="1"/>
+              <a:latin typeface="Arial"/>
+            </a:endParaRPr>
+          </a:p>
+        </p:txBody>
+      </p:sp>
+      <p:sp>
+        <p:nvSpPr>
+          <p:cNvPr id="129" name="CustomShape 2"/>
+          <p:cNvSpPr/>
           <p:nvPr/>
         </p:nvSpPr>
         <p:spPr>
           <a:xfrm>
             <a:off x="311760" y="923760"/>
-            <a:ext cx="8520120" cy="3885480"/>
+            <a:ext cx="8519760" cy="3885120"/>
           </a:xfrm>
           <a:prstGeom prst="rect">
             <a:avLst/>
@@ -10535,10 +9966,16 @@
             <a:noFill/>
           </a:ln>
         </p:spPr>
-        <p:txBody>
-          <a:bodyPr tIns="91440" bIns="91440"/>
-          <a:p>
-            <a:pPr marL="457200" indent="-342720">
+        <p:style>
+          <a:lnRef idx="0"/>
+          <a:fillRef idx="0"/>
+          <a:effectRef idx="0"/>
+          <a:fontRef idx="minor"/>
+        </p:style>
+        <p:txBody>
+          <a:bodyPr lIns="90000" rIns="90000" tIns="91440" bIns="91440"/>
+          <a:p>
+            <a:pPr marL="457200" indent="-342360">
               <a:lnSpc>
                 <a:spcPct val="115000"/>
               </a:lnSpc>
@@ -10559,14 +9996,11 @@
               <a:t>Bye-bye GUI Windows Desktop</a:t>
             </a:r>
             <a:endParaRPr b="0" lang="en-GB" sz="1800" spc="-1" strike="noStrike">
-              <a:solidFill>
-                <a:srgbClr val="000000"/>
-              </a:solidFill>
-              <a:latin typeface="Arial"/>
-            </a:endParaRPr>
-          </a:p>
-          <a:p>
-            <a:pPr lvl="1" marL="914400" indent="-317160">
+              <a:latin typeface="Arial"/>
+            </a:endParaRPr>
+          </a:p>
+          <a:p>
+            <a:pPr lvl="1" marL="914400" indent="-316800">
               <a:lnSpc>
                 <a:spcPct val="115000"/>
               </a:lnSpc>
@@ -10667,14 +10101,11 @@
               <a:t> … others)</a:t>
             </a:r>
             <a:endParaRPr b="0" lang="en-GB" sz="1400" spc="-1" strike="noStrike">
-              <a:solidFill>
-                <a:srgbClr val="000000"/>
-              </a:solidFill>
-              <a:latin typeface="Arial"/>
-            </a:endParaRPr>
-          </a:p>
-          <a:p>
-            <a:pPr lvl="1" marL="914400" indent="-317160">
+              <a:latin typeface="Arial"/>
+            </a:endParaRPr>
+          </a:p>
+          <a:p>
+            <a:pPr lvl="1" marL="914400" indent="-316800">
               <a:lnSpc>
                 <a:spcPct val="115000"/>
               </a:lnSpc>
@@ -10715,14 +10146,11 @@
               <a:t> by default</a:t>
             </a:r>
             <a:endParaRPr b="0" lang="en-GB" sz="1400" spc="-1" strike="noStrike">
-              <a:solidFill>
-                <a:srgbClr val="000000"/>
-              </a:solidFill>
-              <a:latin typeface="Arial"/>
-            </a:endParaRPr>
-          </a:p>
-          <a:p>
-            <a:pPr lvl="1" marL="914400" indent="-317160">
+              <a:latin typeface="Arial"/>
+            </a:endParaRPr>
+          </a:p>
+          <a:p>
+            <a:pPr lvl="1" marL="914400" indent="-316800">
               <a:lnSpc>
                 <a:spcPct val="115000"/>
               </a:lnSpc>
@@ -10763,14 +10191,11 @@
               <a:t> edition (or similar Linux distro)</a:t>
             </a:r>
             <a:endParaRPr b="0" lang="en-GB" sz="1400" spc="-1" strike="noStrike">
-              <a:solidFill>
-                <a:srgbClr val="000000"/>
-              </a:solidFill>
-              <a:latin typeface="Arial"/>
-            </a:endParaRPr>
-          </a:p>
-          <a:p>
-            <a:pPr marL="457200" indent="-342720">
+              <a:latin typeface="Arial"/>
+            </a:endParaRPr>
+          </a:p>
+          <a:p>
+            <a:pPr marL="457200" indent="-342360">
               <a:lnSpc>
                 <a:spcPct val="115000"/>
               </a:lnSpc>
@@ -10791,14 +10216,11 @@
               <a:t>MSSQL</a:t>
             </a:r>
             <a:endParaRPr b="0" lang="en-GB" sz="1800" spc="-1" strike="noStrike">
-              <a:solidFill>
-                <a:srgbClr val="000000"/>
-              </a:solidFill>
-              <a:latin typeface="Arial"/>
-            </a:endParaRPr>
-          </a:p>
-          <a:p>
-            <a:pPr lvl="1" marL="914400" indent="-317160">
+              <a:latin typeface="Arial"/>
+            </a:endParaRPr>
+          </a:p>
+          <a:p>
+            <a:pPr lvl="1" marL="914400" indent="-316800">
               <a:lnSpc>
                 <a:spcPct val="115000"/>
               </a:lnSpc>
@@ -10839,14 +10261,11 @@
               <a:t> for MS SQL on Linux</a:t>
             </a:r>
             <a:endParaRPr b="0" lang="en-GB" sz="1400" spc="-1" strike="noStrike">
-              <a:solidFill>
-                <a:srgbClr val="000000"/>
-              </a:solidFill>
-              <a:latin typeface="Arial"/>
-            </a:endParaRPr>
-          </a:p>
-          <a:p>
-            <a:pPr lvl="1" marL="914400" indent="-317160">
+              <a:latin typeface="Arial"/>
+            </a:endParaRPr>
+          </a:p>
+          <a:p>
+            <a:pPr lvl="1" marL="914400" indent="-316800">
               <a:lnSpc>
                 <a:spcPct val="115000"/>
               </a:lnSpc>
@@ -10917,14 +10336,11 @@
               <a:t>Tools</a:t>
             </a:r>
             <a:endParaRPr b="0" lang="en-GB" sz="1400" spc="-1" strike="noStrike">
-              <a:solidFill>
-                <a:srgbClr val="000000"/>
-              </a:solidFill>
-              <a:latin typeface="Arial"/>
-            </a:endParaRPr>
-          </a:p>
-          <a:p>
-            <a:pPr lvl="1" marL="914400" indent="-317160">
+              <a:latin typeface="Arial"/>
+            </a:endParaRPr>
+          </a:p>
+          <a:p>
+            <a:pPr lvl="1" marL="914400" indent="-316800">
               <a:lnSpc>
                 <a:spcPct val="115000"/>
               </a:lnSpc>
@@ -10965,14 +10381,11 @@
               <a:t> instead of Windows Integrated for all access</a:t>
             </a:r>
             <a:endParaRPr b="0" lang="en-GB" sz="1400" spc="-1" strike="noStrike">
-              <a:solidFill>
-                <a:srgbClr val="000000"/>
-              </a:solidFill>
-              <a:latin typeface="Arial"/>
-            </a:endParaRPr>
-          </a:p>
-          <a:p>
-            <a:pPr lvl="1" marL="914400" indent="-317160">
+              <a:latin typeface="Arial"/>
+            </a:endParaRPr>
+          </a:p>
+          <a:p>
+            <a:pPr lvl="1" marL="914400" indent="-316800">
               <a:lnSpc>
                 <a:spcPct val="115000"/>
               </a:lnSpc>
@@ -11033,14 +10446,11 @@
               <a:t> port (TCP 1433)</a:t>
             </a:r>
             <a:endParaRPr b="0" lang="en-GB" sz="1400" spc="-1" strike="noStrike">
-              <a:solidFill>
-                <a:srgbClr val="000000"/>
-              </a:solidFill>
-              <a:latin typeface="Arial"/>
-            </a:endParaRPr>
-          </a:p>
-          <a:p>
-            <a:pPr lvl="1" marL="914400" indent="-317160">
+              <a:latin typeface="Arial"/>
+            </a:endParaRPr>
+          </a:p>
+          <a:p>
+            <a:pPr lvl="1" marL="914400" indent="-316800">
               <a:lnSpc>
                 <a:spcPct val="115000"/>
               </a:lnSpc>
@@ -11081,9 +10491,6 @@
               <a:t> folder by default for restore</a:t>
             </a:r>
             <a:endParaRPr b="0" lang="en-GB" sz="1400" spc="-1" strike="noStrike">
-              <a:solidFill>
-                <a:srgbClr val="000000"/>
-              </a:solidFill>
               <a:latin typeface="Arial"/>
             </a:endParaRPr>
           </a:p>
@@ -11100,9 +10507,6 @@
               </a:spcAft>
             </a:pPr>
             <a:endParaRPr b="0" lang="en-GB" sz="1400" spc="-1" strike="noStrike">
-              <a:solidFill>
-                <a:srgbClr val="000000"/>
-              </a:solidFill>
               <a:latin typeface="Arial"/>
             </a:endParaRPr>
           </a:p>
@@ -11159,14 +10563,14 @@
       </p:grpSpPr>
       <p:sp>
         <p:nvSpPr>
-          <p:cNvPr id="133" name="TextShape 1"/>
-          <p:cNvSpPr txBox="1"/>
+          <p:cNvPr id="130" name="CustomShape 1"/>
+          <p:cNvSpPr/>
           <p:nvPr/>
         </p:nvSpPr>
         <p:spPr>
           <a:xfrm>
             <a:off x="311760" y="140400"/>
-            <a:ext cx="8520120" cy="572400"/>
+            <a:ext cx="8519760" cy="572040"/>
           </a:xfrm>
           <a:prstGeom prst="rect">
             <a:avLst/>
@@ -11176,8 +10580,14 @@
             <a:noFill/>
           </a:ln>
         </p:spPr>
-        <p:txBody>
-          <a:bodyPr tIns="91440" bIns="91440"/>
+        <p:style>
+          <a:lnRef idx="0"/>
+          <a:fillRef idx="0"/>
+          <a:effectRef idx="0"/>
+          <a:fontRef idx="minor"/>
+        </p:style>
+        <p:txBody>
+          <a:bodyPr lIns="90000" rIns="90000" tIns="91440" bIns="91440"/>
           <a:p>
             <a:pPr>
               <a:lnSpc>
@@ -11195,24 +10605,21 @@
               <a:t>Considerations: .Net Core and ASP.Net on Linux</a:t>
             </a:r>
             <a:endParaRPr b="0" lang="en-GB" sz="2800" spc="-1" strike="noStrike">
-              <a:solidFill>
-                <a:srgbClr val="000000"/>
-              </a:solidFill>
-              <a:latin typeface="Arial"/>
-            </a:endParaRPr>
-          </a:p>
-        </p:txBody>
-      </p:sp>
-      <p:sp>
-        <p:nvSpPr>
-          <p:cNvPr id="134" name="TextShape 2"/>
-          <p:cNvSpPr txBox="1"/>
+              <a:latin typeface="Arial"/>
+            </a:endParaRPr>
+          </a:p>
+        </p:txBody>
+      </p:sp>
+      <p:sp>
+        <p:nvSpPr>
+          <p:cNvPr id="131" name="CustomShape 2"/>
+          <p:cNvSpPr/>
           <p:nvPr/>
         </p:nvSpPr>
         <p:spPr>
           <a:xfrm>
             <a:off x="311760" y="923760"/>
-            <a:ext cx="8520120" cy="3885480"/>
+            <a:ext cx="8519760" cy="3885120"/>
           </a:xfrm>
           <a:prstGeom prst="rect">
             <a:avLst/>
@@ -11222,10 +10629,16 @@
             <a:noFill/>
           </a:ln>
         </p:spPr>
-        <p:txBody>
-          <a:bodyPr tIns="91440" bIns="91440"/>
-          <a:p>
-            <a:pPr marL="457200" indent="-342720">
+        <p:style>
+          <a:lnRef idx="0"/>
+          <a:fillRef idx="0"/>
+          <a:effectRef idx="0"/>
+          <a:fontRef idx="minor"/>
+        </p:style>
+        <p:txBody>
+          <a:bodyPr lIns="90000" rIns="90000" tIns="91440" bIns="91440"/>
+          <a:p>
+            <a:pPr marL="457200" indent="-342360">
               <a:lnSpc>
                 <a:spcPct val="115000"/>
               </a:lnSpc>
@@ -11246,14 +10659,11 @@
               <a:t>Install .Net Core </a:t>
             </a:r>
             <a:endParaRPr b="0" lang="en-GB" sz="1800" spc="-1" strike="noStrike">
-              <a:solidFill>
-                <a:srgbClr val="000000"/>
-              </a:solidFill>
-              <a:latin typeface="Arial"/>
-            </a:endParaRPr>
-          </a:p>
-          <a:p>
-            <a:pPr marL="457200" indent="-342720">
+              <a:latin typeface="Arial"/>
+            </a:endParaRPr>
+          </a:p>
+          <a:p>
+            <a:pPr marL="457200" indent="-342360">
               <a:lnSpc>
                 <a:spcPct val="115000"/>
               </a:lnSpc>
@@ -11274,14 +10684,11 @@
               <a:t>Web Server</a:t>
             </a:r>
             <a:endParaRPr b="0" lang="en-GB" sz="1800" spc="-1" strike="noStrike">
-              <a:solidFill>
-                <a:srgbClr val="000000"/>
-              </a:solidFill>
-              <a:latin typeface="Arial"/>
-            </a:endParaRPr>
-          </a:p>
-          <a:p>
-            <a:pPr lvl="1" marL="914400" indent="-317160">
+              <a:latin typeface="Arial"/>
+            </a:endParaRPr>
+          </a:p>
+          <a:p>
+            <a:pPr lvl="1" marL="914400" indent="-316800">
               <a:lnSpc>
                 <a:spcPct val="115000"/>
               </a:lnSpc>
@@ -11322,14 +10729,11 @@
               <a:t>) - does not exist on Ubuntu</a:t>
             </a:r>
             <a:endParaRPr b="0" lang="en-GB" sz="1400" spc="-1" strike="noStrike">
-              <a:solidFill>
-                <a:srgbClr val="000000"/>
-              </a:solidFill>
-              <a:latin typeface="Arial"/>
-            </a:endParaRPr>
-          </a:p>
-          <a:p>
-            <a:pPr lvl="2" marL="1371600" indent="-317160">
+              <a:latin typeface="Arial"/>
+            </a:endParaRPr>
+          </a:p>
+          <a:p>
+            <a:pPr lvl="2" marL="1371600" indent="-316800">
               <a:lnSpc>
                 <a:spcPct val="115000"/>
               </a:lnSpc>
@@ -11370,14 +10774,11 @@
               <a:t> as an inbuilt basic web server platform</a:t>
             </a:r>
             <a:endParaRPr b="0" lang="en-GB" sz="1400" spc="-1" strike="noStrike">
-              <a:solidFill>
-                <a:srgbClr val="000000"/>
-              </a:solidFill>
-              <a:latin typeface="Arial"/>
-            </a:endParaRPr>
-          </a:p>
-          <a:p>
-            <a:pPr lvl="2" marL="1371600" indent="-317160">
+              <a:latin typeface="Arial"/>
+            </a:endParaRPr>
+          </a:p>
+          <a:p>
+            <a:pPr lvl="2" marL="1371600" indent="-316800">
               <a:lnSpc>
                 <a:spcPct val="115000"/>
               </a:lnSpc>
@@ -11408,14 +10809,11 @@
               <a:t>Port 5000</a:t>
             </a:r>
             <a:endParaRPr b="0" lang="en-GB" sz="1400" spc="-1" strike="noStrike">
-              <a:solidFill>
-                <a:srgbClr val="000000"/>
-              </a:solidFill>
-              <a:latin typeface="Arial"/>
-            </a:endParaRPr>
-          </a:p>
-          <a:p>
-            <a:pPr lvl="2" marL="1371600" indent="-317160">
+              <a:latin typeface="Arial"/>
+            </a:endParaRPr>
+          </a:p>
+          <a:p>
+            <a:pPr lvl="2" marL="1371600" indent="-316800">
               <a:lnSpc>
                 <a:spcPct val="115000"/>
               </a:lnSpc>
@@ -11456,9 +10854,6 @@
               <a:t>:</a:t>
             </a:r>
             <a:endParaRPr b="0" lang="en-GB" sz="1400" spc="-1" strike="noStrike">
-              <a:solidFill>
-                <a:srgbClr val="000000"/>
-              </a:solidFill>
               <a:latin typeface="Arial"/>
             </a:endParaRPr>
           </a:p>
@@ -11472,14 +10867,11 @@
               </a:spcBef>
             </a:pPr>
             <a:endParaRPr b="0" lang="en-GB" sz="1400" spc="-1" strike="noStrike">
-              <a:solidFill>
-                <a:srgbClr val="000000"/>
-              </a:solidFill>
-              <a:latin typeface="Arial"/>
-            </a:endParaRPr>
-          </a:p>
-          <a:p>
-            <a:pPr lvl="2" marL="1371600" indent="-317160">
+              <a:latin typeface="Arial"/>
+            </a:endParaRPr>
+          </a:p>
+          <a:p>
+            <a:pPr lvl="2" marL="1371600" indent="-316800">
               <a:lnSpc>
                 <a:spcPct val="115000"/>
               </a:lnSpc>
@@ -11513,14 +10905,11 @@
               <a:t>but you would need to elevate privileges for this to work</a:t>
             </a:r>
             <a:endParaRPr b="0" lang="en-GB" sz="1400" spc="-1" strike="noStrike">
-              <a:solidFill>
-                <a:srgbClr val="000000"/>
-              </a:solidFill>
-              <a:latin typeface="Arial"/>
-            </a:endParaRPr>
-          </a:p>
-          <a:p>
-            <a:pPr marL="457200" indent="-317160">
+              <a:latin typeface="Arial"/>
+            </a:endParaRPr>
+          </a:p>
+          <a:p>
+            <a:pPr marL="457200" indent="-316800">
               <a:lnSpc>
                 <a:spcPct val="115000"/>
               </a:lnSpc>
@@ -11551,9 +10940,6 @@
               <a:t>nginx</a:t>
             </a:r>
             <a:endParaRPr b="0" lang="en-GB" sz="1800" spc="-1" strike="noStrike">
-              <a:solidFill>
-                <a:srgbClr val="000000"/>
-              </a:solidFill>
               <a:latin typeface="Arial"/>
             </a:endParaRPr>
           </a:p>
@@ -11570,24 +10956,21 @@
               </a:spcAft>
             </a:pPr>
             <a:endParaRPr b="0" lang="en-GB" sz="1800" spc="-1" strike="noStrike">
-              <a:solidFill>
-                <a:srgbClr val="000000"/>
-              </a:solidFill>
-              <a:latin typeface="Arial"/>
-            </a:endParaRPr>
-          </a:p>
-        </p:txBody>
-      </p:sp>
-      <p:sp>
-        <p:nvSpPr>
-          <p:cNvPr id="135" name="CustomShape 3"/>
+              <a:latin typeface="Arial"/>
+            </a:endParaRPr>
+          </a:p>
+        </p:txBody>
+      </p:sp>
+      <p:sp>
+        <p:nvSpPr>
+          <p:cNvPr id="132" name="CustomShape 3"/>
           <p:cNvSpPr/>
           <p:nvPr/>
         </p:nvSpPr>
         <p:spPr>
           <a:xfrm>
             <a:off x="4741920" y="2178000"/>
-            <a:ext cx="2472480" cy="740160"/>
+            <a:ext cx="2472120" cy="739800"/>
           </a:xfrm>
           <a:prstGeom prst="rect">
             <a:avLst/>
@@ -11607,7 +10990,7 @@
           <a:fontRef idx="minor"/>
         </p:style>
         <p:txBody>
-          <a:bodyPr tIns="91440" bIns="91440"/>
+          <a:bodyPr lIns="90000" rIns="90000" tIns="91440" bIns="91440"/>
           <a:p>
             <a:pPr>
               <a:lnSpc>
@@ -11803,14 +11186,14 @@
       </p:grpSpPr>
       <p:sp>
         <p:nvSpPr>
-          <p:cNvPr id="136" name="TextShape 1"/>
-          <p:cNvSpPr txBox="1"/>
+          <p:cNvPr id="133" name="CustomShape 1"/>
+          <p:cNvSpPr/>
           <p:nvPr/>
         </p:nvSpPr>
         <p:spPr>
           <a:xfrm>
             <a:off x="311760" y="140400"/>
-            <a:ext cx="8520120" cy="572400"/>
+            <a:ext cx="8519760" cy="572040"/>
           </a:xfrm>
           <a:prstGeom prst="rect">
             <a:avLst/>
@@ -11820,8 +11203,14 @@
             <a:noFill/>
           </a:ln>
         </p:spPr>
-        <p:txBody>
-          <a:bodyPr tIns="91440" bIns="91440"/>
+        <p:style>
+          <a:lnRef idx="0"/>
+          <a:fillRef idx="0"/>
+          <a:effectRef idx="0"/>
+          <a:fontRef idx="minor"/>
+        </p:style>
+        <p:txBody>
+          <a:bodyPr lIns="90000" rIns="90000" tIns="91440" bIns="91440"/>
           <a:p>
             <a:pPr>
               <a:lnSpc>
@@ -11839,24 +11228,21 @@
               <a:t>Considerations: .Net Development on Linux</a:t>
             </a:r>
             <a:endParaRPr b="0" lang="en-GB" sz="2800" spc="-1" strike="noStrike">
-              <a:solidFill>
-                <a:srgbClr val="000000"/>
-              </a:solidFill>
-              <a:latin typeface="Arial"/>
-            </a:endParaRPr>
-          </a:p>
-        </p:txBody>
-      </p:sp>
-      <p:sp>
-        <p:nvSpPr>
-          <p:cNvPr id="137" name="TextShape 2"/>
-          <p:cNvSpPr txBox="1"/>
+              <a:latin typeface="Arial"/>
+            </a:endParaRPr>
+          </a:p>
+        </p:txBody>
+      </p:sp>
+      <p:sp>
+        <p:nvSpPr>
+          <p:cNvPr id="134" name="CustomShape 2"/>
+          <p:cNvSpPr/>
           <p:nvPr/>
         </p:nvSpPr>
         <p:spPr>
           <a:xfrm>
             <a:off x="311760" y="923760"/>
-            <a:ext cx="8520120" cy="3885480"/>
+            <a:ext cx="8519760" cy="3885120"/>
           </a:xfrm>
           <a:prstGeom prst="rect">
             <a:avLst/>
@@ -11866,10 +11252,16 @@
             <a:noFill/>
           </a:ln>
         </p:spPr>
-        <p:txBody>
-          <a:bodyPr tIns="91440" bIns="91440"/>
-          <a:p>
-            <a:pPr marL="457200" indent="-342720">
+        <p:style>
+          <a:lnRef idx="0"/>
+          <a:fillRef idx="0"/>
+          <a:effectRef idx="0"/>
+          <a:fontRef idx="minor"/>
+        </p:style>
+        <p:txBody>
+          <a:bodyPr lIns="90000" rIns="90000" tIns="91440" bIns="91440"/>
+          <a:p>
+            <a:pPr marL="457200" indent="-342360">
               <a:lnSpc>
                 <a:spcPct val="115000"/>
               </a:lnSpc>
@@ -11890,14 +11282,11 @@
               <a:t>.Net Core starts with a Command Line experience </a:t>
             </a:r>
             <a:endParaRPr b="0" lang="en-GB" sz="1800" spc="-1" strike="noStrike">
-              <a:solidFill>
-                <a:srgbClr val="000000"/>
-              </a:solidFill>
-              <a:latin typeface="Arial"/>
-            </a:endParaRPr>
-          </a:p>
-          <a:p>
-            <a:pPr lvl="1" marL="914400" indent="-317160">
+              <a:latin typeface="Arial"/>
+            </a:endParaRPr>
+          </a:p>
+          <a:p>
+            <a:pPr lvl="1" marL="914400" indent="-316800">
               <a:lnSpc>
                 <a:spcPct val="115000"/>
               </a:lnSpc>
@@ -11918,14 +11307,11 @@
               <a:t>that is the same for all supported platforms!</a:t>
             </a:r>
             <a:endParaRPr b="0" lang="en-GB" sz="1400" spc="-1" strike="noStrike">
-              <a:solidFill>
-                <a:srgbClr val="000000"/>
-              </a:solidFill>
-              <a:latin typeface="Arial"/>
-            </a:endParaRPr>
-          </a:p>
-          <a:p>
-            <a:pPr lvl="2" marL="1371600" indent="-317160">
+              <a:latin typeface="Arial"/>
+            </a:endParaRPr>
+          </a:p>
+          <a:p>
+            <a:pPr lvl="2" marL="1371600" indent="-316800">
               <a:lnSpc>
                 <a:spcPct val="115000"/>
               </a:lnSpc>
@@ -11946,14 +11332,11 @@
               <a:t>dotnet new XXXX:</a:t>
             </a:r>
             <a:endParaRPr b="0" lang="en-GB" sz="1400" spc="-1" strike="noStrike">
-              <a:solidFill>
-                <a:srgbClr val="000000"/>
-              </a:solidFill>
-              <a:latin typeface="Arial"/>
-            </a:endParaRPr>
-          </a:p>
-          <a:p>
-            <a:pPr lvl="3" marL="1828800" indent="-317160">
+              <a:latin typeface="Arial"/>
+            </a:endParaRPr>
+          </a:p>
+          <a:p>
+            <a:pPr lvl="3" marL="1828800" indent="-316800">
               <a:lnSpc>
                 <a:spcPct val="115000"/>
               </a:lnSpc>
@@ -11974,14 +11357,11 @@
               <a:t>console</a:t>
             </a:r>
             <a:endParaRPr b="0" lang="en-GB" sz="1400" spc="-1" strike="noStrike">
-              <a:solidFill>
-                <a:srgbClr val="000000"/>
-              </a:solidFill>
-              <a:latin typeface="Arial"/>
-            </a:endParaRPr>
-          </a:p>
-          <a:p>
-            <a:pPr lvl="3" marL="1828800" indent="-317160">
+              <a:latin typeface="Arial"/>
+            </a:endParaRPr>
+          </a:p>
+          <a:p>
+            <a:pPr lvl="3" marL="1828800" indent="-316800">
               <a:lnSpc>
                 <a:spcPct val="115000"/>
               </a:lnSpc>
@@ -12002,14 +11382,11 @@
               <a:t>web</a:t>
             </a:r>
             <a:endParaRPr b="0" lang="en-GB" sz="1400" spc="-1" strike="noStrike">
-              <a:solidFill>
-                <a:srgbClr val="000000"/>
-              </a:solidFill>
-              <a:latin typeface="Arial"/>
-            </a:endParaRPr>
-          </a:p>
-          <a:p>
-            <a:pPr lvl="3" marL="1828800" indent="-317160">
+              <a:latin typeface="Arial"/>
+            </a:endParaRPr>
+          </a:p>
+          <a:p>
+            <a:pPr lvl="3" marL="1828800" indent="-316800">
               <a:lnSpc>
                 <a:spcPct val="115000"/>
               </a:lnSpc>
@@ -12030,14 +11407,11 @@
               <a:t>razor</a:t>
             </a:r>
             <a:endParaRPr b="0" lang="en-GB" sz="1400" spc="-1" strike="noStrike">
-              <a:solidFill>
-                <a:srgbClr val="000000"/>
-              </a:solidFill>
-              <a:latin typeface="Arial"/>
-            </a:endParaRPr>
-          </a:p>
-          <a:p>
-            <a:pPr lvl="3" marL="1828800" indent="-317160">
+              <a:latin typeface="Arial"/>
+            </a:endParaRPr>
+          </a:p>
+          <a:p>
+            <a:pPr lvl="3" marL="1828800" indent="-316800">
               <a:lnSpc>
                 <a:spcPct val="115000"/>
               </a:lnSpc>
@@ -12058,14 +11432,11 @@
               <a:t>angular</a:t>
             </a:r>
             <a:endParaRPr b="0" lang="en-GB" sz="1400" spc="-1" strike="noStrike">
-              <a:solidFill>
-                <a:srgbClr val="000000"/>
-              </a:solidFill>
-              <a:latin typeface="Arial"/>
-            </a:endParaRPr>
-          </a:p>
-          <a:p>
-            <a:pPr lvl="3" marL="1828800" indent="-317160">
+              <a:latin typeface="Arial"/>
+            </a:endParaRPr>
+          </a:p>
+          <a:p>
+            <a:pPr lvl="3" marL="1828800" indent="-316800">
               <a:lnSpc>
                 <a:spcPct val="115000"/>
               </a:lnSpc>
@@ -12086,14 +11457,11 @@
               <a:t>react</a:t>
             </a:r>
             <a:endParaRPr b="0" lang="en-GB" sz="1400" spc="-1" strike="noStrike">
-              <a:solidFill>
-                <a:srgbClr val="000000"/>
-              </a:solidFill>
-              <a:latin typeface="Arial"/>
-            </a:endParaRPr>
-          </a:p>
-          <a:p>
-            <a:pPr lvl="3" marL="1828800" indent="-317160">
+              <a:latin typeface="Arial"/>
+            </a:endParaRPr>
+          </a:p>
+          <a:p>
+            <a:pPr lvl="3" marL="1828800" indent="-316800">
               <a:lnSpc>
                 <a:spcPct val="115000"/>
               </a:lnSpc>
@@ -12114,14 +11482,11 @@
               <a:t>webapi</a:t>
             </a:r>
             <a:endParaRPr b="0" lang="en-GB" sz="1400" spc="-1" strike="noStrike">
-              <a:solidFill>
-                <a:srgbClr val="000000"/>
-              </a:solidFill>
-              <a:latin typeface="Arial"/>
-            </a:endParaRPr>
-          </a:p>
-          <a:p>
-            <a:pPr lvl="3" marL="1828800" indent="-317160">
+              <a:latin typeface="Arial"/>
+            </a:endParaRPr>
+          </a:p>
+          <a:p>
+            <a:pPr lvl="3" marL="1828800" indent="-316800">
               <a:lnSpc>
                 <a:spcPct val="115000"/>
               </a:lnSpc>
@@ -12152,14 +11517,11 @@
               <a:t>...</a:t>
             </a:r>
             <a:endParaRPr b="0" lang="en-GB" sz="1400" spc="-1" strike="noStrike">
-              <a:solidFill>
-                <a:srgbClr val="000000"/>
-              </a:solidFill>
-              <a:latin typeface="Arial"/>
-            </a:endParaRPr>
-          </a:p>
-          <a:p>
-            <a:pPr lvl="2" marL="1371600" indent="-317160">
+              <a:latin typeface="Arial"/>
+            </a:endParaRPr>
+          </a:p>
+          <a:p>
+            <a:pPr lvl="2" marL="1371600" indent="-316800">
               <a:lnSpc>
                 <a:spcPct val="115000"/>
               </a:lnSpc>
@@ -12180,14 +11542,11 @@
               <a:t>dotnet restore (optional …. mostly)</a:t>
             </a:r>
             <a:endParaRPr b="0" lang="en-GB" sz="1400" spc="-1" strike="noStrike">
-              <a:solidFill>
-                <a:srgbClr val="000000"/>
-              </a:solidFill>
-              <a:latin typeface="Arial"/>
-            </a:endParaRPr>
-          </a:p>
-          <a:p>
-            <a:pPr lvl="2" marL="1371600" indent="-317160">
+              <a:latin typeface="Arial"/>
+            </a:endParaRPr>
+          </a:p>
+          <a:p>
+            <a:pPr lvl="2" marL="1371600" indent="-316800">
               <a:lnSpc>
                 <a:spcPct val="115000"/>
               </a:lnSpc>
@@ -12208,14 +11567,11 @@
               <a:t>dotnet run</a:t>
             </a:r>
             <a:endParaRPr b="0" lang="en-GB" sz="1400" spc="-1" strike="noStrike">
-              <a:solidFill>
-                <a:srgbClr val="000000"/>
-              </a:solidFill>
-              <a:latin typeface="Arial"/>
-            </a:endParaRPr>
-          </a:p>
-          <a:p>
-            <a:pPr marL="457200" indent="-342720">
+              <a:latin typeface="Arial"/>
+            </a:endParaRPr>
+          </a:p>
+          <a:p>
+            <a:pPr marL="457200" indent="-342360">
               <a:lnSpc>
                 <a:spcPct val="115000"/>
               </a:lnSpc>
@@ -12276,14 +11632,11 @@
               <a:t> editor?</a:t>
             </a:r>
             <a:endParaRPr b="0" lang="en-GB" sz="1800" spc="-1" strike="noStrike">
-              <a:solidFill>
-                <a:srgbClr val="000000"/>
-              </a:solidFill>
-              <a:latin typeface="Arial"/>
-            </a:endParaRPr>
-          </a:p>
-          <a:p>
-            <a:pPr lvl="1" marL="914400" indent="-317160">
+              <a:latin typeface="Arial"/>
+            </a:endParaRPr>
+          </a:p>
+          <a:p>
+            <a:pPr lvl="1" marL="914400" indent="-316800">
               <a:lnSpc>
                 <a:spcPct val="115000"/>
               </a:lnSpc>
@@ -12324,9 +11677,6 @@
               <a:t> (VSCode) as an IDE</a:t>
             </a:r>
             <a:endParaRPr b="0" lang="en-GB" sz="1400" spc="-1" strike="noStrike">
-              <a:solidFill>
-                <a:srgbClr val="000000"/>
-              </a:solidFill>
               <a:latin typeface="Arial"/>
             </a:endParaRPr>
           </a:p>
@@ -12343,9 +11693,6 @@
               </a:spcAft>
             </a:pPr>
             <a:endParaRPr b="0" lang="en-GB" sz="1400" spc="-1" strike="noStrike">
-              <a:solidFill>
-                <a:srgbClr val="000000"/>
-              </a:solidFill>
               <a:latin typeface="Arial"/>
             </a:endParaRPr>
           </a:p>
